--- a/2025-03 - EESSI test suite at EUM25.pptx
+++ b/2025-03 - EESSI test suite at EUM25.pptx
@@ -16,18 +16,18 @@
     <p:sldId id="503" r:id="rId7"/>
     <p:sldId id="504" r:id="rId8"/>
     <p:sldId id="491" r:id="rId9"/>
-    <p:sldId id="505" r:id="rId10"/>
-    <p:sldId id="492" r:id="rId11"/>
-    <p:sldId id="493" r:id="rId12"/>
-    <p:sldId id="494" r:id="rId13"/>
-    <p:sldId id="495" r:id="rId14"/>
-    <p:sldId id="496" r:id="rId15"/>
-    <p:sldId id="497" r:id="rId16"/>
-    <p:sldId id="500" r:id="rId17"/>
-    <p:sldId id="498" r:id="rId18"/>
-    <p:sldId id="499" r:id="rId19"/>
-    <p:sldId id="501" r:id="rId20"/>
-    <p:sldId id="502" r:id="rId21"/>
+    <p:sldId id="502" r:id="rId10"/>
+    <p:sldId id="505" r:id="rId11"/>
+    <p:sldId id="492" r:id="rId12"/>
+    <p:sldId id="493" r:id="rId13"/>
+    <p:sldId id="494" r:id="rId14"/>
+    <p:sldId id="495" r:id="rId15"/>
+    <p:sldId id="496" r:id="rId16"/>
+    <p:sldId id="497" r:id="rId17"/>
+    <p:sldId id="500" r:id="rId18"/>
+    <p:sldId id="498" r:id="rId19"/>
+    <p:sldId id="499" r:id="rId20"/>
+    <p:sldId id="501" r:id="rId21"/>
     <p:sldId id="277" r:id="rId22"/>
   </p:sldIdLst>
   <p:sldSz cx="9144000" cy="5143500" type="screen16x9"/>
@@ -6224,6 +6224,667 @@
         <p:cNvPr id="1" name="">
           <a:extLst>
             <a:ext uri="{FF2B5EF4-FFF2-40B4-BE49-F238E27FC236}">
+              <a16:creationId xmlns:a16="http://schemas.microsoft.com/office/drawing/2014/main" id="{40C439C6-6B4D-7492-2415-80CF3EE32BB5}"/>
+            </a:ext>
+          </a:extLst>
+        </p:cNvPr>
+        <p:cNvGrpSpPr/>
+        <p:nvPr/>
+      </p:nvGrpSpPr>
+      <p:grpSpPr>
+        <a:xfrm>
+          <a:off x="0" y="0"/>
+          <a:ext cx="0" cy="0"/>
+          <a:chOff x="0" y="0"/>
+          <a:chExt cx="0" cy="0"/>
+        </a:xfrm>
+      </p:grpSpPr>
+      <p:sp>
+        <p:nvSpPr>
+          <p:cNvPr id="5" name="Text Placeholder 4">
+            <a:extLst>
+              <a:ext uri="{FF2B5EF4-FFF2-40B4-BE49-F238E27FC236}">
+                <a16:creationId xmlns:a16="http://schemas.microsoft.com/office/drawing/2014/main" id="{558D1E2C-31A9-BC0A-B348-CBC51714102A}"/>
+              </a:ext>
+            </a:extLst>
+          </p:cNvPr>
+          <p:cNvSpPr>
+            <a:spLocks noGrp="1"/>
+          </p:cNvSpPr>
+          <p:nvPr>
+            <p:ph type="body" idx="1"/>
+          </p:nvPr>
+        </p:nvSpPr>
+        <p:spPr>
+          <a:xfrm>
+            <a:off x="443017" y="772766"/>
+            <a:ext cx="8390739" cy="3791283"/>
+          </a:xfrm>
+        </p:spPr>
+        <p:txBody>
+          <a:bodyPr/>
+          <a:lstStyle/>
+          <a:p>
+            <a:r>
+              <a:rPr lang="en-US" sz="1800" dirty="0"/>
+              <a:t>Detailed steps on subsequent slides</a:t>
+            </a:r>
+          </a:p>
+          <a:p>
+            <a:r>
+              <a:rPr lang="en-US" sz="1800" dirty="0"/>
+              <a:t>Quickest way: copy-paste from slides at </a:t>
+            </a:r>
+            <a:r>
+              <a:rPr lang="en-US" sz="1800" dirty="0">
+                <a:hlinkClick r:id="rId2"/>
+              </a:rPr>
+              <a:t>https://github.com/casparvl/EUM25</a:t>
+            </a:r>
+            <a:r>
+              <a:rPr lang="en-US" sz="1800" dirty="0"/>
+              <a:t> </a:t>
+            </a:r>
+          </a:p>
+          <a:p>
+            <a:r>
+              <a:rPr lang="en-US" sz="1800" dirty="0"/>
+              <a:t>Docs for creating a config file: </a:t>
+            </a:r>
+            <a:r>
+              <a:rPr lang="en-US" sz="1800" dirty="0">
+                <a:hlinkClick r:id="rId3"/>
+              </a:rPr>
+              <a:t>https://www.eessi.io/docs/test-suite/installation-configuration/</a:t>
+            </a:r>
+            <a:r>
+              <a:rPr lang="en-US" sz="1800" dirty="0"/>
+              <a:t> </a:t>
+            </a:r>
+          </a:p>
+          <a:p>
+            <a:endParaRPr lang="en-US" sz="1800" dirty="0"/>
+          </a:p>
+        </p:txBody>
+      </p:sp>
+      <p:sp>
+        <p:nvSpPr>
+          <p:cNvPr id="3" name="Google Shape;79;p13">
+            <a:extLst>
+              <a:ext uri="{FF2B5EF4-FFF2-40B4-BE49-F238E27FC236}">
+                <a16:creationId xmlns:a16="http://schemas.microsoft.com/office/drawing/2014/main" id="{EB13EC94-6E54-95C1-FB10-8CE6E7E0CE33}"/>
+              </a:ext>
+            </a:extLst>
+          </p:cNvPr>
+          <p:cNvSpPr txBox="1">
+            <a:spLocks/>
+          </p:cNvSpPr>
+          <p:nvPr/>
+        </p:nvSpPr>
+        <p:spPr>
+          <a:xfrm>
+            <a:off x="-105683" y="4773864"/>
+            <a:ext cx="548700" cy="393600"/>
+          </a:xfrm>
+          <a:prstGeom prst="rect">
+            <a:avLst/>
+          </a:prstGeom>
+        </p:spPr>
+        <p:txBody>
+          <a:bodyPr spcFirstLastPara="1" wrap="square" lIns="91425" tIns="91425" rIns="91425" bIns="91425" anchor="t" anchorCtr="0">
+            <a:noAutofit/>
+          </a:bodyPr>
+          <a:lstStyle>
+            <a:defPPr marR="0" lvl="0" algn="l" rtl="0">
+              <a:lnSpc>
+                <a:spcPct val="100000"/>
+              </a:lnSpc>
+              <a:spcBef>
+                <a:spcPts val="0"/>
+              </a:spcBef>
+              <a:spcAft>
+                <a:spcPts val="0"/>
+              </a:spcAft>
+            </a:defPPr>
+            <a:lvl1pPr marR="0" lvl="0" algn="l" rtl="0">
+              <a:lnSpc>
+                <a:spcPct val="100000"/>
+              </a:lnSpc>
+              <a:spcBef>
+                <a:spcPts val="0"/>
+              </a:spcBef>
+              <a:spcAft>
+                <a:spcPts val="0"/>
+              </a:spcAft>
+              <a:buClr>
+                <a:srgbClr val="000000"/>
+              </a:buClr>
+              <a:buFont typeface="Arial"/>
+              <a:defRPr sz="1400" b="0" i="0" u="none" strike="noStrike" cap="none">
+                <a:solidFill>
+                  <a:srgbClr val="000000"/>
+                </a:solidFill>
+                <a:latin typeface="Arial"/>
+                <a:ea typeface="Arial"/>
+                <a:cs typeface="Arial"/>
+                <a:sym typeface="Arial"/>
+              </a:defRPr>
+            </a:lvl1pPr>
+            <a:lvl2pPr marR="0" lvl="1" algn="l" rtl="0">
+              <a:lnSpc>
+                <a:spcPct val="100000"/>
+              </a:lnSpc>
+              <a:spcBef>
+                <a:spcPts val="0"/>
+              </a:spcBef>
+              <a:spcAft>
+                <a:spcPts val="0"/>
+              </a:spcAft>
+              <a:buClr>
+                <a:srgbClr val="000000"/>
+              </a:buClr>
+              <a:buFont typeface="Arial"/>
+              <a:defRPr sz="1400" b="0" i="0" u="none" strike="noStrike" cap="none">
+                <a:solidFill>
+                  <a:srgbClr val="000000"/>
+                </a:solidFill>
+                <a:latin typeface="Arial"/>
+                <a:ea typeface="Arial"/>
+                <a:cs typeface="Arial"/>
+                <a:sym typeface="Arial"/>
+              </a:defRPr>
+            </a:lvl2pPr>
+            <a:lvl3pPr marR="0" lvl="2" algn="l" rtl="0">
+              <a:lnSpc>
+                <a:spcPct val="100000"/>
+              </a:lnSpc>
+              <a:spcBef>
+                <a:spcPts val="0"/>
+              </a:spcBef>
+              <a:spcAft>
+                <a:spcPts val="0"/>
+              </a:spcAft>
+              <a:buClr>
+                <a:srgbClr val="000000"/>
+              </a:buClr>
+              <a:buFont typeface="Arial"/>
+              <a:defRPr sz="1400" b="0" i="0" u="none" strike="noStrike" cap="none">
+                <a:solidFill>
+                  <a:srgbClr val="000000"/>
+                </a:solidFill>
+                <a:latin typeface="Arial"/>
+                <a:ea typeface="Arial"/>
+                <a:cs typeface="Arial"/>
+                <a:sym typeface="Arial"/>
+              </a:defRPr>
+            </a:lvl3pPr>
+            <a:lvl4pPr marR="0" lvl="3" algn="l" rtl="0">
+              <a:lnSpc>
+                <a:spcPct val="100000"/>
+              </a:lnSpc>
+              <a:spcBef>
+                <a:spcPts val="0"/>
+              </a:spcBef>
+              <a:spcAft>
+                <a:spcPts val="0"/>
+              </a:spcAft>
+              <a:buClr>
+                <a:srgbClr val="000000"/>
+              </a:buClr>
+              <a:buFont typeface="Arial"/>
+              <a:defRPr sz="1400" b="0" i="0" u="none" strike="noStrike" cap="none">
+                <a:solidFill>
+                  <a:srgbClr val="000000"/>
+                </a:solidFill>
+                <a:latin typeface="Arial"/>
+                <a:ea typeface="Arial"/>
+                <a:cs typeface="Arial"/>
+                <a:sym typeface="Arial"/>
+              </a:defRPr>
+            </a:lvl4pPr>
+            <a:lvl5pPr marR="0" lvl="4" algn="l" rtl="0">
+              <a:lnSpc>
+                <a:spcPct val="100000"/>
+              </a:lnSpc>
+              <a:spcBef>
+                <a:spcPts val="0"/>
+              </a:spcBef>
+              <a:spcAft>
+                <a:spcPts val="0"/>
+              </a:spcAft>
+              <a:buClr>
+                <a:srgbClr val="000000"/>
+              </a:buClr>
+              <a:buFont typeface="Arial"/>
+              <a:defRPr sz="1400" b="0" i="0" u="none" strike="noStrike" cap="none">
+                <a:solidFill>
+                  <a:srgbClr val="000000"/>
+                </a:solidFill>
+                <a:latin typeface="Arial"/>
+                <a:ea typeface="Arial"/>
+                <a:cs typeface="Arial"/>
+                <a:sym typeface="Arial"/>
+              </a:defRPr>
+            </a:lvl5pPr>
+            <a:lvl6pPr marR="0" lvl="5" algn="l" rtl="0">
+              <a:lnSpc>
+                <a:spcPct val="100000"/>
+              </a:lnSpc>
+              <a:spcBef>
+                <a:spcPts val="0"/>
+              </a:spcBef>
+              <a:spcAft>
+                <a:spcPts val="0"/>
+              </a:spcAft>
+              <a:buClr>
+                <a:srgbClr val="000000"/>
+              </a:buClr>
+              <a:buFont typeface="Arial"/>
+              <a:defRPr sz="1400" b="0" i="0" u="none" strike="noStrike" cap="none">
+                <a:solidFill>
+                  <a:srgbClr val="000000"/>
+                </a:solidFill>
+                <a:latin typeface="Arial"/>
+                <a:ea typeface="Arial"/>
+                <a:cs typeface="Arial"/>
+                <a:sym typeface="Arial"/>
+              </a:defRPr>
+            </a:lvl6pPr>
+            <a:lvl7pPr marR="0" lvl="6" algn="l" rtl="0">
+              <a:lnSpc>
+                <a:spcPct val="100000"/>
+              </a:lnSpc>
+              <a:spcBef>
+                <a:spcPts val="0"/>
+              </a:spcBef>
+              <a:spcAft>
+                <a:spcPts val="0"/>
+              </a:spcAft>
+              <a:buClr>
+                <a:srgbClr val="000000"/>
+              </a:buClr>
+              <a:buFont typeface="Arial"/>
+              <a:defRPr sz="1400" b="0" i="0" u="none" strike="noStrike" cap="none">
+                <a:solidFill>
+                  <a:srgbClr val="000000"/>
+                </a:solidFill>
+                <a:latin typeface="Arial"/>
+                <a:ea typeface="Arial"/>
+                <a:cs typeface="Arial"/>
+                <a:sym typeface="Arial"/>
+              </a:defRPr>
+            </a:lvl7pPr>
+            <a:lvl8pPr marR="0" lvl="7" algn="l" rtl="0">
+              <a:lnSpc>
+                <a:spcPct val="100000"/>
+              </a:lnSpc>
+              <a:spcBef>
+                <a:spcPts val="0"/>
+              </a:spcBef>
+              <a:spcAft>
+                <a:spcPts val="0"/>
+              </a:spcAft>
+              <a:buClr>
+                <a:srgbClr val="000000"/>
+              </a:buClr>
+              <a:buFont typeface="Arial"/>
+              <a:defRPr sz="1400" b="0" i="0" u="none" strike="noStrike" cap="none">
+                <a:solidFill>
+                  <a:srgbClr val="000000"/>
+                </a:solidFill>
+                <a:latin typeface="Arial"/>
+                <a:ea typeface="Arial"/>
+                <a:cs typeface="Arial"/>
+                <a:sym typeface="Arial"/>
+              </a:defRPr>
+            </a:lvl8pPr>
+            <a:lvl9pPr marR="0" lvl="8" algn="l" rtl="0">
+              <a:lnSpc>
+                <a:spcPct val="100000"/>
+              </a:lnSpc>
+              <a:spcBef>
+                <a:spcPts val="0"/>
+              </a:spcBef>
+              <a:spcAft>
+                <a:spcPts val="0"/>
+              </a:spcAft>
+              <a:buClr>
+                <a:srgbClr val="000000"/>
+              </a:buClr>
+              <a:buFont typeface="Arial"/>
+              <a:defRPr sz="1400" b="0" i="0" u="none" strike="noStrike" cap="none">
+                <a:solidFill>
+                  <a:srgbClr val="000000"/>
+                </a:solidFill>
+                <a:latin typeface="Arial"/>
+                <a:ea typeface="Arial"/>
+                <a:cs typeface="Arial"/>
+                <a:sym typeface="Arial"/>
+              </a:defRPr>
+            </a:lvl9pPr>
+          </a:lstStyle>
+          <a:p>
+            <a:pPr algn="r"/>
+            <a:fld id="{00000000-1234-1234-1234-123412341234}" type="slidenum">
+              <a:rPr lang="en"/>
+              <a:pPr algn="r"/>
+              <a:t>10</a:t>
+            </a:fld>
+            <a:endParaRPr lang="en" dirty="0"/>
+          </a:p>
+        </p:txBody>
+      </p:sp>
+      <p:sp>
+        <p:nvSpPr>
+          <p:cNvPr id="7" name="Title 3">
+            <a:extLst>
+              <a:ext uri="{FF2B5EF4-FFF2-40B4-BE49-F238E27FC236}">
+                <a16:creationId xmlns:a16="http://schemas.microsoft.com/office/drawing/2014/main" id="{E1C08E2A-FDF5-617A-2AF5-660877817E47}"/>
+              </a:ext>
+            </a:extLst>
+          </p:cNvPr>
+          <p:cNvSpPr txBox="1">
+            <a:spLocks/>
+          </p:cNvSpPr>
+          <p:nvPr/>
+        </p:nvSpPr>
+        <p:spPr>
+          <a:xfrm>
+            <a:off x="424543" y="70166"/>
+            <a:ext cx="8523515" cy="702600"/>
+          </a:xfrm>
+          <a:prstGeom prst="rect">
+            <a:avLst/>
+          </a:prstGeom>
+          <a:noFill/>
+          <a:ln>
+            <a:noFill/>
+          </a:ln>
+        </p:spPr>
+        <p:txBody>
+          <a:bodyPr spcFirstLastPara="1" wrap="square" lIns="91425" tIns="91425" rIns="91425" bIns="91425" anchor="b" anchorCtr="0">
+            <a:noAutofit/>
+          </a:bodyPr>
+          <a:lstStyle>
+            <a:defPPr marR="0" lvl="0" algn="l" rtl="0">
+              <a:lnSpc>
+                <a:spcPct val="100000"/>
+              </a:lnSpc>
+              <a:spcBef>
+                <a:spcPts val="0"/>
+              </a:spcBef>
+              <a:spcAft>
+                <a:spcPts val="0"/>
+              </a:spcAft>
+            </a:defPPr>
+            <a:lvl1pPr marR="0" lvl="0" algn="l" rtl="0" eaLnBrk="1" hangingPunct="1">
+              <a:lnSpc>
+                <a:spcPct val="100000"/>
+              </a:lnSpc>
+              <a:spcBef>
+                <a:spcPts val="0"/>
+              </a:spcBef>
+              <a:spcAft>
+                <a:spcPts val="0"/>
+              </a:spcAft>
+              <a:buClr>
+                <a:schemeClr val="accent1"/>
+              </a:buClr>
+              <a:buSzPts val="2000"/>
+              <a:buFont typeface="Roboto Slab"/>
+              <a:buNone/>
+              <a:defRPr sz="2800" b="0" i="0" u="none" strike="noStrike" cap="none">
+                <a:solidFill>
+                  <a:schemeClr val="accent1"/>
+                </a:solidFill>
+                <a:latin typeface="Source Sans Pro" panose="020B0503030403020204" pitchFamily="34" charset="0"/>
+                <a:ea typeface="Source Sans Pro" panose="020B0503030403020204" pitchFamily="34" charset="0"/>
+                <a:cs typeface="Roboto Slab"/>
+                <a:sym typeface="Roboto Slab"/>
+              </a:defRPr>
+            </a:lvl1pPr>
+            <a:lvl2pPr marR="0" lvl="1" algn="l" rtl="0" eaLnBrk="1" hangingPunct="1">
+              <a:lnSpc>
+                <a:spcPct val="100000"/>
+              </a:lnSpc>
+              <a:spcBef>
+                <a:spcPts val="0"/>
+              </a:spcBef>
+              <a:spcAft>
+                <a:spcPts val="0"/>
+              </a:spcAft>
+              <a:buClr>
+                <a:schemeClr val="accent1"/>
+              </a:buClr>
+              <a:buSzPts val="2000"/>
+              <a:buFont typeface="Roboto Slab"/>
+              <a:buNone/>
+              <a:defRPr sz="2000" b="0" i="0" u="none" strike="noStrike" cap="none">
+                <a:solidFill>
+                  <a:schemeClr val="accent1"/>
+                </a:solidFill>
+                <a:latin typeface="Roboto Slab"/>
+                <a:ea typeface="Roboto Slab"/>
+                <a:cs typeface="Roboto Slab"/>
+                <a:sym typeface="Roboto Slab"/>
+              </a:defRPr>
+            </a:lvl2pPr>
+            <a:lvl3pPr marR="0" lvl="2" algn="l" rtl="0" eaLnBrk="1" hangingPunct="1">
+              <a:lnSpc>
+                <a:spcPct val="100000"/>
+              </a:lnSpc>
+              <a:spcBef>
+                <a:spcPts val="0"/>
+              </a:spcBef>
+              <a:spcAft>
+                <a:spcPts val="0"/>
+              </a:spcAft>
+              <a:buClr>
+                <a:schemeClr val="accent1"/>
+              </a:buClr>
+              <a:buSzPts val="2000"/>
+              <a:buFont typeface="Roboto Slab"/>
+              <a:buNone/>
+              <a:defRPr sz="2000" b="0" i="0" u="none" strike="noStrike" cap="none">
+                <a:solidFill>
+                  <a:schemeClr val="accent1"/>
+                </a:solidFill>
+                <a:latin typeface="Roboto Slab"/>
+                <a:ea typeface="Roboto Slab"/>
+                <a:cs typeface="Roboto Slab"/>
+                <a:sym typeface="Roboto Slab"/>
+              </a:defRPr>
+            </a:lvl3pPr>
+            <a:lvl4pPr marR="0" lvl="3" algn="l" rtl="0" eaLnBrk="1" hangingPunct="1">
+              <a:lnSpc>
+                <a:spcPct val="100000"/>
+              </a:lnSpc>
+              <a:spcBef>
+                <a:spcPts val="0"/>
+              </a:spcBef>
+              <a:spcAft>
+                <a:spcPts val="0"/>
+              </a:spcAft>
+              <a:buClr>
+                <a:schemeClr val="accent1"/>
+              </a:buClr>
+              <a:buSzPts val="2000"/>
+              <a:buFont typeface="Roboto Slab"/>
+              <a:buNone/>
+              <a:defRPr sz="2000" b="0" i="0" u="none" strike="noStrike" cap="none">
+                <a:solidFill>
+                  <a:schemeClr val="accent1"/>
+                </a:solidFill>
+                <a:latin typeface="Roboto Slab"/>
+                <a:ea typeface="Roboto Slab"/>
+                <a:cs typeface="Roboto Slab"/>
+                <a:sym typeface="Roboto Slab"/>
+              </a:defRPr>
+            </a:lvl4pPr>
+            <a:lvl5pPr marR="0" lvl="4" algn="l" rtl="0" eaLnBrk="1" hangingPunct="1">
+              <a:lnSpc>
+                <a:spcPct val="100000"/>
+              </a:lnSpc>
+              <a:spcBef>
+                <a:spcPts val="0"/>
+              </a:spcBef>
+              <a:spcAft>
+                <a:spcPts val="0"/>
+              </a:spcAft>
+              <a:buClr>
+                <a:schemeClr val="accent1"/>
+              </a:buClr>
+              <a:buSzPts val="2000"/>
+              <a:buFont typeface="Roboto Slab"/>
+              <a:buNone/>
+              <a:defRPr sz="2000" b="0" i="0" u="none" strike="noStrike" cap="none">
+                <a:solidFill>
+                  <a:schemeClr val="accent1"/>
+                </a:solidFill>
+                <a:latin typeface="Roboto Slab"/>
+                <a:ea typeface="Roboto Slab"/>
+                <a:cs typeface="Roboto Slab"/>
+                <a:sym typeface="Roboto Slab"/>
+              </a:defRPr>
+            </a:lvl5pPr>
+            <a:lvl6pPr marR="0" lvl="5" algn="l" rtl="0" eaLnBrk="1" hangingPunct="1">
+              <a:lnSpc>
+                <a:spcPct val="100000"/>
+              </a:lnSpc>
+              <a:spcBef>
+                <a:spcPts val="0"/>
+              </a:spcBef>
+              <a:spcAft>
+                <a:spcPts val="0"/>
+              </a:spcAft>
+              <a:buClr>
+                <a:schemeClr val="accent1"/>
+              </a:buClr>
+              <a:buSzPts val="2000"/>
+              <a:buFont typeface="Roboto Slab"/>
+              <a:buNone/>
+              <a:defRPr sz="2000" b="0" i="0" u="none" strike="noStrike" cap="none">
+                <a:solidFill>
+                  <a:schemeClr val="accent1"/>
+                </a:solidFill>
+                <a:latin typeface="Roboto Slab"/>
+                <a:ea typeface="Roboto Slab"/>
+                <a:cs typeface="Roboto Slab"/>
+                <a:sym typeface="Roboto Slab"/>
+              </a:defRPr>
+            </a:lvl6pPr>
+            <a:lvl7pPr marR="0" lvl="6" algn="l" rtl="0" eaLnBrk="1" hangingPunct="1">
+              <a:lnSpc>
+                <a:spcPct val="100000"/>
+              </a:lnSpc>
+              <a:spcBef>
+                <a:spcPts val="0"/>
+              </a:spcBef>
+              <a:spcAft>
+                <a:spcPts val="0"/>
+              </a:spcAft>
+              <a:buClr>
+                <a:schemeClr val="accent1"/>
+              </a:buClr>
+              <a:buSzPts val="2000"/>
+              <a:buFont typeface="Roboto Slab"/>
+              <a:buNone/>
+              <a:defRPr sz="2000" b="0" i="0" u="none" strike="noStrike" cap="none">
+                <a:solidFill>
+                  <a:schemeClr val="accent1"/>
+                </a:solidFill>
+                <a:latin typeface="Roboto Slab"/>
+                <a:ea typeface="Roboto Slab"/>
+                <a:cs typeface="Roboto Slab"/>
+                <a:sym typeface="Roboto Slab"/>
+              </a:defRPr>
+            </a:lvl7pPr>
+            <a:lvl8pPr marR="0" lvl="7" algn="l" rtl="0" eaLnBrk="1" hangingPunct="1">
+              <a:lnSpc>
+                <a:spcPct val="100000"/>
+              </a:lnSpc>
+              <a:spcBef>
+                <a:spcPts val="0"/>
+              </a:spcBef>
+              <a:spcAft>
+                <a:spcPts val="0"/>
+              </a:spcAft>
+              <a:buClr>
+                <a:schemeClr val="accent1"/>
+              </a:buClr>
+              <a:buSzPts val="2000"/>
+              <a:buFont typeface="Roboto Slab"/>
+              <a:buNone/>
+              <a:defRPr sz="2000" b="0" i="0" u="none" strike="noStrike" cap="none">
+                <a:solidFill>
+                  <a:schemeClr val="accent1"/>
+                </a:solidFill>
+                <a:latin typeface="Roboto Slab"/>
+                <a:ea typeface="Roboto Slab"/>
+                <a:cs typeface="Roboto Slab"/>
+                <a:sym typeface="Roboto Slab"/>
+              </a:defRPr>
+            </a:lvl8pPr>
+            <a:lvl9pPr marR="0" lvl="8" algn="l" rtl="0" eaLnBrk="1" hangingPunct="1">
+              <a:lnSpc>
+                <a:spcPct val="100000"/>
+              </a:lnSpc>
+              <a:spcBef>
+                <a:spcPts val="0"/>
+              </a:spcBef>
+              <a:spcAft>
+                <a:spcPts val="0"/>
+              </a:spcAft>
+              <a:buClr>
+                <a:schemeClr val="accent1"/>
+              </a:buClr>
+              <a:buSzPts val="2000"/>
+              <a:buFont typeface="Roboto Slab"/>
+              <a:buNone/>
+              <a:defRPr sz="2000" b="0" i="0" u="none" strike="noStrike" cap="none">
+                <a:solidFill>
+                  <a:schemeClr val="accent1"/>
+                </a:solidFill>
+                <a:latin typeface="Roboto Slab"/>
+                <a:ea typeface="Roboto Slab"/>
+                <a:cs typeface="Roboto Slab"/>
+                <a:sym typeface="Roboto Slab"/>
+              </a:defRPr>
+            </a:lvl9pPr>
+          </a:lstStyle>
+          <a:p>
+            <a:r>
+              <a:rPr lang="en-GB" sz="2600" dirty="0">
+                <a:latin typeface="Source Sans Pro"/>
+                <a:ea typeface="Source Sans Pro"/>
+              </a:rPr>
+              <a:t>Find presentation online</a:t>
+            </a:r>
+            <a:endParaRPr lang="en-US" sz="2600" dirty="0"/>
+          </a:p>
+        </p:txBody>
+      </p:sp>
+    </p:spTree>
+    <p:extLst>
+      <p:ext uri="{BB962C8B-B14F-4D97-AF65-F5344CB8AC3E}">
+        <p14:creationId xmlns:p14="http://schemas.microsoft.com/office/powerpoint/2010/main" val="2185835663"/>
+      </p:ext>
+    </p:extLst>
+  </p:cSld>
+  <p:clrMapOvr>
+    <a:masterClrMapping/>
+  </p:clrMapOvr>
+</p:sld>
+</file>
+
+<file path=ppt/slides/slide11.xml><?xml version="1.0" encoding="utf-8"?>
+<p:sld xmlns:a="http://schemas.openxmlformats.org/drawingml/2006/main" xmlns:r="http://schemas.openxmlformats.org/officeDocument/2006/relationships" xmlns:p="http://schemas.openxmlformats.org/presentationml/2006/main">
+  <p:cSld>
+    <p:spTree>
+      <p:nvGrpSpPr>
+        <p:cNvPr id="1" name="">
+          <a:extLst>
+            <a:ext uri="{FF2B5EF4-FFF2-40B4-BE49-F238E27FC236}">
               <a16:creationId xmlns:a16="http://schemas.microsoft.com/office/drawing/2014/main" id="{D865F1FE-1426-66BA-1DCE-CD88DAE1A570}"/>
             </a:ext>
           </a:extLst>
@@ -6834,7 +7495,7 @@
             <a:fld id="{00000000-1234-1234-1234-123412341234}" type="slidenum">
               <a:rPr lang="en"/>
               <a:pPr algn="r"/>
-              <a:t>10</a:t>
+              <a:t>11</a:t>
             </a:fld>
             <a:endParaRPr lang="en" dirty="0"/>
           </a:p>
@@ -7144,52 +7805,6 @@
           </a:p>
         </p:txBody>
       </p:sp>
-      <p:sp>
-        <p:nvSpPr>
-          <p:cNvPr id="4" name="TextBox 3">
-            <a:extLst>
-              <a:ext uri="{FF2B5EF4-FFF2-40B4-BE49-F238E27FC236}">
-                <a16:creationId xmlns:a16="http://schemas.microsoft.com/office/drawing/2014/main" id="{2F50F9C4-F909-5B25-4C5E-1D9F669612E2}"/>
-              </a:ext>
-            </a:extLst>
-          </p:cNvPr>
-          <p:cNvSpPr txBox="1"/>
-          <p:nvPr/>
-        </p:nvSpPr>
-        <p:spPr>
-          <a:xfrm>
-            <a:off x="2019119" y="4531384"/>
-            <a:ext cx="3121292" cy="523220"/>
-          </a:xfrm>
-          <a:prstGeom prst="rect">
-            <a:avLst/>
-          </a:prstGeom>
-          <a:noFill/>
-        </p:spPr>
-        <p:txBody>
-          <a:bodyPr wrap="square">
-            <a:spAutoFit/>
-          </a:bodyPr>
-          <a:lstStyle/>
-          <a:p>
-            <a:r>
-              <a:rPr lang="en-US" dirty="0"/>
-              <a:t>See: </a:t>
-            </a:r>
-            <a:r>
-              <a:rPr lang="en-NL" dirty="0">
-                <a:hlinkClick r:id="rId2"/>
-              </a:rPr>
-              <a:t>https://www.eessi.io/docs/test-suite/installation-configuration/</a:t>
-            </a:r>
-            <a:r>
-              <a:rPr lang="en-US" dirty="0"/>
-              <a:t> </a:t>
-            </a:r>
-            <a:endParaRPr lang="en-NL" dirty="0"/>
-          </a:p>
-        </p:txBody>
-      </p:sp>
     </p:spTree>
     <p:extLst>
       <p:ext uri="{BB962C8B-B14F-4D97-AF65-F5344CB8AC3E}">
@@ -7203,7 +7818,7 @@
 </p:sld>
 </file>
 
-<file path=ppt/slides/slide11.xml><?xml version="1.0" encoding="utf-8"?>
+<file path=ppt/slides/slide12.xml><?xml version="1.0" encoding="utf-8"?>
 <p:sld xmlns:a="http://schemas.openxmlformats.org/drawingml/2006/main" xmlns:r="http://schemas.openxmlformats.org/officeDocument/2006/relationships" xmlns:p="http://schemas.openxmlformats.org/presentationml/2006/main">
   <p:cSld>
     <p:spTree>
@@ -7301,14 +7916,26 @@
                 <a:cs typeface="Courier New" panose="02070309020205020404" pitchFamily="49" charset="0"/>
                 <a:hlinkClick r:id="rId2"/>
               </a:rPr>
-              <a:t>https://raw.githubusercontent.com/casparvl/test-suite/refs/heads/update_example_settings/config/settings_example.py</a:t>
+              <a:t>https://raw.githubusercontent.com/EESSI/test-suite/refs/tags/v0.6.0/config/settings_example.py</a:t>
             </a:r>
             <a:r>
               <a:rPr lang="en-US" sz="1600" dirty="0">
                 <a:latin typeface="Courier New" panose="02070309020205020404" pitchFamily="49" charset="0"/>
                 <a:cs typeface="Courier New" panose="02070309020205020404" pitchFamily="49" charset="0"/>
               </a:rPr>
-              <a:t>  export RFM_CONFIG_FILES=$HOME/eessi_testsuite/settings_example.py</a:t>
+              <a:t> </a:t>
+            </a:r>
+          </a:p>
+          <a:p>
+            <a:pPr marL="76200" indent="0" algn="l">
+              <a:buNone/>
+            </a:pPr>
+            <a:r>
+              <a:rPr lang="en-US" sz="1600" dirty="0">
+                <a:latin typeface="Courier New" panose="02070309020205020404" pitchFamily="49" charset="0"/>
+                <a:cs typeface="Courier New" panose="02070309020205020404" pitchFamily="49" charset="0"/>
+              </a:rPr>
+              <a:t>export RFM_CONFIG_FILES=$HOME/eessi_testsuite/settings_example.py</a:t>
             </a:r>
           </a:p>
           <a:p>
@@ -7691,7 +8318,7 @@
             <a:fld id="{00000000-1234-1234-1234-123412341234}" type="slidenum">
               <a:rPr lang="en"/>
               <a:pPr algn="r"/>
-              <a:t>11</a:t>
+              <a:t>12</a:t>
             </a:fld>
             <a:endParaRPr lang="en" dirty="0"/>
           </a:p>
@@ -8014,7 +8641,7 @@
 </p:sld>
 </file>
 
-<file path=ppt/slides/slide12.xml><?xml version="1.0" encoding="utf-8"?>
+<file path=ppt/slides/slide13.xml><?xml version="1.0" encoding="utf-8"?>
 <p:sld xmlns:a="http://schemas.openxmlformats.org/drawingml/2006/main" xmlns:r="http://schemas.openxmlformats.org/officeDocument/2006/relationships" xmlns:p="http://schemas.openxmlformats.org/presentationml/2006/main">
   <p:cSld>
     <p:spTree>
@@ -8487,7 +9114,7 @@
             <a:fld id="{00000000-1234-1234-1234-123412341234}" type="slidenum">
               <a:rPr lang="en"/>
               <a:pPr algn="r"/>
-              <a:t>12</a:t>
+              <a:t>13</a:t>
             </a:fld>
             <a:endParaRPr lang="en" dirty="0"/>
           </a:p>
@@ -8810,7 +9437,7 @@
 </p:sld>
 </file>
 
-<file path=ppt/slides/slide13.xml><?xml version="1.0" encoding="utf-8"?>
+<file path=ppt/slides/slide14.xml><?xml version="1.0" encoding="utf-8"?>
 <p:sld xmlns:a="http://schemas.openxmlformats.org/drawingml/2006/main" xmlns:r="http://schemas.openxmlformats.org/officeDocument/2006/relationships" xmlns:p="http://schemas.openxmlformats.org/presentationml/2006/main">
   <p:cSld>
     <p:spTree>
@@ -9300,7 +9927,7 @@
             <a:fld id="{00000000-1234-1234-1234-123412341234}" type="slidenum">
               <a:rPr lang="en"/>
               <a:pPr algn="r"/>
-              <a:t>13</a:t>
+              <a:t>14</a:t>
             </a:fld>
             <a:endParaRPr lang="en" dirty="0"/>
           </a:p>
@@ -9623,7 +10250,7 @@
 </p:sld>
 </file>
 
-<file path=ppt/slides/slide14.xml><?xml version="1.0" encoding="utf-8"?>
+<file path=ppt/slides/slide15.xml><?xml version="1.0" encoding="utf-8"?>
 <p:sld xmlns:a="http://schemas.openxmlformats.org/drawingml/2006/main" xmlns:r="http://schemas.openxmlformats.org/officeDocument/2006/relationships" xmlns:p="http://schemas.openxmlformats.org/presentationml/2006/main">
   <p:cSld>
     <p:spTree>
@@ -10133,7 +10760,7 @@
             <a:fld id="{00000000-1234-1234-1234-123412341234}" type="slidenum">
               <a:rPr lang="en"/>
               <a:pPr algn="r"/>
-              <a:t>14</a:t>
+              <a:t>15</a:t>
             </a:fld>
             <a:endParaRPr lang="en" dirty="0"/>
           </a:p>
@@ -10456,7 +11083,7 @@
 </p:sld>
 </file>
 
-<file path=ppt/slides/slide15.xml><?xml version="1.0" encoding="utf-8"?>
+<file path=ppt/slides/slide16.xml><?xml version="1.0" encoding="utf-8"?>
 <p:sld xmlns:a="http://schemas.openxmlformats.org/drawingml/2006/main" xmlns:r="http://schemas.openxmlformats.org/officeDocument/2006/relationships" xmlns:p="http://schemas.openxmlformats.org/presentationml/2006/main">
   <p:cSld>
     <p:spTree>
@@ -10827,7 +11454,7 @@
             <a:fld id="{00000000-1234-1234-1234-123412341234}" type="slidenum">
               <a:rPr lang="en"/>
               <a:pPr algn="r"/>
-              <a:t>15</a:t>
+              <a:t>16</a:t>
             </a:fld>
             <a:endParaRPr lang="en" dirty="0"/>
           </a:p>
@@ -11136,7 +11763,7 @@
 </p:sld>
 </file>
 
-<file path=ppt/slides/slide16.xml><?xml version="1.0" encoding="utf-8"?>
+<file path=ppt/slides/slide17.xml><?xml version="1.0" encoding="utf-8"?>
 <p:sld xmlns:a="http://schemas.openxmlformats.org/drawingml/2006/main" xmlns:r="http://schemas.openxmlformats.org/officeDocument/2006/relationships" xmlns:p="http://schemas.openxmlformats.org/presentationml/2006/main">
   <p:cSld>
     <p:spTree>
@@ -11657,7 +12284,7 @@
             <a:fld id="{00000000-1234-1234-1234-123412341234}" type="slidenum">
               <a:rPr lang="en"/>
               <a:pPr algn="r"/>
-              <a:t>16</a:t>
+              <a:t>17</a:t>
             </a:fld>
             <a:endParaRPr lang="en" dirty="0"/>
           </a:p>
@@ -11966,7 +12593,7 @@
 </p:sld>
 </file>
 
-<file path=ppt/slides/slide17.xml><?xml version="1.0" encoding="utf-8"?>
+<file path=ppt/slides/slide18.xml><?xml version="1.0" encoding="utf-8"?>
 <p:sld xmlns:a="http://schemas.openxmlformats.org/drawingml/2006/main" xmlns:r="http://schemas.openxmlformats.org/officeDocument/2006/relationships" xmlns:p="http://schemas.openxmlformats.org/presentationml/2006/main">
   <p:cSld>
     <p:spTree>
@@ -12564,7 +13191,7 @@
             <a:fld id="{00000000-1234-1234-1234-123412341234}" type="slidenum">
               <a:rPr lang="en"/>
               <a:pPr algn="r"/>
-              <a:t>17</a:t>
+              <a:t>18</a:t>
             </a:fld>
             <a:endParaRPr lang="en" dirty="0"/>
           </a:p>
@@ -13053,7 +13680,7 @@
 </p:sld>
 </file>
 
-<file path=ppt/slides/slide18.xml><?xml version="1.0" encoding="utf-8"?>
+<file path=ppt/slides/slide19.xml><?xml version="1.0" encoding="utf-8"?>
 <p:sld xmlns:a="http://schemas.openxmlformats.org/drawingml/2006/main" xmlns:r="http://schemas.openxmlformats.org/officeDocument/2006/relationships" xmlns:p="http://schemas.openxmlformats.org/presentationml/2006/main">
   <p:cSld>
     <p:spTree>
@@ -13542,7 +14169,7 @@
             <a:fld id="{00000000-1234-1234-1234-123412341234}" type="slidenum">
               <a:rPr lang="en"/>
               <a:pPr algn="r"/>
-              <a:t>18</a:t>
+              <a:t>19</a:t>
             </a:fld>
             <a:endParaRPr lang="en" dirty="0"/>
           </a:p>
@@ -13856,664 +14483,6 @@
     <p:extLst>
       <p:ext uri="{BB962C8B-B14F-4D97-AF65-F5344CB8AC3E}">
         <p14:creationId xmlns:p14="http://schemas.microsoft.com/office/powerpoint/2010/main" val="4041942677"/>
-      </p:ext>
-    </p:extLst>
-  </p:cSld>
-  <p:clrMapOvr>
-    <a:masterClrMapping/>
-  </p:clrMapOvr>
-</p:sld>
-</file>
-
-<file path=ppt/slides/slide19.xml><?xml version="1.0" encoding="utf-8"?>
-<p:sld xmlns:a="http://schemas.openxmlformats.org/drawingml/2006/main" xmlns:r="http://schemas.openxmlformats.org/officeDocument/2006/relationships" xmlns:p="http://schemas.openxmlformats.org/presentationml/2006/main">
-  <p:cSld>
-    <p:spTree>
-      <p:nvGrpSpPr>
-        <p:cNvPr id="1" name="">
-          <a:extLst>
-            <a:ext uri="{FF2B5EF4-FFF2-40B4-BE49-F238E27FC236}">
-              <a16:creationId xmlns:a16="http://schemas.microsoft.com/office/drawing/2014/main" id="{A71B6ADF-D281-1A57-B57E-5A563265E861}"/>
-            </a:ext>
-          </a:extLst>
-        </p:cNvPr>
-        <p:cNvGrpSpPr/>
-        <p:nvPr/>
-      </p:nvGrpSpPr>
-      <p:grpSpPr>
-        <a:xfrm>
-          <a:off x="0" y="0"/>
-          <a:ext cx="0" cy="0"/>
-          <a:chOff x="0" y="0"/>
-          <a:chExt cx="0" cy="0"/>
-        </a:xfrm>
-      </p:grpSpPr>
-      <p:sp>
-        <p:nvSpPr>
-          <p:cNvPr id="5" name="Text Placeholder 4">
-            <a:extLst>
-              <a:ext uri="{FF2B5EF4-FFF2-40B4-BE49-F238E27FC236}">
-                <a16:creationId xmlns:a16="http://schemas.microsoft.com/office/drawing/2014/main" id="{34308EDC-D3D2-9F4C-F200-E8674131C733}"/>
-              </a:ext>
-            </a:extLst>
-          </p:cNvPr>
-          <p:cNvSpPr>
-            <a:spLocks noGrp="1"/>
-          </p:cNvSpPr>
-          <p:nvPr>
-            <p:ph type="body" idx="1"/>
-          </p:nvPr>
-        </p:nvSpPr>
-        <p:spPr>
-          <a:xfrm>
-            <a:off x="443017" y="772766"/>
-            <a:ext cx="8390739" cy="3791283"/>
-          </a:xfrm>
-        </p:spPr>
-        <p:txBody>
-          <a:bodyPr/>
-          <a:lstStyle/>
-          <a:p>
-            <a:pPr marL="76200" indent="0">
-              <a:buNone/>
-            </a:pPr>
-            <a:r>
-              <a:rPr lang="en-US" sz="1800" dirty="0"/>
-              <a:t>Run </a:t>
-            </a:r>
-            <a:r>
-              <a:rPr lang="en-US" sz="1800" dirty="0">
-                <a:latin typeface="Courier New" panose="02070309020205020404" pitchFamily="49" charset="0"/>
-                <a:cs typeface="Courier New" panose="02070309020205020404" pitchFamily="49" charset="0"/>
-              </a:rPr>
-              <a:t>reframe --run -t CI –n /&lt;</a:t>
-            </a:r>
-            <a:r>
-              <a:rPr lang="en-US" sz="1800" dirty="0" err="1">
-                <a:latin typeface="Courier New" panose="02070309020205020404" pitchFamily="49" charset="0"/>
-                <a:cs typeface="Courier New" panose="02070309020205020404" pitchFamily="49" charset="0"/>
-              </a:rPr>
-              <a:t>testhash</a:t>
-            </a:r>
-            <a:r>
-              <a:rPr lang="en-US" sz="1800" dirty="0">
-                <a:latin typeface="Courier New" panose="02070309020205020404" pitchFamily="49" charset="0"/>
-                <a:cs typeface="Courier New" panose="02070309020205020404" pitchFamily="49" charset="0"/>
-              </a:rPr>
-              <a:t>&gt;</a:t>
-            </a:r>
-            <a:r>
-              <a:rPr lang="en-US" sz="1800" dirty="0">
-                <a:latin typeface="Source Sans Pro" panose="020B0503030403020204" pitchFamily="34" charset="0"/>
-                <a:ea typeface="Source Sans Pro" panose="020B0503030403020204" pitchFamily="34" charset="0"/>
-                <a:cs typeface="Courier New" panose="02070309020205020404" pitchFamily="49" charset="0"/>
-              </a:rPr>
-              <a:t> to just run an individual test as an example</a:t>
-            </a:r>
-          </a:p>
-        </p:txBody>
-      </p:sp>
-      <p:sp>
-        <p:nvSpPr>
-          <p:cNvPr id="3" name="Google Shape;79;p13">
-            <a:extLst>
-              <a:ext uri="{FF2B5EF4-FFF2-40B4-BE49-F238E27FC236}">
-                <a16:creationId xmlns:a16="http://schemas.microsoft.com/office/drawing/2014/main" id="{7823695E-E7C5-0F19-41F1-347533EDFAC4}"/>
-              </a:ext>
-            </a:extLst>
-          </p:cNvPr>
-          <p:cNvSpPr txBox="1">
-            <a:spLocks/>
-          </p:cNvSpPr>
-          <p:nvPr/>
-        </p:nvSpPr>
-        <p:spPr>
-          <a:xfrm>
-            <a:off x="-105683" y="4773864"/>
-            <a:ext cx="548700" cy="393600"/>
-          </a:xfrm>
-          <a:prstGeom prst="rect">
-            <a:avLst/>
-          </a:prstGeom>
-        </p:spPr>
-        <p:txBody>
-          <a:bodyPr spcFirstLastPara="1" wrap="square" lIns="91425" tIns="91425" rIns="91425" bIns="91425" anchor="t" anchorCtr="0">
-            <a:noAutofit/>
-          </a:bodyPr>
-          <a:lstStyle>
-            <a:defPPr marR="0" lvl="0" algn="l" rtl="0">
-              <a:lnSpc>
-                <a:spcPct val="100000"/>
-              </a:lnSpc>
-              <a:spcBef>
-                <a:spcPts val="0"/>
-              </a:spcBef>
-              <a:spcAft>
-                <a:spcPts val="0"/>
-              </a:spcAft>
-            </a:defPPr>
-            <a:lvl1pPr marR="0" lvl="0" algn="l" rtl="0">
-              <a:lnSpc>
-                <a:spcPct val="100000"/>
-              </a:lnSpc>
-              <a:spcBef>
-                <a:spcPts val="0"/>
-              </a:spcBef>
-              <a:spcAft>
-                <a:spcPts val="0"/>
-              </a:spcAft>
-              <a:buClr>
-                <a:srgbClr val="000000"/>
-              </a:buClr>
-              <a:buFont typeface="Arial"/>
-              <a:defRPr sz="1400" b="0" i="0" u="none" strike="noStrike" cap="none">
-                <a:solidFill>
-                  <a:srgbClr val="000000"/>
-                </a:solidFill>
-                <a:latin typeface="Arial"/>
-                <a:ea typeface="Arial"/>
-                <a:cs typeface="Arial"/>
-                <a:sym typeface="Arial"/>
-              </a:defRPr>
-            </a:lvl1pPr>
-            <a:lvl2pPr marR="0" lvl="1" algn="l" rtl="0">
-              <a:lnSpc>
-                <a:spcPct val="100000"/>
-              </a:lnSpc>
-              <a:spcBef>
-                <a:spcPts val="0"/>
-              </a:spcBef>
-              <a:spcAft>
-                <a:spcPts val="0"/>
-              </a:spcAft>
-              <a:buClr>
-                <a:srgbClr val="000000"/>
-              </a:buClr>
-              <a:buFont typeface="Arial"/>
-              <a:defRPr sz="1400" b="0" i="0" u="none" strike="noStrike" cap="none">
-                <a:solidFill>
-                  <a:srgbClr val="000000"/>
-                </a:solidFill>
-                <a:latin typeface="Arial"/>
-                <a:ea typeface="Arial"/>
-                <a:cs typeface="Arial"/>
-                <a:sym typeface="Arial"/>
-              </a:defRPr>
-            </a:lvl2pPr>
-            <a:lvl3pPr marR="0" lvl="2" algn="l" rtl="0">
-              <a:lnSpc>
-                <a:spcPct val="100000"/>
-              </a:lnSpc>
-              <a:spcBef>
-                <a:spcPts val="0"/>
-              </a:spcBef>
-              <a:spcAft>
-                <a:spcPts val="0"/>
-              </a:spcAft>
-              <a:buClr>
-                <a:srgbClr val="000000"/>
-              </a:buClr>
-              <a:buFont typeface="Arial"/>
-              <a:defRPr sz="1400" b="0" i="0" u="none" strike="noStrike" cap="none">
-                <a:solidFill>
-                  <a:srgbClr val="000000"/>
-                </a:solidFill>
-                <a:latin typeface="Arial"/>
-                <a:ea typeface="Arial"/>
-                <a:cs typeface="Arial"/>
-                <a:sym typeface="Arial"/>
-              </a:defRPr>
-            </a:lvl3pPr>
-            <a:lvl4pPr marR="0" lvl="3" algn="l" rtl="0">
-              <a:lnSpc>
-                <a:spcPct val="100000"/>
-              </a:lnSpc>
-              <a:spcBef>
-                <a:spcPts val="0"/>
-              </a:spcBef>
-              <a:spcAft>
-                <a:spcPts val="0"/>
-              </a:spcAft>
-              <a:buClr>
-                <a:srgbClr val="000000"/>
-              </a:buClr>
-              <a:buFont typeface="Arial"/>
-              <a:defRPr sz="1400" b="0" i="0" u="none" strike="noStrike" cap="none">
-                <a:solidFill>
-                  <a:srgbClr val="000000"/>
-                </a:solidFill>
-                <a:latin typeface="Arial"/>
-                <a:ea typeface="Arial"/>
-                <a:cs typeface="Arial"/>
-                <a:sym typeface="Arial"/>
-              </a:defRPr>
-            </a:lvl4pPr>
-            <a:lvl5pPr marR="0" lvl="4" algn="l" rtl="0">
-              <a:lnSpc>
-                <a:spcPct val="100000"/>
-              </a:lnSpc>
-              <a:spcBef>
-                <a:spcPts val="0"/>
-              </a:spcBef>
-              <a:spcAft>
-                <a:spcPts val="0"/>
-              </a:spcAft>
-              <a:buClr>
-                <a:srgbClr val="000000"/>
-              </a:buClr>
-              <a:buFont typeface="Arial"/>
-              <a:defRPr sz="1400" b="0" i="0" u="none" strike="noStrike" cap="none">
-                <a:solidFill>
-                  <a:srgbClr val="000000"/>
-                </a:solidFill>
-                <a:latin typeface="Arial"/>
-                <a:ea typeface="Arial"/>
-                <a:cs typeface="Arial"/>
-                <a:sym typeface="Arial"/>
-              </a:defRPr>
-            </a:lvl5pPr>
-            <a:lvl6pPr marR="0" lvl="5" algn="l" rtl="0">
-              <a:lnSpc>
-                <a:spcPct val="100000"/>
-              </a:lnSpc>
-              <a:spcBef>
-                <a:spcPts val="0"/>
-              </a:spcBef>
-              <a:spcAft>
-                <a:spcPts val="0"/>
-              </a:spcAft>
-              <a:buClr>
-                <a:srgbClr val="000000"/>
-              </a:buClr>
-              <a:buFont typeface="Arial"/>
-              <a:defRPr sz="1400" b="0" i="0" u="none" strike="noStrike" cap="none">
-                <a:solidFill>
-                  <a:srgbClr val="000000"/>
-                </a:solidFill>
-                <a:latin typeface="Arial"/>
-                <a:ea typeface="Arial"/>
-                <a:cs typeface="Arial"/>
-                <a:sym typeface="Arial"/>
-              </a:defRPr>
-            </a:lvl6pPr>
-            <a:lvl7pPr marR="0" lvl="6" algn="l" rtl="0">
-              <a:lnSpc>
-                <a:spcPct val="100000"/>
-              </a:lnSpc>
-              <a:spcBef>
-                <a:spcPts val="0"/>
-              </a:spcBef>
-              <a:spcAft>
-                <a:spcPts val="0"/>
-              </a:spcAft>
-              <a:buClr>
-                <a:srgbClr val="000000"/>
-              </a:buClr>
-              <a:buFont typeface="Arial"/>
-              <a:defRPr sz="1400" b="0" i="0" u="none" strike="noStrike" cap="none">
-                <a:solidFill>
-                  <a:srgbClr val="000000"/>
-                </a:solidFill>
-                <a:latin typeface="Arial"/>
-                <a:ea typeface="Arial"/>
-                <a:cs typeface="Arial"/>
-                <a:sym typeface="Arial"/>
-              </a:defRPr>
-            </a:lvl7pPr>
-            <a:lvl8pPr marR="0" lvl="7" algn="l" rtl="0">
-              <a:lnSpc>
-                <a:spcPct val="100000"/>
-              </a:lnSpc>
-              <a:spcBef>
-                <a:spcPts val="0"/>
-              </a:spcBef>
-              <a:spcAft>
-                <a:spcPts val="0"/>
-              </a:spcAft>
-              <a:buClr>
-                <a:srgbClr val="000000"/>
-              </a:buClr>
-              <a:buFont typeface="Arial"/>
-              <a:defRPr sz="1400" b="0" i="0" u="none" strike="noStrike" cap="none">
-                <a:solidFill>
-                  <a:srgbClr val="000000"/>
-                </a:solidFill>
-                <a:latin typeface="Arial"/>
-                <a:ea typeface="Arial"/>
-                <a:cs typeface="Arial"/>
-                <a:sym typeface="Arial"/>
-              </a:defRPr>
-            </a:lvl8pPr>
-            <a:lvl9pPr marR="0" lvl="8" algn="l" rtl="0">
-              <a:lnSpc>
-                <a:spcPct val="100000"/>
-              </a:lnSpc>
-              <a:spcBef>
-                <a:spcPts val="0"/>
-              </a:spcBef>
-              <a:spcAft>
-                <a:spcPts val="0"/>
-              </a:spcAft>
-              <a:buClr>
-                <a:srgbClr val="000000"/>
-              </a:buClr>
-              <a:buFont typeface="Arial"/>
-              <a:defRPr sz="1400" b="0" i="0" u="none" strike="noStrike" cap="none">
-                <a:solidFill>
-                  <a:srgbClr val="000000"/>
-                </a:solidFill>
-                <a:latin typeface="Arial"/>
-                <a:ea typeface="Arial"/>
-                <a:cs typeface="Arial"/>
-                <a:sym typeface="Arial"/>
-              </a:defRPr>
-            </a:lvl9pPr>
-          </a:lstStyle>
-          <a:p>
-            <a:pPr algn="r"/>
-            <a:fld id="{00000000-1234-1234-1234-123412341234}" type="slidenum">
-              <a:rPr lang="en"/>
-              <a:pPr algn="r"/>
-              <a:t>19</a:t>
-            </a:fld>
-            <a:endParaRPr lang="en" dirty="0"/>
-          </a:p>
-        </p:txBody>
-      </p:sp>
-      <p:sp>
-        <p:nvSpPr>
-          <p:cNvPr id="7" name="Title 3">
-            <a:extLst>
-              <a:ext uri="{FF2B5EF4-FFF2-40B4-BE49-F238E27FC236}">
-                <a16:creationId xmlns:a16="http://schemas.microsoft.com/office/drawing/2014/main" id="{DA9A3D48-DE1C-9339-23B4-095C23EBCB63}"/>
-              </a:ext>
-            </a:extLst>
-          </p:cNvPr>
-          <p:cNvSpPr txBox="1">
-            <a:spLocks/>
-          </p:cNvSpPr>
-          <p:nvPr/>
-        </p:nvSpPr>
-        <p:spPr>
-          <a:xfrm>
-            <a:off x="424543" y="70166"/>
-            <a:ext cx="8523515" cy="702600"/>
-          </a:xfrm>
-          <a:prstGeom prst="rect">
-            <a:avLst/>
-          </a:prstGeom>
-          <a:noFill/>
-          <a:ln>
-            <a:noFill/>
-          </a:ln>
-        </p:spPr>
-        <p:txBody>
-          <a:bodyPr spcFirstLastPara="1" wrap="square" lIns="91425" tIns="91425" rIns="91425" bIns="91425" anchor="b" anchorCtr="0">
-            <a:noAutofit/>
-          </a:bodyPr>
-          <a:lstStyle>
-            <a:defPPr marR="0" lvl="0" algn="l" rtl="0">
-              <a:lnSpc>
-                <a:spcPct val="100000"/>
-              </a:lnSpc>
-              <a:spcBef>
-                <a:spcPts val="0"/>
-              </a:spcBef>
-              <a:spcAft>
-                <a:spcPts val="0"/>
-              </a:spcAft>
-            </a:defPPr>
-            <a:lvl1pPr marR="0" lvl="0" algn="l" rtl="0" eaLnBrk="1" hangingPunct="1">
-              <a:lnSpc>
-                <a:spcPct val="100000"/>
-              </a:lnSpc>
-              <a:spcBef>
-                <a:spcPts val="0"/>
-              </a:spcBef>
-              <a:spcAft>
-                <a:spcPts val="0"/>
-              </a:spcAft>
-              <a:buClr>
-                <a:schemeClr val="accent1"/>
-              </a:buClr>
-              <a:buSzPts val="2000"/>
-              <a:buFont typeface="Roboto Slab"/>
-              <a:buNone/>
-              <a:defRPr sz="2800" b="0" i="0" u="none" strike="noStrike" cap="none">
-                <a:solidFill>
-                  <a:schemeClr val="accent1"/>
-                </a:solidFill>
-                <a:latin typeface="Source Sans Pro" panose="020B0503030403020204" pitchFamily="34" charset="0"/>
-                <a:ea typeface="Source Sans Pro" panose="020B0503030403020204" pitchFamily="34" charset="0"/>
-                <a:cs typeface="Roboto Slab"/>
-                <a:sym typeface="Roboto Slab"/>
-              </a:defRPr>
-            </a:lvl1pPr>
-            <a:lvl2pPr marR="0" lvl="1" algn="l" rtl="0" eaLnBrk="1" hangingPunct="1">
-              <a:lnSpc>
-                <a:spcPct val="100000"/>
-              </a:lnSpc>
-              <a:spcBef>
-                <a:spcPts val="0"/>
-              </a:spcBef>
-              <a:spcAft>
-                <a:spcPts val="0"/>
-              </a:spcAft>
-              <a:buClr>
-                <a:schemeClr val="accent1"/>
-              </a:buClr>
-              <a:buSzPts val="2000"/>
-              <a:buFont typeface="Roboto Slab"/>
-              <a:buNone/>
-              <a:defRPr sz="2000" b="0" i="0" u="none" strike="noStrike" cap="none">
-                <a:solidFill>
-                  <a:schemeClr val="accent1"/>
-                </a:solidFill>
-                <a:latin typeface="Roboto Slab"/>
-                <a:ea typeface="Roboto Slab"/>
-                <a:cs typeface="Roboto Slab"/>
-                <a:sym typeface="Roboto Slab"/>
-              </a:defRPr>
-            </a:lvl2pPr>
-            <a:lvl3pPr marR="0" lvl="2" algn="l" rtl="0" eaLnBrk="1" hangingPunct="1">
-              <a:lnSpc>
-                <a:spcPct val="100000"/>
-              </a:lnSpc>
-              <a:spcBef>
-                <a:spcPts val="0"/>
-              </a:spcBef>
-              <a:spcAft>
-                <a:spcPts val="0"/>
-              </a:spcAft>
-              <a:buClr>
-                <a:schemeClr val="accent1"/>
-              </a:buClr>
-              <a:buSzPts val="2000"/>
-              <a:buFont typeface="Roboto Slab"/>
-              <a:buNone/>
-              <a:defRPr sz="2000" b="0" i="0" u="none" strike="noStrike" cap="none">
-                <a:solidFill>
-                  <a:schemeClr val="accent1"/>
-                </a:solidFill>
-                <a:latin typeface="Roboto Slab"/>
-                <a:ea typeface="Roboto Slab"/>
-                <a:cs typeface="Roboto Slab"/>
-                <a:sym typeface="Roboto Slab"/>
-              </a:defRPr>
-            </a:lvl3pPr>
-            <a:lvl4pPr marR="0" lvl="3" algn="l" rtl="0" eaLnBrk="1" hangingPunct="1">
-              <a:lnSpc>
-                <a:spcPct val="100000"/>
-              </a:lnSpc>
-              <a:spcBef>
-                <a:spcPts val="0"/>
-              </a:spcBef>
-              <a:spcAft>
-                <a:spcPts val="0"/>
-              </a:spcAft>
-              <a:buClr>
-                <a:schemeClr val="accent1"/>
-              </a:buClr>
-              <a:buSzPts val="2000"/>
-              <a:buFont typeface="Roboto Slab"/>
-              <a:buNone/>
-              <a:defRPr sz="2000" b="0" i="0" u="none" strike="noStrike" cap="none">
-                <a:solidFill>
-                  <a:schemeClr val="accent1"/>
-                </a:solidFill>
-                <a:latin typeface="Roboto Slab"/>
-                <a:ea typeface="Roboto Slab"/>
-                <a:cs typeface="Roboto Slab"/>
-                <a:sym typeface="Roboto Slab"/>
-              </a:defRPr>
-            </a:lvl4pPr>
-            <a:lvl5pPr marR="0" lvl="4" algn="l" rtl="0" eaLnBrk="1" hangingPunct="1">
-              <a:lnSpc>
-                <a:spcPct val="100000"/>
-              </a:lnSpc>
-              <a:spcBef>
-                <a:spcPts val="0"/>
-              </a:spcBef>
-              <a:spcAft>
-                <a:spcPts val="0"/>
-              </a:spcAft>
-              <a:buClr>
-                <a:schemeClr val="accent1"/>
-              </a:buClr>
-              <a:buSzPts val="2000"/>
-              <a:buFont typeface="Roboto Slab"/>
-              <a:buNone/>
-              <a:defRPr sz="2000" b="0" i="0" u="none" strike="noStrike" cap="none">
-                <a:solidFill>
-                  <a:schemeClr val="accent1"/>
-                </a:solidFill>
-                <a:latin typeface="Roboto Slab"/>
-                <a:ea typeface="Roboto Slab"/>
-                <a:cs typeface="Roboto Slab"/>
-                <a:sym typeface="Roboto Slab"/>
-              </a:defRPr>
-            </a:lvl5pPr>
-            <a:lvl6pPr marR="0" lvl="5" algn="l" rtl="0" eaLnBrk="1" hangingPunct="1">
-              <a:lnSpc>
-                <a:spcPct val="100000"/>
-              </a:lnSpc>
-              <a:spcBef>
-                <a:spcPts val="0"/>
-              </a:spcBef>
-              <a:spcAft>
-                <a:spcPts val="0"/>
-              </a:spcAft>
-              <a:buClr>
-                <a:schemeClr val="accent1"/>
-              </a:buClr>
-              <a:buSzPts val="2000"/>
-              <a:buFont typeface="Roboto Slab"/>
-              <a:buNone/>
-              <a:defRPr sz="2000" b="0" i="0" u="none" strike="noStrike" cap="none">
-                <a:solidFill>
-                  <a:schemeClr val="accent1"/>
-                </a:solidFill>
-                <a:latin typeface="Roboto Slab"/>
-                <a:ea typeface="Roboto Slab"/>
-                <a:cs typeface="Roboto Slab"/>
-                <a:sym typeface="Roboto Slab"/>
-              </a:defRPr>
-            </a:lvl6pPr>
-            <a:lvl7pPr marR="0" lvl="6" algn="l" rtl="0" eaLnBrk="1" hangingPunct="1">
-              <a:lnSpc>
-                <a:spcPct val="100000"/>
-              </a:lnSpc>
-              <a:spcBef>
-                <a:spcPts val="0"/>
-              </a:spcBef>
-              <a:spcAft>
-                <a:spcPts val="0"/>
-              </a:spcAft>
-              <a:buClr>
-                <a:schemeClr val="accent1"/>
-              </a:buClr>
-              <a:buSzPts val="2000"/>
-              <a:buFont typeface="Roboto Slab"/>
-              <a:buNone/>
-              <a:defRPr sz="2000" b="0" i="0" u="none" strike="noStrike" cap="none">
-                <a:solidFill>
-                  <a:schemeClr val="accent1"/>
-                </a:solidFill>
-                <a:latin typeface="Roboto Slab"/>
-                <a:ea typeface="Roboto Slab"/>
-                <a:cs typeface="Roboto Slab"/>
-                <a:sym typeface="Roboto Slab"/>
-              </a:defRPr>
-            </a:lvl7pPr>
-            <a:lvl8pPr marR="0" lvl="7" algn="l" rtl="0" eaLnBrk="1" hangingPunct="1">
-              <a:lnSpc>
-                <a:spcPct val="100000"/>
-              </a:lnSpc>
-              <a:spcBef>
-                <a:spcPts val="0"/>
-              </a:spcBef>
-              <a:spcAft>
-                <a:spcPts val="0"/>
-              </a:spcAft>
-              <a:buClr>
-                <a:schemeClr val="accent1"/>
-              </a:buClr>
-              <a:buSzPts val="2000"/>
-              <a:buFont typeface="Roboto Slab"/>
-              <a:buNone/>
-              <a:defRPr sz="2000" b="0" i="0" u="none" strike="noStrike" cap="none">
-                <a:solidFill>
-                  <a:schemeClr val="accent1"/>
-                </a:solidFill>
-                <a:latin typeface="Roboto Slab"/>
-                <a:ea typeface="Roboto Slab"/>
-                <a:cs typeface="Roboto Slab"/>
-                <a:sym typeface="Roboto Slab"/>
-              </a:defRPr>
-            </a:lvl8pPr>
-            <a:lvl9pPr marR="0" lvl="8" algn="l" rtl="0" eaLnBrk="1" hangingPunct="1">
-              <a:lnSpc>
-                <a:spcPct val="100000"/>
-              </a:lnSpc>
-              <a:spcBef>
-                <a:spcPts val="0"/>
-              </a:spcBef>
-              <a:spcAft>
-                <a:spcPts val="0"/>
-              </a:spcAft>
-              <a:buClr>
-                <a:schemeClr val="accent1"/>
-              </a:buClr>
-              <a:buSzPts val="2000"/>
-              <a:buFont typeface="Roboto Slab"/>
-              <a:buNone/>
-              <a:defRPr sz="2000" b="0" i="0" u="none" strike="noStrike" cap="none">
-                <a:solidFill>
-                  <a:schemeClr val="accent1"/>
-                </a:solidFill>
-                <a:latin typeface="Roboto Slab"/>
-                <a:ea typeface="Roboto Slab"/>
-                <a:cs typeface="Roboto Slab"/>
-                <a:sym typeface="Roboto Slab"/>
-              </a:defRPr>
-            </a:lvl9pPr>
-          </a:lstStyle>
-          <a:p>
-            <a:r>
-              <a:rPr lang="en-GB" sz="2600" dirty="0">
-                <a:latin typeface="Source Sans Pro"/>
-                <a:ea typeface="Source Sans Pro"/>
-              </a:rPr>
-              <a:t>Step 5: run reframe --run -t CI</a:t>
-            </a:r>
-            <a:endParaRPr lang="en-US" sz="2600" dirty="0"/>
-          </a:p>
-        </p:txBody>
-      </p:sp>
-    </p:spTree>
-    <p:extLst>
-      <p:ext uri="{BB962C8B-B14F-4D97-AF65-F5344CB8AC3E}">
-        <p14:creationId xmlns:p14="http://schemas.microsoft.com/office/powerpoint/2010/main" val="3577270097"/>
       </p:ext>
     </p:extLst>
   </p:cSld>
@@ -14598,24 +14567,6 @@
             </a:pPr>
             <a:r>
               <a:rPr lang="en-US" sz="1600" dirty="0"/>
-              <a:t>The opportunity</a:t>
-            </a:r>
-          </a:p>
-          <a:p>
-            <a:r>
-              <a:rPr lang="en-US" sz="1600" dirty="0"/>
-              <a:t>Same software (modules) on every system</a:t>
-            </a:r>
-          </a:p>
-          <a:p>
-            <a:endParaRPr lang="en-US" sz="1100" dirty="0"/>
-          </a:p>
-          <a:p>
-            <a:pPr marL="76200" indent="0">
-              <a:buNone/>
-            </a:pPr>
-            <a:r>
-              <a:rPr lang="en-US" sz="1600" dirty="0"/>
               <a:t>The challenge</a:t>
             </a:r>
           </a:p>
@@ -15257,7 +15208,7 @@
         <p:cNvPr id="1" name="">
           <a:extLst>
             <a:ext uri="{FF2B5EF4-FFF2-40B4-BE49-F238E27FC236}">
-              <a16:creationId xmlns:a16="http://schemas.microsoft.com/office/drawing/2014/main" id="{7AB7CBFF-E528-C9C0-CBEF-0A6E80CFC3EE}"/>
+              <a16:creationId xmlns:a16="http://schemas.microsoft.com/office/drawing/2014/main" id="{A71B6ADF-D281-1A57-B57E-5A563265E861}"/>
             </a:ext>
           </a:extLst>
         </p:cNvPr>
@@ -15277,7 +15228,7 @@
           <p:cNvPr id="5" name="Text Placeholder 4">
             <a:extLst>
               <a:ext uri="{FF2B5EF4-FFF2-40B4-BE49-F238E27FC236}">
-                <a16:creationId xmlns:a16="http://schemas.microsoft.com/office/drawing/2014/main" id="{5C642760-DF3B-60B4-F2A3-8B57D4E043B5}"/>
+                <a16:creationId xmlns:a16="http://schemas.microsoft.com/office/drawing/2014/main" id="{34308EDC-D3D2-9F4C-F200-E8674131C733}"/>
               </a:ext>
             </a:extLst>
           </p:cNvPr>
@@ -15290,102 +15241,50 @@
         </p:nvSpPr>
         <p:spPr>
           <a:xfrm>
-            <a:off x="667265" y="928787"/>
-            <a:ext cx="7809470" cy="3902742"/>
+            <a:off x="443017" y="772766"/>
+            <a:ext cx="8390739" cy="3791283"/>
           </a:xfrm>
         </p:spPr>
         <p:txBody>
           <a:bodyPr/>
           <a:lstStyle/>
           <a:p>
-            <a:r>
-              <a:rPr lang="en-US" sz="1400" dirty="0"/>
-              <a:t>Writing the </a:t>
-            </a:r>
-            <a:r>
-              <a:rPr lang="en-US" sz="1400" dirty="0" err="1"/>
-              <a:t>ReFrame</a:t>
-            </a:r>
-            <a:r>
-              <a:rPr lang="en-US" sz="1400" dirty="0"/>
-              <a:t> config requires some knowledge specific to the EESSI test suite, but is documented </a:t>
-            </a:r>
-            <a:r>
-              <a:rPr lang="en-US" sz="1400" dirty="0">
-                <a:hlinkClick r:id="rId2"/>
-              </a:rPr>
-              <a:t>https://www.eessi.io/docs/test-suite/ReFrame-configuration-file/</a:t>
-            </a:r>
-            <a:r>
-              <a:rPr lang="en-US" sz="1400" dirty="0"/>
-              <a:t> </a:t>
-            </a:r>
-          </a:p>
-          <a:p>
-            <a:r>
-              <a:rPr lang="en-US" sz="1400" dirty="0"/>
-              <a:t>Apart from the </a:t>
-            </a:r>
-            <a:r>
-              <a:rPr lang="en-US" sz="1400" dirty="0" err="1"/>
-              <a:t>ReFrame</a:t>
-            </a:r>
-            <a:r>
-              <a:rPr lang="en-US" sz="1400" dirty="0"/>
-              <a:t> config, the EESSI test suite is ‘plug-and-play’!</a:t>
-            </a:r>
-          </a:p>
-          <a:p>
-            <a:r>
-              <a:rPr lang="en-US" sz="1400" dirty="0"/>
-              <a:t>Number of supported applications is could be bigger – open to new contributions (see </a:t>
-            </a:r>
-            <a:r>
-              <a:rPr lang="en-US" sz="1400" dirty="0">
-                <a:hlinkClick r:id="rId3"/>
-              </a:rPr>
-              <a:t>https://www.eessi.io/docs/test-suite/writing-portable-tests/</a:t>
-            </a:r>
-            <a:r>
-              <a:rPr lang="en-US" sz="1400" dirty="0"/>
-              <a:t> )</a:t>
-            </a:r>
-            <a:endParaRPr lang="en-US" sz="1050" dirty="0"/>
-          </a:p>
-          <a:p>
-            <a:r>
-              <a:rPr lang="en-US" sz="1400" dirty="0"/>
-              <a:t>EESSI test suite is application-focused: no replacement for system-specific (e.g. scheduler or filesystem) tests</a:t>
-            </a:r>
-          </a:p>
-          <a:p>
-            <a:r>
-              <a:rPr lang="en-US" sz="1400" dirty="0"/>
-              <a:t>Credit to </a:t>
-            </a:r>
-            <a:r>
-              <a:rPr lang="en-US" sz="1400" dirty="0" err="1"/>
-              <a:t>ReFrame</a:t>
-            </a:r>
-            <a:r>
-              <a:rPr lang="en-US" sz="1400" dirty="0"/>
-              <a:t> </a:t>
-            </a:r>
-            <a:r>
-              <a:rPr lang="en-US" sz="1400" dirty="0" err="1"/>
-              <a:t>devs</a:t>
-            </a:r>
-            <a:r>
-              <a:rPr lang="en-US" sz="1400" dirty="0"/>
-              <a:t>: EESSI test suite is possible because they spent time on our bug reports &amp; feature requests </a:t>
-            </a:r>
-            <a:r>
-              <a:rPr lang="en-US" sz="1400" dirty="0">
-                <a:sym typeface="Wingdings" panose="05000000000000000000" pitchFamily="2" charset="2"/>
-              </a:rPr>
-              <a:t></a:t>
-            </a:r>
-            <a:endParaRPr lang="en-US" sz="1400" dirty="0"/>
+            <a:pPr marL="76200" indent="0">
+              <a:buNone/>
+            </a:pPr>
+            <a:r>
+              <a:rPr lang="en-US" sz="1800" dirty="0"/>
+              <a:t>Run </a:t>
+            </a:r>
+            <a:r>
+              <a:rPr lang="en-US" sz="1800" dirty="0">
+                <a:latin typeface="Courier New" panose="02070309020205020404" pitchFamily="49" charset="0"/>
+                <a:cs typeface="Courier New" panose="02070309020205020404" pitchFamily="49" charset="0"/>
+              </a:rPr>
+              <a:t>reframe --run -t CI –n /&lt;</a:t>
+            </a:r>
+            <a:r>
+              <a:rPr lang="en-US" sz="1800" dirty="0" err="1">
+                <a:latin typeface="Courier New" panose="02070309020205020404" pitchFamily="49" charset="0"/>
+                <a:cs typeface="Courier New" panose="02070309020205020404" pitchFamily="49" charset="0"/>
+              </a:rPr>
+              <a:t>testhash</a:t>
+            </a:r>
+            <a:r>
+              <a:rPr lang="en-US" sz="1800" dirty="0">
+                <a:latin typeface="Courier New" panose="02070309020205020404" pitchFamily="49" charset="0"/>
+                <a:cs typeface="Courier New" panose="02070309020205020404" pitchFamily="49" charset="0"/>
+              </a:rPr>
+              <a:t>&gt;</a:t>
+            </a:r>
+            <a:r>
+              <a:rPr lang="en-US" sz="1800" dirty="0">
+                <a:latin typeface="Source Sans Pro" panose="020B0503030403020204" pitchFamily="34" charset="0"/>
+                <a:ea typeface="Source Sans Pro" panose="020B0503030403020204" pitchFamily="34" charset="0"/>
+                <a:cs typeface="Courier New" panose="02070309020205020404" pitchFamily="49" charset="0"/>
+              </a:rPr>
+              <a:t> to just run an individual test as an example</a:t>
+            </a:r>
           </a:p>
         </p:txBody>
       </p:sp>
@@ -15394,7 +15293,7 @@
           <p:cNvPr id="3" name="Google Shape;79;p13">
             <a:extLst>
               <a:ext uri="{FF2B5EF4-FFF2-40B4-BE49-F238E27FC236}">
-                <a16:creationId xmlns:a16="http://schemas.microsoft.com/office/drawing/2014/main" id="{D43248EE-BFD1-B01C-9F3B-0C59B350F72E}"/>
+                <a16:creationId xmlns:a16="http://schemas.microsoft.com/office/drawing/2014/main" id="{7823695E-E7C5-0F19-41F1-347533EDFAC4}"/>
               </a:ext>
             </a:extLst>
           </p:cNvPr>
@@ -15658,10 +15557,10 @@
       </p:sp>
       <p:sp>
         <p:nvSpPr>
-          <p:cNvPr id="9" name="Title 3">
+          <p:cNvPr id="7" name="Title 3">
             <a:extLst>
               <a:ext uri="{FF2B5EF4-FFF2-40B4-BE49-F238E27FC236}">
-                <a16:creationId xmlns:a16="http://schemas.microsoft.com/office/drawing/2014/main" id="{CD4B61A1-B8EC-88D9-6FB2-324CDEF1C4E0}"/>
+                <a16:creationId xmlns:a16="http://schemas.microsoft.com/office/drawing/2014/main" id="{DA9A3D48-DE1C-9339-23B4-095C23EBCB63}"/>
               </a:ext>
             </a:extLst>
           </p:cNvPr>
@@ -15672,8 +15571,8 @@
         </p:nvSpPr>
         <p:spPr>
           <a:xfrm>
-            <a:off x="274801" y="169117"/>
-            <a:ext cx="7871503" cy="565668"/>
+            <a:off x="424543" y="70166"/>
+            <a:ext cx="8523515" cy="702600"/>
           </a:xfrm>
           <a:prstGeom prst="rect">
             <a:avLst/>
@@ -15936,67 +15835,20 @@
           </a:lstStyle>
           <a:p>
             <a:r>
-              <a:rPr lang="en-GB" dirty="0">
+              <a:rPr lang="en-GB" sz="2600" dirty="0">
                 <a:latin typeface="Source Sans Pro"/>
                 <a:ea typeface="Source Sans Pro"/>
               </a:rPr>
-              <a:t>Summary</a:t>
-            </a:r>
-            <a:endParaRPr lang="en-US" dirty="0"/>
+              <a:t>Step 5: run reframe --run -t CI</a:t>
+            </a:r>
+            <a:endParaRPr lang="en-US" sz="2600" dirty="0"/>
           </a:p>
         </p:txBody>
       </p:sp>
-      <p:pic>
-        <p:nvPicPr>
-          <p:cNvPr id="3076" name="Picture 4">
-            <a:extLst>
-              <a:ext uri="{FF2B5EF4-FFF2-40B4-BE49-F238E27FC236}">
-                <a16:creationId xmlns:a16="http://schemas.microsoft.com/office/drawing/2014/main" id="{FD2740EB-4772-9082-0E4C-8487E4C86A69}"/>
-              </a:ext>
-            </a:extLst>
-          </p:cNvPr>
-          <p:cNvPicPr>
-            <a:picLocks noChangeAspect="1" noChangeArrowheads="1"/>
-          </p:cNvPicPr>
-          <p:nvPr/>
-        </p:nvPicPr>
-        <p:blipFill>
-          <a:blip r:embed="rId4">
-            <a:extLst>
-              <a:ext uri="{28A0092B-C50C-407E-A947-70E740481C1C}">
-                <a14:useLocalDpi xmlns:a14="http://schemas.microsoft.com/office/drawing/2010/main" val="0"/>
-              </a:ext>
-            </a:extLst>
-          </a:blip>
-          <a:srcRect/>
-          <a:stretch>
-            <a:fillRect/>
-          </a:stretch>
-        </p:blipFill>
-        <p:spPr bwMode="auto">
-          <a:xfrm>
-            <a:off x="5690682" y="169118"/>
-            <a:ext cx="2786054" cy="882250"/>
-          </a:xfrm>
-          <a:prstGeom prst="rect">
-            <a:avLst/>
-          </a:prstGeom>
-          <a:noFill/>
-          <a:extLst>
-            <a:ext uri="{909E8E84-426E-40DD-AFC4-6F175D3DCCD1}">
-              <a14:hiddenFill xmlns:a14="http://schemas.microsoft.com/office/drawing/2010/main">
-                <a:solidFill>
-                  <a:srgbClr val="FFFFFF"/>
-                </a:solidFill>
-              </a14:hiddenFill>
-            </a:ext>
-          </a:extLst>
-        </p:spPr>
-      </p:pic>
     </p:spTree>
     <p:extLst>
       <p:ext uri="{BB962C8B-B14F-4D97-AF65-F5344CB8AC3E}">
-        <p14:creationId xmlns:p14="http://schemas.microsoft.com/office/powerpoint/2010/main" val="428203823"/>
+        <p14:creationId xmlns:p14="http://schemas.microsoft.com/office/powerpoint/2010/main" val="3577270097"/>
       </p:ext>
     </p:extLst>
   </p:cSld>
@@ -16115,20 +15967,6 @@
                 <a:latin typeface="Courier New" panose="02070309020205020404" pitchFamily="49" charset="0"/>
                 <a:cs typeface="Courier New" panose="02070309020205020404" pitchFamily="49" charset="0"/>
               </a:rPr>
-              <a:t>valid_systems</a:t>
-            </a:r>
-            <a:r>
-              <a:rPr lang="en-US" sz="1600" dirty="0"/>
-              <a:t>: on which systems this test can/should run</a:t>
-            </a:r>
-          </a:p>
-          <a:p>
-            <a:pPr lvl="1"/>
-            <a:r>
-              <a:rPr lang="en-US" sz="1600" dirty="0" err="1">
-                <a:latin typeface="Courier New" panose="02070309020205020404" pitchFamily="49" charset="0"/>
-                <a:cs typeface="Courier New" panose="02070309020205020404" pitchFamily="49" charset="0"/>
-              </a:rPr>
               <a:t>num_cpus_per_task</a:t>
             </a:r>
             <a:r>
@@ -16835,7 +16673,7 @@
             <a:pPr lvl="1"/>
             <a:r>
               <a:rPr lang="en-US" sz="1600" dirty="0"/>
-              <a:t>Launch one rank per available (physical) CPU core / </a:t>
+              <a:t>Launch one rank per available (physical) CPU core (or: </a:t>
             </a:r>
             <a:r>
               <a:rPr lang="en-US" sz="1600" dirty="0" err="1"/>
@@ -16843,7 +16681,7 @@
             </a:r>
             <a:r>
               <a:rPr lang="en-US" sz="1600" dirty="0"/>
-              <a:t> node / socket / GPU</a:t>
+              <a:t> node / socket / GPU)</a:t>
             </a:r>
           </a:p>
           <a:p>
@@ -16857,7 +16695,7 @@
             <a:pPr lvl="1"/>
             <a:r>
               <a:rPr lang="en-US" sz="1600" dirty="0"/>
-              <a:t>Skip a test that requires GPUs if the system doesn’t have any</a:t>
+              <a:t>…</a:t>
             </a:r>
           </a:p>
           <a:p>
@@ -21257,7 +21095,7 @@
         <p:cNvPr id="1" name="">
           <a:extLst>
             <a:ext uri="{FF2B5EF4-FFF2-40B4-BE49-F238E27FC236}">
-              <a16:creationId xmlns:a16="http://schemas.microsoft.com/office/drawing/2014/main" id="{40C439C6-6B4D-7492-2415-80CF3EE32BB5}"/>
+              <a16:creationId xmlns:a16="http://schemas.microsoft.com/office/drawing/2014/main" id="{7AB7CBFF-E528-C9C0-CBEF-0A6E80CFC3EE}"/>
             </a:ext>
           </a:extLst>
         </p:cNvPr>
@@ -21277,7 +21115,7 @@
           <p:cNvPr id="5" name="Text Placeholder 4">
             <a:extLst>
               <a:ext uri="{FF2B5EF4-FFF2-40B4-BE49-F238E27FC236}">
-                <a16:creationId xmlns:a16="http://schemas.microsoft.com/office/drawing/2014/main" id="{558D1E2C-31A9-BC0A-B348-CBC51714102A}"/>
+                <a16:creationId xmlns:a16="http://schemas.microsoft.com/office/drawing/2014/main" id="{5C642760-DF3B-60B4-F2A3-8B57D4E043B5}"/>
               </a:ext>
             </a:extLst>
           </p:cNvPr>
@@ -21290,8 +21128,8 @@
         </p:nvSpPr>
         <p:spPr>
           <a:xfrm>
-            <a:off x="443017" y="772766"/>
-            <a:ext cx="8390739" cy="3791283"/>
+            <a:off x="667265" y="928787"/>
+            <a:ext cx="7809470" cy="3902742"/>
           </a:xfrm>
         </p:spPr>
         <p:txBody>
@@ -21299,28 +21137,99 @@
           <a:lstStyle/>
           <a:p>
             <a:r>
-              <a:rPr lang="en-US" sz="1800" dirty="0"/>
-              <a:t>Detailed steps on subsequent slides</a:t>
+              <a:rPr lang="en-US" sz="1400" dirty="0"/>
+              <a:t>Writing the </a:t>
+            </a:r>
+            <a:r>
+              <a:rPr lang="en-US" sz="1400" dirty="0" err="1"/>
+              <a:t>ReFrame</a:t>
+            </a:r>
+            <a:r>
+              <a:rPr lang="en-US" sz="1400" dirty="0"/>
+              <a:t> config requires some knowledge specific to the EESSI test suite (</a:t>
+            </a:r>
+            <a:r>
+              <a:rPr lang="en-US" sz="1400" dirty="0">
+                <a:hlinkClick r:id="rId2"/>
+              </a:rPr>
+              <a:t>https://www.eessi.io/docs/test-suite/ReFrame-configuration-file/</a:t>
+            </a:r>
+            <a:r>
+              <a:rPr lang="en-US" sz="1400" dirty="0"/>
+              <a:t>)</a:t>
             </a:r>
           </a:p>
           <a:p>
             <a:r>
-              <a:rPr lang="en-US" sz="1800" dirty="0"/>
-              <a:t>Quickest way: copy-paste from slides at </a:t>
-            </a:r>
-            <a:r>
-              <a:rPr lang="en-US" sz="1800" dirty="0">
-                <a:hlinkClick r:id="rId2"/>
-              </a:rPr>
-              <a:t>https://github.com/casparvl/EUM25</a:t>
-            </a:r>
-            <a:r>
-              <a:rPr lang="en-US" sz="1800" dirty="0"/>
-              <a:t> </a:t>
+              <a:rPr lang="en-US" sz="1400" dirty="0"/>
+              <a:t>Apart from the </a:t>
+            </a:r>
+            <a:r>
+              <a:rPr lang="en-US" sz="1400" dirty="0" err="1"/>
+              <a:t>ReFrame</a:t>
+            </a:r>
+            <a:r>
+              <a:rPr lang="en-US" sz="1400" dirty="0"/>
+              <a:t> config, the EESSI test suite is ‘plug-and-play’!</a:t>
             </a:r>
           </a:p>
           <a:p>
-            <a:endParaRPr lang="en-US" sz="1800" dirty="0"/>
+            <a:r>
+              <a:rPr lang="en-US" sz="1400" dirty="0"/>
+              <a:t>Number of supported applications is could be bigger – open to new contributions (see </a:t>
+            </a:r>
+            <a:r>
+              <a:rPr lang="en-US" sz="1400" dirty="0">
+                <a:hlinkClick r:id="rId3"/>
+              </a:rPr>
+              <a:t>https://www.eessi.io/docs/test-suite/writing-portable-tests/</a:t>
+            </a:r>
+            <a:r>
+              <a:rPr lang="en-US" sz="1400" dirty="0"/>
+              <a:t> )</a:t>
+            </a:r>
+            <a:endParaRPr lang="en-US" sz="1050" dirty="0"/>
+          </a:p>
+          <a:p>
+            <a:endParaRPr lang="en-US" sz="1400" dirty="0"/>
+          </a:p>
+          <a:p>
+            <a:endParaRPr lang="en-US" sz="1400" dirty="0"/>
+          </a:p>
+          <a:p>
+            <a:endParaRPr lang="en-US" sz="1400" dirty="0"/>
+          </a:p>
+          <a:p>
+            <a:pPr marL="76200" indent="0">
+              <a:buNone/>
+            </a:pPr>
+            <a:r>
+              <a:rPr lang="en-US" sz="1400" dirty="0"/>
+              <a:t>Shout-out to </a:t>
+            </a:r>
+            <a:r>
+              <a:rPr lang="en-US" sz="1400" dirty="0" err="1"/>
+              <a:t>ReFrame</a:t>
+            </a:r>
+            <a:r>
+              <a:rPr lang="en-US" sz="1400" dirty="0"/>
+              <a:t> </a:t>
+            </a:r>
+            <a:r>
+              <a:rPr lang="en-US" sz="1400" dirty="0" err="1"/>
+              <a:t>devs</a:t>
+            </a:r>
+            <a:r>
+              <a:rPr lang="en-US" sz="1400" dirty="0"/>
+              <a:t>: EESSI test suite is possible because they spent time on our bug reports &amp; feature requests </a:t>
+            </a:r>
+            <a:r>
+              <a:rPr lang="en-US" sz="1400" dirty="0">
+                <a:sym typeface="Wingdings" panose="05000000000000000000" pitchFamily="2" charset="2"/>
+              </a:rPr>
+              <a:t></a:t>
+            </a:r>
+            <a:endParaRPr lang="en-US" sz="1400" dirty="0"/>
           </a:p>
         </p:txBody>
       </p:sp>
@@ -21329,7 +21238,7 @@
           <p:cNvPr id="3" name="Google Shape;79;p13">
             <a:extLst>
               <a:ext uri="{FF2B5EF4-FFF2-40B4-BE49-F238E27FC236}">
-                <a16:creationId xmlns:a16="http://schemas.microsoft.com/office/drawing/2014/main" id="{EB13EC94-6E54-95C1-FB10-8CE6E7E0CE33}"/>
+                <a16:creationId xmlns:a16="http://schemas.microsoft.com/office/drawing/2014/main" id="{D43248EE-BFD1-B01C-9F3B-0C59B350F72E}"/>
               </a:ext>
             </a:extLst>
           </p:cNvPr>
@@ -21593,10 +21502,10 @@
       </p:sp>
       <p:sp>
         <p:nvSpPr>
-          <p:cNvPr id="7" name="Title 3">
+          <p:cNvPr id="9" name="Title 3">
             <a:extLst>
               <a:ext uri="{FF2B5EF4-FFF2-40B4-BE49-F238E27FC236}">
-                <a16:creationId xmlns:a16="http://schemas.microsoft.com/office/drawing/2014/main" id="{E1C08E2A-FDF5-617A-2AF5-660877817E47}"/>
+                <a16:creationId xmlns:a16="http://schemas.microsoft.com/office/drawing/2014/main" id="{CD4B61A1-B8EC-88D9-6FB2-324CDEF1C4E0}"/>
               </a:ext>
             </a:extLst>
           </p:cNvPr>
@@ -21607,8 +21516,8 @@
         </p:nvSpPr>
         <p:spPr>
           <a:xfrm>
-            <a:off x="424543" y="70166"/>
-            <a:ext cx="8523515" cy="702600"/>
+            <a:off x="274801" y="169117"/>
+            <a:ext cx="7871503" cy="565668"/>
           </a:xfrm>
           <a:prstGeom prst="rect">
             <a:avLst/>
@@ -21871,20 +21780,67 @@
           </a:lstStyle>
           <a:p>
             <a:r>
-              <a:rPr lang="en-GB" sz="2600" dirty="0">
+              <a:rPr lang="en-GB" dirty="0">
                 <a:latin typeface="Source Sans Pro"/>
                 <a:ea typeface="Source Sans Pro"/>
               </a:rPr>
-              <a:t>Find presentation online</a:t>
-            </a:r>
-            <a:endParaRPr lang="en-US" sz="2600" dirty="0"/>
+              <a:t>Summary</a:t>
+            </a:r>
+            <a:endParaRPr lang="en-US" dirty="0"/>
           </a:p>
         </p:txBody>
       </p:sp>
+      <p:pic>
+        <p:nvPicPr>
+          <p:cNvPr id="3076" name="Picture 4">
+            <a:extLst>
+              <a:ext uri="{FF2B5EF4-FFF2-40B4-BE49-F238E27FC236}">
+                <a16:creationId xmlns:a16="http://schemas.microsoft.com/office/drawing/2014/main" id="{FD2740EB-4772-9082-0E4C-8487E4C86A69}"/>
+              </a:ext>
+            </a:extLst>
+          </p:cNvPr>
+          <p:cNvPicPr>
+            <a:picLocks noChangeAspect="1" noChangeArrowheads="1"/>
+          </p:cNvPicPr>
+          <p:nvPr/>
+        </p:nvPicPr>
+        <p:blipFill>
+          <a:blip r:embed="rId4">
+            <a:extLst>
+              <a:ext uri="{28A0092B-C50C-407E-A947-70E740481C1C}">
+                <a14:useLocalDpi xmlns:a14="http://schemas.microsoft.com/office/drawing/2010/main" val="0"/>
+              </a:ext>
+            </a:extLst>
+          </a:blip>
+          <a:srcRect/>
+          <a:stretch>
+            <a:fillRect/>
+          </a:stretch>
+        </p:blipFill>
+        <p:spPr bwMode="auto">
+          <a:xfrm>
+            <a:off x="5690682" y="169118"/>
+            <a:ext cx="2786054" cy="882250"/>
+          </a:xfrm>
+          <a:prstGeom prst="rect">
+            <a:avLst/>
+          </a:prstGeom>
+          <a:noFill/>
+          <a:extLst>
+            <a:ext uri="{909E8E84-426E-40DD-AFC4-6F175D3DCCD1}">
+              <a14:hiddenFill xmlns:a14="http://schemas.microsoft.com/office/drawing/2010/main">
+                <a:solidFill>
+                  <a:srgbClr val="FFFFFF"/>
+                </a:solidFill>
+              </a14:hiddenFill>
+            </a:ext>
+          </a:extLst>
+        </p:spPr>
+      </p:pic>
     </p:spTree>
     <p:extLst>
       <p:ext uri="{BB962C8B-B14F-4D97-AF65-F5344CB8AC3E}">
-        <p14:creationId xmlns:p14="http://schemas.microsoft.com/office/powerpoint/2010/main" val="2185835663"/>
+        <p14:creationId xmlns:p14="http://schemas.microsoft.com/office/powerpoint/2010/main" val="428203823"/>
       </p:ext>
     </p:extLst>
   </p:cSld>

--- a/2025-03 - EESSI test suite at EUM25.pptx
+++ b/2025-03 - EESSI test suite at EUM25.pptx
@@ -16,18 +16,18 @@
     <p:sldId id="503" r:id="rId7"/>
     <p:sldId id="504" r:id="rId8"/>
     <p:sldId id="491" r:id="rId9"/>
-    <p:sldId id="502" r:id="rId10"/>
-    <p:sldId id="505" r:id="rId11"/>
-    <p:sldId id="492" r:id="rId12"/>
-    <p:sldId id="493" r:id="rId13"/>
-    <p:sldId id="494" r:id="rId14"/>
-    <p:sldId id="495" r:id="rId15"/>
-    <p:sldId id="496" r:id="rId16"/>
-    <p:sldId id="497" r:id="rId17"/>
-    <p:sldId id="500" r:id="rId18"/>
-    <p:sldId id="498" r:id="rId19"/>
-    <p:sldId id="499" r:id="rId20"/>
-    <p:sldId id="501" r:id="rId21"/>
+    <p:sldId id="505" r:id="rId10"/>
+    <p:sldId id="492" r:id="rId11"/>
+    <p:sldId id="493" r:id="rId12"/>
+    <p:sldId id="494" r:id="rId13"/>
+    <p:sldId id="495" r:id="rId14"/>
+    <p:sldId id="496" r:id="rId15"/>
+    <p:sldId id="497" r:id="rId16"/>
+    <p:sldId id="500" r:id="rId17"/>
+    <p:sldId id="498" r:id="rId18"/>
+    <p:sldId id="499" r:id="rId19"/>
+    <p:sldId id="501" r:id="rId20"/>
+    <p:sldId id="502" r:id="rId21"/>
     <p:sldId id="277" r:id="rId22"/>
   </p:sldIdLst>
   <p:sldSz cx="9144000" cy="5143500" type="screen16x9"/>
@@ -6224,667 +6224,6 @@
         <p:cNvPr id="1" name="">
           <a:extLst>
             <a:ext uri="{FF2B5EF4-FFF2-40B4-BE49-F238E27FC236}">
-              <a16:creationId xmlns:a16="http://schemas.microsoft.com/office/drawing/2014/main" id="{40C439C6-6B4D-7492-2415-80CF3EE32BB5}"/>
-            </a:ext>
-          </a:extLst>
-        </p:cNvPr>
-        <p:cNvGrpSpPr/>
-        <p:nvPr/>
-      </p:nvGrpSpPr>
-      <p:grpSpPr>
-        <a:xfrm>
-          <a:off x="0" y="0"/>
-          <a:ext cx="0" cy="0"/>
-          <a:chOff x="0" y="0"/>
-          <a:chExt cx="0" cy="0"/>
-        </a:xfrm>
-      </p:grpSpPr>
-      <p:sp>
-        <p:nvSpPr>
-          <p:cNvPr id="5" name="Text Placeholder 4">
-            <a:extLst>
-              <a:ext uri="{FF2B5EF4-FFF2-40B4-BE49-F238E27FC236}">
-                <a16:creationId xmlns:a16="http://schemas.microsoft.com/office/drawing/2014/main" id="{558D1E2C-31A9-BC0A-B348-CBC51714102A}"/>
-              </a:ext>
-            </a:extLst>
-          </p:cNvPr>
-          <p:cNvSpPr>
-            <a:spLocks noGrp="1"/>
-          </p:cNvSpPr>
-          <p:nvPr>
-            <p:ph type="body" idx="1"/>
-          </p:nvPr>
-        </p:nvSpPr>
-        <p:spPr>
-          <a:xfrm>
-            <a:off x="443017" y="772766"/>
-            <a:ext cx="8390739" cy="3791283"/>
-          </a:xfrm>
-        </p:spPr>
-        <p:txBody>
-          <a:bodyPr/>
-          <a:lstStyle/>
-          <a:p>
-            <a:r>
-              <a:rPr lang="en-US" sz="1800" dirty="0"/>
-              <a:t>Detailed steps on subsequent slides</a:t>
-            </a:r>
-          </a:p>
-          <a:p>
-            <a:r>
-              <a:rPr lang="en-US" sz="1800" dirty="0"/>
-              <a:t>Quickest way: copy-paste from slides at </a:t>
-            </a:r>
-            <a:r>
-              <a:rPr lang="en-US" sz="1800" dirty="0">
-                <a:hlinkClick r:id="rId2"/>
-              </a:rPr>
-              <a:t>https://github.com/casparvl/EUM25</a:t>
-            </a:r>
-            <a:r>
-              <a:rPr lang="en-US" sz="1800" dirty="0"/>
-              <a:t> </a:t>
-            </a:r>
-          </a:p>
-          <a:p>
-            <a:r>
-              <a:rPr lang="en-US" sz="1800" dirty="0"/>
-              <a:t>Docs for creating a config file: </a:t>
-            </a:r>
-            <a:r>
-              <a:rPr lang="en-US" sz="1800" dirty="0">
-                <a:hlinkClick r:id="rId3"/>
-              </a:rPr>
-              <a:t>https://www.eessi.io/docs/test-suite/installation-configuration/</a:t>
-            </a:r>
-            <a:r>
-              <a:rPr lang="en-US" sz="1800" dirty="0"/>
-              <a:t> </a:t>
-            </a:r>
-          </a:p>
-          <a:p>
-            <a:endParaRPr lang="en-US" sz="1800" dirty="0"/>
-          </a:p>
-        </p:txBody>
-      </p:sp>
-      <p:sp>
-        <p:nvSpPr>
-          <p:cNvPr id="3" name="Google Shape;79;p13">
-            <a:extLst>
-              <a:ext uri="{FF2B5EF4-FFF2-40B4-BE49-F238E27FC236}">
-                <a16:creationId xmlns:a16="http://schemas.microsoft.com/office/drawing/2014/main" id="{EB13EC94-6E54-95C1-FB10-8CE6E7E0CE33}"/>
-              </a:ext>
-            </a:extLst>
-          </p:cNvPr>
-          <p:cNvSpPr txBox="1">
-            <a:spLocks/>
-          </p:cNvSpPr>
-          <p:nvPr/>
-        </p:nvSpPr>
-        <p:spPr>
-          <a:xfrm>
-            <a:off x="-105683" y="4773864"/>
-            <a:ext cx="548700" cy="393600"/>
-          </a:xfrm>
-          <a:prstGeom prst="rect">
-            <a:avLst/>
-          </a:prstGeom>
-        </p:spPr>
-        <p:txBody>
-          <a:bodyPr spcFirstLastPara="1" wrap="square" lIns="91425" tIns="91425" rIns="91425" bIns="91425" anchor="t" anchorCtr="0">
-            <a:noAutofit/>
-          </a:bodyPr>
-          <a:lstStyle>
-            <a:defPPr marR="0" lvl="0" algn="l" rtl="0">
-              <a:lnSpc>
-                <a:spcPct val="100000"/>
-              </a:lnSpc>
-              <a:spcBef>
-                <a:spcPts val="0"/>
-              </a:spcBef>
-              <a:spcAft>
-                <a:spcPts val="0"/>
-              </a:spcAft>
-            </a:defPPr>
-            <a:lvl1pPr marR="0" lvl="0" algn="l" rtl="0">
-              <a:lnSpc>
-                <a:spcPct val="100000"/>
-              </a:lnSpc>
-              <a:spcBef>
-                <a:spcPts val="0"/>
-              </a:spcBef>
-              <a:spcAft>
-                <a:spcPts val="0"/>
-              </a:spcAft>
-              <a:buClr>
-                <a:srgbClr val="000000"/>
-              </a:buClr>
-              <a:buFont typeface="Arial"/>
-              <a:defRPr sz="1400" b="0" i="0" u="none" strike="noStrike" cap="none">
-                <a:solidFill>
-                  <a:srgbClr val="000000"/>
-                </a:solidFill>
-                <a:latin typeface="Arial"/>
-                <a:ea typeface="Arial"/>
-                <a:cs typeface="Arial"/>
-                <a:sym typeface="Arial"/>
-              </a:defRPr>
-            </a:lvl1pPr>
-            <a:lvl2pPr marR="0" lvl="1" algn="l" rtl="0">
-              <a:lnSpc>
-                <a:spcPct val="100000"/>
-              </a:lnSpc>
-              <a:spcBef>
-                <a:spcPts val="0"/>
-              </a:spcBef>
-              <a:spcAft>
-                <a:spcPts val="0"/>
-              </a:spcAft>
-              <a:buClr>
-                <a:srgbClr val="000000"/>
-              </a:buClr>
-              <a:buFont typeface="Arial"/>
-              <a:defRPr sz="1400" b="0" i="0" u="none" strike="noStrike" cap="none">
-                <a:solidFill>
-                  <a:srgbClr val="000000"/>
-                </a:solidFill>
-                <a:latin typeface="Arial"/>
-                <a:ea typeface="Arial"/>
-                <a:cs typeface="Arial"/>
-                <a:sym typeface="Arial"/>
-              </a:defRPr>
-            </a:lvl2pPr>
-            <a:lvl3pPr marR="0" lvl="2" algn="l" rtl="0">
-              <a:lnSpc>
-                <a:spcPct val="100000"/>
-              </a:lnSpc>
-              <a:spcBef>
-                <a:spcPts val="0"/>
-              </a:spcBef>
-              <a:spcAft>
-                <a:spcPts val="0"/>
-              </a:spcAft>
-              <a:buClr>
-                <a:srgbClr val="000000"/>
-              </a:buClr>
-              <a:buFont typeface="Arial"/>
-              <a:defRPr sz="1400" b="0" i="0" u="none" strike="noStrike" cap="none">
-                <a:solidFill>
-                  <a:srgbClr val="000000"/>
-                </a:solidFill>
-                <a:latin typeface="Arial"/>
-                <a:ea typeface="Arial"/>
-                <a:cs typeface="Arial"/>
-                <a:sym typeface="Arial"/>
-              </a:defRPr>
-            </a:lvl3pPr>
-            <a:lvl4pPr marR="0" lvl="3" algn="l" rtl="0">
-              <a:lnSpc>
-                <a:spcPct val="100000"/>
-              </a:lnSpc>
-              <a:spcBef>
-                <a:spcPts val="0"/>
-              </a:spcBef>
-              <a:spcAft>
-                <a:spcPts val="0"/>
-              </a:spcAft>
-              <a:buClr>
-                <a:srgbClr val="000000"/>
-              </a:buClr>
-              <a:buFont typeface="Arial"/>
-              <a:defRPr sz="1400" b="0" i="0" u="none" strike="noStrike" cap="none">
-                <a:solidFill>
-                  <a:srgbClr val="000000"/>
-                </a:solidFill>
-                <a:latin typeface="Arial"/>
-                <a:ea typeface="Arial"/>
-                <a:cs typeface="Arial"/>
-                <a:sym typeface="Arial"/>
-              </a:defRPr>
-            </a:lvl4pPr>
-            <a:lvl5pPr marR="0" lvl="4" algn="l" rtl="0">
-              <a:lnSpc>
-                <a:spcPct val="100000"/>
-              </a:lnSpc>
-              <a:spcBef>
-                <a:spcPts val="0"/>
-              </a:spcBef>
-              <a:spcAft>
-                <a:spcPts val="0"/>
-              </a:spcAft>
-              <a:buClr>
-                <a:srgbClr val="000000"/>
-              </a:buClr>
-              <a:buFont typeface="Arial"/>
-              <a:defRPr sz="1400" b="0" i="0" u="none" strike="noStrike" cap="none">
-                <a:solidFill>
-                  <a:srgbClr val="000000"/>
-                </a:solidFill>
-                <a:latin typeface="Arial"/>
-                <a:ea typeface="Arial"/>
-                <a:cs typeface="Arial"/>
-                <a:sym typeface="Arial"/>
-              </a:defRPr>
-            </a:lvl5pPr>
-            <a:lvl6pPr marR="0" lvl="5" algn="l" rtl="0">
-              <a:lnSpc>
-                <a:spcPct val="100000"/>
-              </a:lnSpc>
-              <a:spcBef>
-                <a:spcPts val="0"/>
-              </a:spcBef>
-              <a:spcAft>
-                <a:spcPts val="0"/>
-              </a:spcAft>
-              <a:buClr>
-                <a:srgbClr val="000000"/>
-              </a:buClr>
-              <a:buFont typeface="Arial"/>
-              <a:defRPr sz="1400" b="0" i="0" u="none" strike="noStrike" cap="none">
-                <a:solidFill>
-                  <a:srgbClr val="000000"/>
-                </a:solidFill>
-                <a:latin typeface="Arial"/>
-                <a:ea typeface="Arial"/>
-                <a:cs typeface="Arial"/>
-                <a:sym typeface="Arial"/>
-              </a:defRPr>
-            </a:lvl6pPr>
-            <a:lvl7pPr marR="0" lvl="6" algn="l" rtl="0">
-              <a:lnSpc>
-                <a:spcPct val="100000"/>
-              </a:lnSpc>
-              <a:spcBef>
-                <a:spcPts val="0"/>
-              </a:spcBef>
-              <a:spcAft>
-                <a:spcPts val="0"/>
-              </a:spcAft>
-              <a:buClr>
-                <a:srgbClr val="000000"/>
-              </a:buClr>
-              <a:buFont typeface="Arial"/>
-              <a:defRPr sz="1400" b="0" i="0" u="none" strike="noStrike" cap="none">
-                <a:solidFill>
-                  <a:srgbClr val="000000"/>
-                </a:solidFill>
-                <a:latin typeface="Arial"/>
-                <a:ea typeface="Arial"/>
-                <a:cs typeface="Arial"/>
-                <a:sym typeface="Arial"/>
-              </a:defRPr>
-            </a:lvl7pPr>
-            <a:lvl8pPr marR="0" lvl="7" algn="l" rtl="0">
-              <a:lnSpc>
-                <a:spcPct val="100000"/>
-              </a:lnSpc>
-              <a:spcBef>
-                <a:spcPts val="0"/>
-              </a:spcBef>
-              <a:spcAft>
-                <a:spcPts val="0"/>
-              </a:spcAft>
-              <a:buClr>
-                <a:srgbClr val="000000"/>
-              </a:buClr>
-              <a:buFont typeface="Arial"/>
-              <a:defRPr sz="1400" b="0" i="0" u="none" strike="noStrike" cap="none">
-                <a:solidFill>
-                  <a:srgbClr val="000000"/>
-                </a:solidFill>
-                <a:latin typeface="Arial"/>
-                <a:ea typeface="Arial"/>
-                <a:cs typeface="Arial"/>
-                <a:sym typeface="Arial"/>
-              </a:defRPr>
-            </a:lvl8pPr>
-            <a:lvl9pPr marR="0" lvl="8" algn="l" rtl="0">
-              <a:lnSpc>
-                <a:spcPct val="100000"/>
-              </a:lnSpc>
-              <a:spcBef>
-                <a:spcPts val="0"/>
-              </a:spcBef>
-              <a:spcAft>
-                <a:spcPts val="0"/>
-              </a:spcAft>
-              <a:buClr>
-                <a:srgbClr val="000000"/>
-              </a:buClr>
-              <a:buFont typeface="Arial"/>
-              <a:defRPr sz="1400" b="0" i="0" u="none" strike="noStrike" cap="none">
-                <a:solidFill>
-                  <a:srgbClr val="000000"/>
-                </a:solidFill>
-                <a:latin typeface="Arial"/>
-                <a:ea typeface="Arial"/>
-                <a:cs typeface="Arial"/>
-                <a:sym typeface="Arial"/>
-              </a:defRPr>
-            </a:lvl9pPr>
-          </a:lstStyle>
-          <a:p>
-            <a:pPr algn="r"/>
-            <a:fld id="{00000000-1234-1234-1234-123412341234}" type="slidenum">
-              <a:rPr lang="en"/>
-              <a:pPr algn="r"/>
-              <a:t>10</a:t>
-            </a:fld>
-            <a:endParaRPr lang="en" dirty="0"/>
-          </a:p>
-        </p:txBody>
-      </p:sp>
-      <p:sp>
-        <p:nvSpPr>
-          <p:cNvPr id="7" name="Title 3">
-            <a:extLst>
-              <a:ext uri="{FF2B5EF4-FFF2-40B4-BE49-F238E27FC236}">
-                <a16:creationId xmlns:a16="http://schemas.microsoft.com/office/drawing/2014/main" id="{E1C08E2A-FDF5-617A-2AF5-660877817E47}"/>
-              </a:ext>
-            </a:extLst>
-          </p:cNvPr>
-          <p:cNvSpPr txBox="1">
-            <a:spLocks/>
-          </p:cNvSpPr>
-          <p:nvPr/>
-        </p:nvSpPr>
-        <p:spPr>
-          <a:xfrm>
-            <a:off x="424543" y="70166"/>
-            <a:ext cx="8523515" cy="702600"/>
-          </a:xfrm>
-          <a:prstGeom prst="rect">
-            <a:avLst/>
-          </a:prstGeom>
-          <a:noFill/>
-          <a:ln>
-            <a:noFill/>
-          </a:ln>
-        </p:spPr>
-        <p:txBody>
-          <a:bodyPr spcFirstLastPara="1" wrap="square" lIns="91425" tIns="91425" rIns="91425" bIns="91425" anchor="b" anchorCtr="0">
-            <a:noAutofit/>
-          </a:bodyPr>
-          <a:lstStyle>
-            <a:defPPr marR="0" lvl="0" algn="l" rtl="0">
-              <a:lnSpc>
-                <a:spcPct val="100000"/>
-              </a:lnSpc>
-              <a:spcBef>
-                <a:spcPts val="0"/>
-              </a:spcBef>
-              <a:spcAft>
-                <a:spcPts val="0"/>
-              </a:spcAft>
-            </a:defPPr>
-            <a:lvl1pPr marR="0" lvl="0" algn="l" rtl="0" eaLnBrk="1" hangingPunct="1">
-              <a:lnSpc>
-                <a:spcPct val="100000"/>
-              </a:lnSpc>
-              <a:spcBef>
-                <a:spcPts val="0"/>
-              </a:spcBef>
-              <a:spcAft>
-                <a:spcPts val="0"/>
-              </a:spcAft>
-              <a:buClr>
-                <a:schemeClr val="accent1"/>
-              </a:buClr>
-              <a:buSzPts val="2000"/>
-              <a:buFont typeface="Roboto Slab"/>
-              <a:buNone/>
-              <a:defRPr sz="2800" b="0" i="0" u="none" strike="noStrike" cap="none">
-                <a:solidFill>
-                  <a:schemeClr val="accent1"/>
-                </a:solidFill>
-                <a:latin typeface="Source Sans Pro" panose="020B0503030403020204" pitchFamily="34" charset="0"/>
-                <a:ea typeface="Source Sans Pro" panose="020B0503030403020204" pitchFamily="34" charset="0"/>
-                <a:cs typeface="Roboto Slab"/>
-                <a:sym typeface="Roboto Slab"/>
-              </a:defRPr>
-            </a:lvl1pPr>
-            <a:lvl2pPr marR="0" lvl="1" algn="l" rtl="0" eaLnBrk="1" hangingPunct="1">
-              <a:lnSpc>
-                <a:spcPct val="100000"/>
-              </a:lnSpc>
-              <a:spcBef>
-                <a:spcPts val="0"/>
-              </a:spcBef>
-              <a:spcAft>
-                <a:spcPts val="0"/>
-              </a:spcAft>
-              <a:buClr>
-                <a:schemeClr val="accent1"/>
-              </a:buClr>
-              <a:buSzPts val="2000"/>
-              <a:buFont typeface="Roboto Slab"/>
-              <a:buNone/>
-              <a:defRPr sz="2000" b="0" i="0" u="none" strike="noStrike" cap="none">
-                <a:solidFill>
-                  <a:schemeClr val="accent1"/>
-                </a:solidFill>
-                <a:latin typeface="Roboto Slab"/>
-                <a:ea typeface="Roboto Slab"/>
-                <a:cs typeface="Roboto Slab"/>
-                <a:sym typeface="Roboto Slab"/>
-              </a:defRPr>
-            </a:lvl2pPr>
-            <a:lvl3pPr marR="0" lvl="2" algn="l" rtl="0" eaLnBrk="1" hangingPunct="1">
-              <a:lnSpc>
-                <a:spcPct val="100000"/>
-              </a:lnSpc>
-              <a:spcBef>
-                <a:spcPts val="0"/>
-              </a:spcBef>
-              <a:spcAft>
-                <a:spcPts val="0"/>
-              </a:spcAft>
-              <a:buClr>
-                <a:schemeClr val="accent1"/>
-              </a:buClr>
-              <a:buSzPts val="2000"/>
-              <a:buFont typeface="Roboto Slab"/>
-              <a:buNone/>
-              <a:defRPr sz="2000" b="0" i="0" u="none" strike="noStrike" cap="none">
-                <a:solidFill>
-                  <a:schemeClr val="accent1"/>
-                </a:solidFill>
-                <a:latin typeface="Roboto Slab"/>
-                <a:ea typeface="Roboto Slab"/>
-                <a:cs typeface="Roboto Slab"/>
-                <a:sym typeface="Roboto Slab"/>
-              </a:defRPr>
-            </a:lvl3pPr>
-            <a:lvl4pPr marR="0" lvl="3" algn="l" rtl="0" eaLnBrk="1" hangingPunct="1">
-              <a:lnSpc>
-                <a:spcPct val="100000"/>
-              </a:lnSpc>
-              <a:spcBef>
-                <a:spcPts val="0"/>
-              </a:spcBef>
-              <a:spcAft>
-                <a:spcPts val="0"/>
-              </a:spcAft>
-              <a:buClr>
-                <a:schemeClr val="accent1"/>
-              </a:buClr>
-              <a:buSzPts val="2000"/>
-              <a:buFont typeface="Roboto Slab"/>
-              <a:buNone/>
-              <a:defRPr sz="2000" b="0" i="0" u="none" strike="noStrike" cap="none">
-                <a:solidFill>
-                  <a:schemeClr val="accent1"/>
-                </a:solidFill>
-                <a:latin typeface="Roboto Slab"/>
-                <a:ea typeface="Roboto Slab"/>
-                <a:cs typeface="Roboto Slab"/>
-                <a:sym typeface="Roboto Slab"/>
-              </a:defRPr>
-            </a:lvl4pPr>
-            <a:lvl5pPr marR="0" lvl="4" algn="l" rtl="0" eaLnBrk="1" hangingPunct="1">
-              <a:lnSpc>
-                <a:spcPct val="100000"/>
-              </a:lnSpc>
-              <a:spcBef>
-                <a:spcPts val="0"/>
-              </a:spcBef>
-              <a:spcAft>
-                <a:spcPts val="0"/>
-              </a:spcAft>
-              <a:buClr>
-                <a:schemeClr val="accent1"/>
-              </a:buClr>
-              <a:buSzPts val="2000"/>
-              <a:buFont typeface="Roboto Slab"/>
-              <a:buNone/>
-              <a:defRPr sz="2000" b="0" i="0" u="none" strike="noStrike" cap="none">
-                <a:solidFill>
-                  <a:schemeClr val="accent1"/>
-                </a:solidFill>
-                <a:latin typeface="Roboto Slab"/>
-                <a:ea typeface="Roboto Slab"/>
-                <a:cs typeface="Roboto Slab"/>
-                <a:sym typeface="Roboto Slab"/>
-              </a:defRPr>
-            </a:lvl5pPr>
-            <a:lvl6pPr marR="0" lvl="5" algn="l" rtl="0" eaLnBrk="1" hangingPunct="1">
-              <a:lnSpc>
-                <a:spcPct val="100000"/>
-              </a:lnSpc>
-              <a:spcBef>
-                <a:spcPts val="0"/>
-              </a:spcBef>
-              <a:spcAft>
-                <a:spcPts val="0"/>
-              </a:spcAft>
-              <a:buClr>
-                <a:schemeClr val="accent1"/>
-              </a:buClr>
-              <a:buSzPts val="2000"/>
-              <a:buFont typeface="Roboto Slab"/>
-              <a:buNone/>
-              <a:defRPr sz="2000" b="0" i="0" u="none" strike="noStrike" cap="none">
-                <a:solidFill>
-                  <a:schemeClr val="accent1"/>
-                </a:solidFill>
-                <a:latin typeface="Roboto Slab"/>
-                <a:ea typeface="Roboto Slab"/>
-                <a:cs typeface="Roboto Slab"/>
-                <a:sym typeface="Roboto Slab"/>
-              </a:defRPr>
-            </a:lvl6pPr>
-            <a:lvl7pPr marR="0" lvl="6" algn="l" rtl="0" eaLnBrk="1" hangingPunct="1">
-              <a:lnSpc>
-                <a:spcPct val="100000"/>
-              </a:lnSpc>
-              <a:spcBef>
-                <a:spcPts val="0"/>
-              </a:spcBef>
-              <a:spcAft>
-                <a:spcPts val="0"/>
-              </a:spcAft>
-              <a:buClr>
-                <a:schemeClr val="accent1"/>
-              </a:buClr>
-              <a:buSzPts val="2000"/>
-              <a:buFont typeface="Roboto Slab"/>
-              <a:buNone/>
-              <a:defRPr sz="2000" b="0" i="0" u="none" strike="noStrike" cap="none">
-                <a:solidFill>
-                  <a:schemeClr val="accent1"/>
-                </a:solidFill>
-                <a:latin typeface="Roboto Slab"/>
-                <a:ea typeface="Roboto Slab"/>
-                <a:cs typeface="Roboto Slab"/>
-                <a:sym typeface="Roboto Slab"/>
-              </a:defRPr>
-            </a:lvl7pPr>
-            <a:lvl8pPr marR="0" lvl="7" algn="l" rtl="0" eaLnBrk="1" hangingPunct="1">
-              <a:lnSpc>
-                <a:spcPct val="100000"/>
-              </a:lnSpc>
-              <a:spcBef>
-                <a:spcPts val="0"/>
-              </a:spcBef>
-              <a:spcAft>
-                <a:spcPts val="0"/>
-              </a:spcAft>
-              <a:buClr>
-                <a:schemeClr val="accent1"/>
-              </a:buClr>
-              <a:buSzPts val="2000"/>
-              <a:buFont typeface="Roboto Slab"/>
-              <a:buNone/>
-              <a:defRPr sz="2000" b="0" i="0" u="none" strike="noStrike" cap="none">
-                <a:solidFill>
-                  <a:schemeClr val="accent1"/>
-                </a:solidFill>
-                <a:latin typeface="Roboto Slab"/>
-                <a:ea typeface="Roboto Slab"/>
-                <a:cs typeface="Roboto Slab"/>
-                <a:sym typeface="Roboto Slab"/>
-              </a:defRPr>
-            </a:lvl8pPr>
-            <a:lvl9pPr marR="0" lvl="8" algn="l" rtl="0" eaLnBrk="1" hangingPunct="1">
-              <a:lnSpc>
-                <a:spcPct val="100000"/>
-              </a:lnSpc>
-              <a:spcBef>
-                <a:spcPts val="0"/>
-              </a:spcBef>
-              <a:spcAft>
-                <a:spcPts val="0"/>
-              </a:spcAft>
-              <a:buClr>
-                <a:schemeClr val="accent1"/>
-              </a:buClr>
-              <a:buSzPts val="2000"/>
-              <a:buFont typeface="Roboto Slab"/>
-              <a:buNone/>
-              <a:defRPr sz="2000" b="0" i="0" u="none" strike="noStrike" cap="none">
-                <a:solidFill>
-                  <a:schemeClr val="accent1"/>
-                </a:solidFill>
-                <a:latin typeface="Roboto Slab"/>
-                <a:ea typeface="Roboto Slab"/>
-                <a:cs typeface="Roboto Slab"/>
-                <a:sym typeface="Roboto Slab"/>
-              </a:defRPr>
-            </a:lvl9pPr>
-          </a:lstStyle>
-          <a:p>
-            <a:r>
-              <a:rPr lang="en-GB" sz="2600" dirty="0">
-                <a:latin typeface="Source Sans Pro"/>
-                <a:ea typeface="Source Sans Pro"/>
-              </a:rPr>
-              <a:t>Find presentation online</a:t>
-            </a:r>
-            <a:endParaRPr lang="en-US" sz="2600" dirty="0"/>
-          </a:p>
-        </p:txBody>
-      </p:sp>
-    </p:spTree>
-    <p:extLst>
-      <p:ext uri="{BB962C8B-B14F-4D97-AF65-F5344CB8AC3E}">
-        <p14:creationId xmlns:p14="http://schemas.microsoft.com/office/powerpoint/2010/main" val="2185835663"/>
-      </p:ext>
-    </p:extLst>
-  </p:cSld>
-  <p:clrMapOvr>
-    <a:masterClrMapping/>
-  </p:clrMapOvr>
-</p:sld>
-</file>
-
-<file path=ppt/slides/slide11.xml><?xml version="1.0" encoding="utf-8"?>
-<p:sld xmlns:a="http://schemas.openxmlformats.org/drawingml/2006/main" xmlns:r="http://schemas.openxmlformats.org/officeDocument/2006/relationships" xmlns:p="http://schemas.openxmlformats.org/presentationml/2006/main">
-  <p:cSld>
-    <p:spTree>
-      <p:nvGrpSpPr>
-        <p:cNvPr id="1" name="">
-          <a:extLst>
-            <a:ext uri="{FF2B5EF4-FFF2-40B4-BE49-F238E27FC236}">
               <a16:creationId xmlns:a16="http://schemas.microsoft.com/office/drawing/2014/main" id="{D865F1FE-1426-66BA-1DCE-CD88DAE1A570}"/>
             </a:ext>
           </a:extLst>
@@ -7495,7 +6834,7 @@
             <a:fld id="{00000000-1234-1234-1234-123412341234}" type="slidenum">
               <a:rPr lang="en"/>
               <a:pPr algn="r"/>
-              <a:t>11</a:t>
+              <a:t>10</a:t>
             </a:fld>
             <a:endParaRPr lang="en" dirty="0"/>
           </a:p>
@@ -7818,7 +7157,7 @@
 </p:sld>
 </file>
 
-<file path=ppt/slides/slide12.xml><?xml version="1.0" encoding="utf-8"?>
+<file path=ppt/slides/slide11.xml><?xml version="1.0" encoding="utf-8"?>
 <p:sld xmlns:a="http://schemas.openxmlformats.org/drawingml/2006/main" xmlns:r="http://schemas.openxmlformats.org/officeDocument/2006/relationships" xmlns:p="http://schemas.openxmlformats.org/presentationml/2006/main">
   <p:cSld>
     <p:spTree>
@@ -8318,7 +7657,7 @@
             <a:fld id="{00000000-1234-1234-1234-123412341234}" type="slidenum">
               <a:rPr lang="en"/>
               <a:pPr algn="r"/>
-              <a:t>12</a:t>
+              <a:t>11</a:t>
             </a:fld>
             <a:endParaRPr lang="en" dirty="0"/>
           </a:p>
@@ -8641,7 +7980,7 @@
 </p:sld>
 </file>
 
-<file path=ppt/slides/slide13.xml><?xml version="1.0" encoding="utf-8"?>
+<file path=ppt/slides/slide12.xml><?xml version="1.0" encoding="utf-8"?>
 <p:sld xmlns:a="http://schemas.openxmlformats.org/drawingml/2006/main" xmlns:r="http://schemas.openxmlformats.org/officeDocument/2006/relationships" xmlns:p="http://schemas.openxmlformats.org/presentationml/2006/main">
   <p:cSld>
     <p:spTree>
@@ -9114,7 +8453,7 @@
             <a:fld id="{00000000-1234-1234-1234-123412341234}" type="slidenum">
               <a:rPr lang="en"/>
               <a:pPr algn="r"/>
-              <a:t>13</a:t>
+              <a:t>12</a:t>
             </a:fld>
             <a:endParaRPr lang="en" dirty="0"/>
           </a:p>
@@ -9437,7 +8776,7 @@
 </p:sld>
 </file>
 
-<file path=ppt/slides/slide14.xml><?xml version="1.0" encoding="utf-8"?>
+<file path=ppt/slides/slide13.xml><?xml version="1.0" encoding="utf-8"?>
 <p:sld xmlns:a="http://schemas.openxmlformats.org/drawingml/2006/main" xmlns:r="http://schemas.openxmlformats.org/officeDocument/2006/relationships" xmlns:p="http://schemas.openxmlformats.org/presentationml/2006/main">
   <p:cSld>
     <p:spTree>
@@ -9927,7 +9266,7 @@
             <a:fld id="{00000000-1234-1234-1234-123412341234}" type="slidenum">
               <a:rPr lang="en"/>
               <a:pPr algn="r"/>
-              <a:t>14</a:t>
+              <a:t>13</a:t>
             </a:fld>
             <a:endParaRPr lang="en" dirty="0"/>
           </a:p>
@@ -10250,7 +9589,7 @@
 </p:sld>
 </file>
 
-<file path=ppt/slides/slide15.xml><?xml version="1.0" encoding="utf-8"?>
+<file path=ppt/slides/slide14.xml><?xml version="1.0" encoding="utf-8"?>
 <p:sld xmlns:a="http://schemas.openxmlformats.org/drawingml/2006/main" xmlns:r="http://schemas.openxmlformats.org/officeDocument/2006/relationships" xmlns:p="http://schemas.openxmlformats.org/presentationml/2006/main">
   <p:cSld>
     <p:spTree>
@@ -10760,7 +10099,7 @@
             <a:fld id="{00000000-1234-1234-1234-123412341234}" type="slidenum">
               <a:rPr lang="en"/>
               <a:pPr algn="r"/>
-              <a:t>15</a:t>
+              <a:t>14</a:t>
             </a:fld>
             <a:endParaRPr lang="en" dirty="0"/>
           </a:p>
@@ -11083,7 +10422,7 @@
 </p:sld>
 </file>
 
-<file path=ppt/slides/slide16.xml><?xml version="1.0" encoding="utf-8"?>
+<file path=ppt/slides/slide15.xml><?xml version="1.0" encoding="utf-8"?>
 <p:sld xmlns:a="http://schemas.openxmlformats.org/drawingml/2006/main" xmlns:r="http://schemas.openxmlformats.org/officeDocument/2006/relationships" xmlns:p="http://schemas.openxmlformats.org/presentationml/2006/main">
   <p:cSld>
     <p:spTree>
@@ -11454,7 +10793,7 @@
             <a:fld id="{00000000-1234-1234-1234-123412341234}" type="slidenum">
               <a:rPr lang="en"/>
               <a:pPr algn="r"/>
-              <a:t>16</a:t>
+              <a:t>15</a:t>
             </a:fld>
             <a:endParaRPr lang="en" dirty="0"/>
           </a:p>
@@ -11763,7 +11102,7 @@
 </p:sld>
 </file>
 
-<file path=ppt/slides/slide17.xml><?xml version="1.0" encoding="utf-8"?>
+<file path=ppt/slides/slide16.xml><?xml version="1.0" encoding="utf-8"?>
 <p:sld xmlns:a="http://schemas.openxmlformats.org/drawingml/2006/main" xmlns:r="http://schemas.openxmlformats.org/officeDocument/2006/relationships" xmlns:p="http://schemas.openxmlformats.org/presentationml/2006/main">
   <p:cSld>
     <p:spTree>
@@ -12284,7 +11623,7 @@
             <a:fld id="{00000000-1234-1234-1234-123412341234}" type="slidenum">
               <a:rPr lang="en"/>
               <a:pPr algn="r"/>
-              <a:t>17</a:t>
+              <a:t>16</a:t>
             </a:fld>
             <a:endParaRPr lang="en" dirty="0"/>
           </a:p>
@@ -12593,7 +11932,7 @@
 </p:sld>
 </file>
 
-<file path=ppt/slides/slide18.xml><?xml version="1.0" encoding="utf-8"?>
+<file path=ppt/slides/slide17.xml><?xml version="1.0" encoding="utf-8"?>
 <p:sld xmlns:a="http://schemas.openxmlformats.org/drawingml/2006/main" xmlns:r="http://schemas.openxmlformats.org/officeDocument/2006/relationships" xmlns:p="http://schemas.openxmlformats.org/presentationml/2006/main">
   <p:cSld>
     <p:spTree>
@@ -13191,7 +12530,7 @@
             <a:fld id="{00000000-1234-1234-1234-123412341234}" type="slidenum">
               <a:rPr lang="en"/>
               <a:pPr algn="r"/>
-              <a:t>18</a:t>
+              <a:t>17</a:t>
             </a:fld>
             <a:endParaRPr lang="en" dirty="0"/>
           </a:p>
@@ -13680,7 +13019,7 @@
 </p:sld>
 </file>
 
-<file path=ppt/slides/slide19.xml><?xml version="1.0" encoding="utf-8"?>
+<file path=ppt/slides/slide18.xml><?xml version="1.0" encoding="utf-8"?>
 <p:sld xmlns:a="http://schemas.openxmlformats.org/drawingml/2006/main" xmlns:r="http://schemas.openxmlformats.org/officeDocument/2006/relationships" xmlns:p="http://schemas.openxmlformats.org/presentationml/2006/main">
   <p:cSld>
     <p:spTree>
@@ -14169,7 +13508,7 @@
             <a:fld id="{00000000-1234-1234-1234-123412341234}" type="slidenum">
               <a:rPr lang="en"/>
               <a:pPr algn="r"/>
-              <a:t>19</a:t>
+              <a:t>18</a:t>
             </a:fld>
             <a:endParaRPr lang="en" dirty="0"/>
           </a:p>
@@ -14483,6 +13822,664 @@
     <p:extLst>
       <p:ext uri="{BB962C8B-B14F-4D97-AF65-F5344CB8AC3E}">
         <p14:creationId xmlns:p14="http://schemas.microsoft.com/office/powerpoint/2010/main" val="4041942677"/>
+      </p:ext>
+    </p:extLst>
+  </p:cSld>
+  <p:clrMapOvr>
+    <a:masterClrMapping/>
+  </p:clrMapOvr>
+</p:sld>
+</file>
+
+<file path=ppt/slides/slide19.xml><?xml version="1.0" encoding="utf-8"?>
+<p:sld xmlns:a="http://schemas.openxmlformats.org/drawingml/2006/main" xmlns:r="http://schemas.openxmlformats.org/officeDocument/2006/relationships" xmlns:p="http://schemas.openxmlformats.org/presentationml/2006/main">
+  <p:cSld>
+    <p:spTree>
+      <p:nvGrpSpPr>
+        <p:cNvPr id="1" name="">
+          <a:extLst>
+            <a:ext uri="{FF2B5EF4-FFF2-40B4-BE49-F238E27FC236}">
+              <a16:creationId xmlns:a16="http://schemas.microsoft.com/office/drawing/2014/main" id="{A71B6ADF-D281-1A57-B57E-5A563265E861}"/>
+            </a:ext>
+          </a:extLst>
+        </p:cNvPr>
+        <p:cNvGrpSpPr/>
+        <p:nvPr/>
+      </p:nvGrpSpPr>
+      <p:grpSpPr>
+        <a:xfrm>
+          <a:off x="0" y="0"/>
+          <a:ext cx="0" cy="0"/>
+          <a:chOff x="0" y="0"/>
+          <a:chExt cx="0" cy="0"/>
+        </a:xfrm>
+      </p:grpSpPr>
+      <p:sp>
+        <p:nvSpPr>
+          <p:cNvPr id="5" name="Text Placeholder 4">
+            <a:extLst>
+              <a:ext uri="{FF2B5EF4-FFF2-40B4-BE49-F238E27FC236}">
+                <a16:creationId xmlns:a16="http://schemas.microsoft.com/office/drawing/2014/main" id="{34308EDC-D3D2-9F4C-F200-E8674131C733}"/>
+              </a:ext>
+            </a:extLst>
+          </p:cNvPr>
+          <p:cNvSpPr>
+            <a:spLocks noGrp="1"/>
+          </p:cNvSpPr>
+          <p:nvPr>
+            <p:ph type="body" idx="1"/>
+          </p:nvPr>
+        </p:nvSpPr>
+        <p:spPr>
+          <a:xfrm>
+            <a:off x="443017" y="772766"/>
+            <a:ext cx="8390739" cy="3791283"/>
+          </a:xfrm>
+        </p:spPr>
+        <p:txBody>
+          <a:bodyPr/>
+          <a:lstStyle/>
+          <a:p>
+            <a:pPr marL="76200" indent="0">
+              <a:buNone/>
+            </a:pPr>
+            <a:r>
+              <a:rPr lang="en-US" sz="1800" dirty="0"/>
+              <a:t>Run </a:t>
+            </a:r>
+            <a:r>
+              <a:rPr lang="en-US" sz="1800" dirty="0">
+                <a:latin typeface="Courier New" panose="02070309020205020404" pitchFamily="49" charset="0"/>
+                <a:cs typeface="Courier New" panose="02070309020205020404" pitchFamily="49" charset="0"/>
+              </a:rPr>
+              <a:t>reframe --run -t CI –n /&lt;</a:t>
+            </a:r>
+            <a:r>
+              <a:rPr lang="en-US" sz="1800" dirty="0" err="1">
+                <a:latin typeface="Courier New" panose="02070309020205020404" pitchFamily="49" charset="0"/>
+                <a:cs typeface="Courier New" panose="02070309020205020404" pitchFamily="49" charset="0"/>
+              </a:rPr>
+              <a:t>testhash</a:t>
+            </a:r>
+            <a:r>
+              <a:rPr lang="en-US" sz="1800" dirty="0">
+                <a:latin typeface="Courier New" panose="02070309020205020404" pitchFamily="49" charset="0"/>
+                <a:cs typeface="Courier New" panose="02070309020205020404" pitchFamily="49" charset="0"/>
+              </a:rPr>
+              <a:t>&gt;</a:t>
+            </a:r>
+            <a:r>
+              <a:rPr lang="en-US" sz="1800" dirty="0">
+                <a:latin typeface="Source Sans Pro" panose="020B0503030403020204" pitchFamily="34" charset="0"/>
+                <a:ea typeface="Source Sans Pro" panose="020B0503030403020204" pitchFamily="34" charset="0"/>
+                <a:cs typeface="Courier New" panose="02070309020205020404" pitchFamily="49" charset="0"/>
+              </a:rPr>
+              <a:t> to just run an individual test as an example</a:t>
+            </a:r>
+          </a:p>
+        </p:txBody>
+      </p:sp>
+      <p:sp>
+        <p:nvSpPr>
+          <p:cNvPr id="3" name="Google Shape;79;p13">
+            <a:extLst>
+              <a:ext uri="{FF2B5EF4-FFF2-40B4-BE49-F238E27FC236}">
+                <a16:creationId xmlns:a16="http://schemas.microsoft.com/office/drawing/2014/main" id="{7823695E-E7C5-0F19-41F1-347533EDFAC4}"/>
+              </a:ext>
+            </a:extLst>
+          </p:cNvPr>
+          <p:cNvSpPr txBox="1">
+            <a:spLocks/>
+          </p:cNvSpPr>
+          <p:nvPr/>
+        </p:nvSpPr>
+        <p:spPr>
+          <a:xfrm>
+            <a:off x="-105683" y="4773864"/>
+            <a:ext cx="548700" cy="393600"/>
+          </a:xfrm>
+          <a:prstGeom prst="rect">
+            <a:avLst/>
+          </a:prstGeom>
+        </p:spPr>
+        <p:txBody>
+          <a:bodyPr spcFirstLastPara="1" wrap="square" lIns="91425" tIns="91425" rIns="91425" bIns="91425" anchor="t" anchorCtr="0">
+            <a:noAutofit/>
+          </a:bodyPr>
+          <a:lstStyle>
+            <a:defPPr marR="0" lvl="0" algn="l" rtl="0">
+              <a:lnSpc>
+                <a:spcPct val="100000"/>
+              </a:lnSpc>
+              <a:spcBef>
+                <a:spcPts val="0"/>
+              </a:spcBef>
+              <a:spcAft>
+                <a:spcPts val="0"/>
+              </a:spcAft>
+            </a:defPPr>
+            <a:lvl1pPr marR="0" lvl="0" algn="l" rtl="0">
+              <a:lnSpc>
+                <a:spcPct val="100000"/>
+              </a:lnSpc>
+              <a:spcBef>
+                <a:spcPts val="0"/>
+              </a:spcBef>
+              <a:spcAft>
+                <a:spcPts val="0"/>
+              </a:spcAft>
+              <a:buClr>
+                <a:srgbClr val="000000"/>
+              </a:buClr>
+              <a:buFont typeface="Arial"/>
+              <a:defRPr sz="1400" b="0" i="0" u="none" strike="noStrike" cap="none">
+                <a:solidFill>
+                  <a:srgbClr val="000000"/>
+                </a:solidFill>
+                <a:latin typeface="Arial"/>
+                <a:ea typeface="Arial"/>
+                <a:cs typeface="Arial"/>
+                <a:sym typeface="Arial"/>
+              </a:defRPr>
+            </a:lvl1pPr>
+            <a:lvl2pPr marR="0" lvl="1" algn="l" rtl="0">
+              <a:lnSpc>
+                <a:spcPct val="100000"/>
+              </a:lnSpc>
+              <a:spcBef>
+                <a:spcPts val="0"/>
+              </a:spcBef>
+              <a:spcAft>
+                <a:spcPts val="0"/>
+              </a:spcAft>
+              <a:buClr>
+                <a:srgbClr val="000000"/>
+              </a:buClr>
+              <a:buFont typeface="Arial"/>
+              <a:defRPr sz="1400" b="0" i="0" u="none" strike="noStrike" cap="none">
+                <a:solidFill>
+                  <a:srgbClr val="000000"/>
+                </a:solidFill>
+                <a:latin typeface="Arial"/>
+                <a:ea typeface="Arial"/>
+                <a:cs typeface="Arial"/>
+                <a:sym typeface="Arial"/>
+              </a:defRPr>
+            </a:lvl2pPr>
+            <a:lvl3pPr marR="0" lvl="2" algn="l" rtl="0">
+              <a:lnSpc>
+                <a:spcPct val="100000"/>
+              </a:lnSpc>
+              <a:spcBef>
+                <a:spcPts val="0"/>
+              </a:spcBef>
+              <a:spcAft>
+                <a:spcPts val="0"/>
+              </a:spcAft>
+              <a:buClr>
+                <a:srgbClr val="000000"/>
+              </a:buClr>
+              <a:buFont typeface="Arial"/>
+              <a:defRPr sz="1400" b="0" i="0" u="none" strike="noStrike" cap="none">
+                <a:solidFill>
+                  <a:srgbClr val="000000"/>
+                </a:solidFill>
+                <a:latin typeface="Arial"/>
+                <a:ea typeface="Arial"/>
+                <a:cs typeface="Arial"/>
+                <a:sym typeface="Arial"/>
+              </a:defRPr>
+            </a:lvl3pPr>
+            <a:lvl4pPr marR="0" lvl="3" algn="l" rtl="0">
+              <a:lnSpc>
+                <a:spcPct val="100000"/>
+              </a:lnSpc>
+              <a:spcBef>
+                <a:spcPts val="0"/>
+              </a:spcBef>
+              <a:spcAft>
+                <a:spcPts val="0"/>
+              </a:spcAft>
+              <a:buClr>
+                <a:srgbClr val="000000"/>
+              </a:buClr>
+              <a:buFont typeface="Arial"/>
+              <a:defRPr sz="1400" b="0" i="0" u="none" strike="noStrike" cap="none">
+                <a:solidFill>
+                  <a:srgbClr val="000000"/>
+                </a:solidFill>
+                <a:latin typeface="Arial"/>
+                <a:ea typeface="Arial"/>
+                <a:cs typeface="Arial"/>
+                <a:sym typeface="Arial"/>
+              </a:defRPr>
+            </a:lvl4pPr>
+            <a:lvl5pPr marR="0" lvl="4" algn="l" rtl="0">
+              <a:lnSpc>
+                <a:spcPct val="100000"/>
+              </a:lnSpc>
+              <a:spcBef>
+                <a:spcPts val="0"/>
+              </a:spcBef>
+              <a:spcAft>
+                <a:spcPts val="0"/>
+              </a:spcAft>
+              <a:buClr>
+                <a:srgbClr val="000000"/>
+              </a:buClr>
+              <a:buFont typeface="Arial"/>
+              <a:defRPr sz="1400" b="0" i="0" u="none" strike="noStrike" cap="none">
+                <a:solidFill>
+                  <a:srgbClr val="000000"/>
+                </a:solidFill>
+                <a:latin typeface="Arial"/>
+                <a:ea typeface="Arial"/>
+                <a:cs typeface="Arial"/>
+                <a:sym typeface="Arial"/>
+              </a:defRPr>
+            </a:lvl5pPr>
+            <a:lvl6pPr marR="0" lvl="5" algn="l" rtl="0">
+              <a:lnSpc>
+                <a:spcPct val="100000"/>
+              </a:lnSpc>
+              <a:spcBef>
+                <a:spcPts val="0"/>
+              </a:spcBef>
+              <a:spcAft>
+                <a:spcPts val="0"/>
+              </a:spcAft>
+              <a:buClr>
+                <a:srgbClr val="000000"/>
+              </a:buClr>
+              <a:buFont typeface="Arial"/>
+              <a:defRPr sz="1400" b="0" i="0" u="none" strike="noStrike" cap="none">
+                <a:solidFill>
+                  <a:srgbClr val="000000"/>
+                </a:solidFill>
+                <a:latin typeface="Arial"/>
+                <a:ea typeface="Arial"/>
+                <a:cs typeface="Arial"/>
+                <a:sym typeface="Arial"/>
+              </a:defRPr>
+            </a:lvl6pPr>
+            <a:lvl7pPr marR="0" lvl="6" algn="l" rtl="0">
+              <a:lnSpc>
+                <a:spcPct val="100000"/>
+              </a:lnSpc>
+              <a:spcBef>
+                <a:spcPts val="0"/>
+              </a:spcBef>
+              <a:spcAft>
+                <a:spcPts val="0"/>
+              </a:spcAft>
+              <a:buClr>
+                <a:srgbClr val="000000"/>
+              </a:buClr>
+              <a:buFont typeface="Arial"/>
+              <a:defRPr sz="1400" b="0" i="0" u="none" strike="noStrike" cap="none">
+                <a:solidFill>
+                  <a:srgbClr val="000000"/>
+                </a:solidFill>
+                <a:latin typeface="Arial"/>
+                <a:ea typeface="Arial"/>
+                <a:cs typeface="Arial"/>
+                <a:sym typeface="Arial"/>
+              </a:defRPr>
+            </a:lvl7pPr>
+            <a:lvl8pPr marR="0" lvl="7" algn="l" rtl="0">
+              <a:lnSpc>
+                <a:spcPct val="100000"/>
+              </a:lnSpc>
+              <a:spcBef>
+                <a:spcPts val="0"/>
+              </a:spcBef>
+              <a:spcAft>
+                <a:spcPts val="0"/>
+              </a:spcAft>
+              <a:buClr>
+                <a:srgbClr val="000000"/>
+              </a:buClr>
+              <a:buFont typeface="Arial"/>
+              <a:defRPr sz="1400" b="0" i="0" u="none" strike="noStrike" cap="none">
+                <a:solidFill>
+                  <a:srgbClr val="000000"/>
+                </a:solidFill>
+                <a:latin typeface="Arial"/>
+                <a:ea typeface="Arial"/>
+                <a:cs typeface="Arial"/>
+                <a:sym typeface="Arial"/>
+              </a:defRPr>
+            </a:lvl8pPr>
+            <a:lvl9pPr marR="0" lvl="8" algn="l" rtl="0">
+              <a:lnSpc>
+                <a:spcPct val="100000"/>
+              </a:lnSpc>
+              <a:spcBef>
+                <a:spcPts val="0"/>
+              </a:spcBef>
+              <a:spcAft>
+                <a:spcPts val="0"/>
+              </a:spcAft>
+              <a:buClr>
+                <a:srgbClr val="000000"/>
+              </a:buClr>
+              <a:buFont typeface="Arial"/>
+              <a:defRPr sz="1400" b="0" i="0" u="none" strike="noStrike" cap="none">
+                <a:solidFill>
+                  <a:srgbClr val="000000"/>
+                </a:solidFill>
+                <a:latin typeface="Arial"/>
+                <a:ea typeface="Arial"/>
+                <a:cs typeface="Arial"/>
+                <a:sym typeface="Arial"/>
+              </a:defRPr>
+            </a:lvl9pPr>
+          </a:lstStyle>
+          <a:p>
+            <a:pPr algn="r"/>
+            <a:fld id="{00000000-1234-1234-1234-123412341234}" type="slidenum">
+              <a:rPr lang="en"/>
+              <a:pPr algn="r"/>
+              <a:t>19</a:t>
+            </a:fld>
+            <a:endParaRPr lang="en" dirty="0"/>
+          </a:p>
+        </p:txBody>
+      </p:sp>
+      <p:sp>
+        <p:nvSpPr>
+          <p:cNvPr id="7" name="Title 3">
+            <a:extLst>
+              <a:ext uri="{FF2B5EF4-FFF2-40B4-BE49-F238E27FC236}">
+                <a16:creationId xmlns:a16="http://schemas.microsoft.com/office/drawing/2014/main" id="{DA9A3D48-DE1C-9339-23B4-095C23EBCB63}"/>
+              </a:ext>
+            </a:extLst>
+          </p:cNvPr>
+          <p:cNvSpPr txBox="1">
+            <a:spLocks/>
+          </p:cNvSpPr>
+          <p:nvPr/>
+        </p:nvSpPr>
+        <p:spPr>
+          <a:xfrm>
+            <a:off x="424543" y="70166"/>
+            <a:ext cx="8523515" cy="702600"/>
+          </a:xfrm>
+          <a:prstGeom prst="rect">
+            <a:avLst/>
+          </a:prstGeom>
+          <a:noFill/>
+          <a:ln>
+            <a:noFill/>
+          </a:ln>
+        </p:spPr>
+        <p:txBody>
+          <a:bodyPr spcFirstLastPara="1" wrap="square" lIns="91425" tIns="91425" rIns="91425" bIns="91425" anchor="b" anchorCtr="0">
+            <a:noAutofit/>
+          </a:bodyPr>
+          <a:lstStyle>
+            <a:defPPr marR="0" lvl="0" algn="l" rtl="0">
+              <a:lnSpc>
+                <a:spcPct val="100000"/>
+              </a:lnSpc>
+              <a:spcBef>
+                <a:spcPts val="0"/>
+              </a:spcBef>
+              <a:spcAft>
+                <a:spcPts val="0"/>
+              </a:spcAft>
+            </a:defPPr>
+            <a:lvl1pPr marR="0" lvl="0" algn="l" rtl="0" eaLnBrk="1" hangingPunct="1">
+              <a:lnSpc>
+                <a:spcPct val="100000"/>
+              </a:lnSpc>
+              <a:spcBef>
+                <a:spcPts val="0"/>
+              </a:spcBef>
+              <a:spcAft>
+                <a:spcPts val="0"/>
+              </a:spcAft>
+              <a:buClr>
+                <a:schemeClr val="accent1"/>
+              </a:buClr>
+              <a:buSzPts val="2000"/>
+              <a:buFont typeface="Roboto Slab"/>
+              <a:buNone/>
+              <a:defRPr sz="2800" b="0" i="0" u="none" strike="noStrike" cap="none">
+                <a:solidFill>
+                  <a:schemeClr val="accent1"/>
+                </a:solidFill>
+                <a:latin typeface="Source Sans Pro" panose="020B0503030403020204" pitchFamily="34" charset="0"/>
+                <a:ea typeface="Source Sans Pro" panose="020B0503030403020204" pitchFamily="34" charset="0"/>
+                <a:cs typeface="Roboto Slab"/>
+                <a:sym typeface="Roboto Slab"/>
+              </a:defRPr>
+            </a:lvl1pPr>
+            <a:lvl2pPr marR="0" lvl="1" algn="l" rtl="0" eaLnBrk="1" hangingPunct="1">
+              <a:lnSpc>
+                <a:spcPct val="100000"/>
+              </a:lnSpc>
+              <a:spcBef>
+                <a:spcPts val="0"/>
+              </a:spcBef>
+              <a:spcAft>
+                <a:spcPts val="0"/>
+              </a:spcAft>
+              <a:buClr>
+                <a:schemeClr val="accent1"/>
+              </a:buClr>
+              <a:buSzPts val="2000"/>
+              <a:buFont typeface="Roboto Slab"/>
+              <a:buNone/>
+              <a:defRPr sz="2000" b="0" i="0" u="none" strike="noStrike" cap="none">
+                <a:solidFill>
+                  <a:schemeClr val="accent1"/>
+                </a:solidFill>
+                <a:latin typeface="Roboto Slab"/>
+                <a:ea typeface="Roboto Slab"/>
+                <a:cs typeface="Roboto Slab"/>
+                <a:sym typeface="Roboto Slab"/>
+              </a:defRPr>
+            </a:lvl2pPr>
+            <a:lvl3pPr marR="0" lvl="2" algn="l" rtl="0" eaLnBrk="1" hangingPunct="1">
+              <a:lnSpc>
+                <a:spcPct val="100000"/>
+              </a:lnSpc>
+              <a:spcBef>
+                <a:spcPts val="0"/>
+              </a:spcBef>
+              <a:spcAft>
+                <a:spcPts val="0"/>
+              </a:spcAft>
+              <a:buClr>
+                <a:schemeClr val="accent1"/>
+              </a:buClr>
+              <a:buSzPts val="2000"/>
+              <a:buFont typeface="Roboto Slab"/>
+              <a:buNone/>
+              <a:defRPr sz="2000" b="0" i="0" u="none" strike="noStrike" cap="none">
+                <a:solidFill>
+                  <a:schemeClr val="accent1"/>
+                </a:solidFill>
+                <a:latin typeface="Roboto Slab"/>
+                <a:ea typeface="Roboto Slab"/>
+                <a:cs typeface="Roboto Slab"/>
+                <a:sym typeface="Roboto Slab"/>
+              </a:defRPr>
+            </a:lvl3pPr>
+            <a:lvl4pPr marR="0" lvl="3" algn="l" rtl="0" eaLnBrk="1" hangingPunct="1">
+              <a:lnSpc>
+                <a:spcPct val="100000"/>
+              </a:lnSpc>
+              <a:spcBef>
+                <a:spcPts val="0"/>
+              </a:spcBef>
+              <a:spcAft>
+                <a:spcPts val="0"/>
+              </a:spcAft>
+              <a:buClr>
+                <a:schemeClr val="accent1"/>
+              </a:buClr>
+              <a:buSzPts val="2000"/>
+              <a:buFont typeface="Roboto Slab"/>
+              <a:buNone/>
+              <a:defRPr sz="2000" b="0" i="0" u="none" strike="noStrike" cap="none">
+                <a:solidFill>
+                  <a:schemeClr val="accent1"/>
+                </a:solidFill>
+                <a:latin typeface="Roboto Slab"/>
+                <a:ea typeface="Roboto Slab"/>
+                <a:cs typeface="Roboto Slab"/>
+                <a:sym typeface="Roboto Slab"/>
+              </a:defRPr>
+            </a:lvl4pPr>
+            <a:lvl5pPr marR="0" lvl="4" algn="l" rtl="0" eaLnBrk="1" hangingPunct="1">
+              <a:lnSpc>
+                <a:spcPct val="100000"/>
+              </a:lnSpc>
+              <a:spcBef>
+                <a:spcPts val="0"/>
+              </a:spcBef>
+              <a:spcAft>
+                <a:spcPts val="0"/>
+              </a:spcAft>
+              <a:buClr>
+                <a:schemeClr val="accent1"/>
+              </a:buClr>
+              <a:buSzPts val="2000"/>
+              <a:buFont typeface="Roboto Slab"/>
+              <a:buNone/>
+              <a:defRPr sz="2000" b="0" i="0" u="none" strike="noStrike" cap="none">
+                <a:solidFill>
+                  <a:schemeClr val="accent1"/>
+                </a:solidFill>
+                <a:latin typeface="Roboto Slab"/>
+                <a:ea typeface="Roboto Slab"/>
+                <a:cs typeface="Roboto Slab"/>
+                <a:sym typeface="Roboto Slab"/>
+              </a:defRPr>
+            </a:lvl5pPr>
+            <a:lvl6pPr marR="0" lvl="5" algn="l" rtl="0" eaLnBrk="1" hangingPunct="1">
+              <a:lnSpc>
+                <a:spcPct val="100000"/>
+              </a:lnSpc>
+              <a:spcBef>
+                <a:spcPts val="0"/>
+              </a:spcBef>
+              <a:spcAft>
+                <a:spcPts val="0"/>
+              </a:spcAft>
+              <a:buClr>
+                <a:schemeClr val="accent1"/>
+              </a:buClr>
+              <a:buSzPts val="2000"/>
+              <a:buFont typeface="Roboto Slab"/>
+              <a:buNone/>
+              <a:defRPr sz="2000" b="0" i="0" u="none" strike="noStrike" cap="none">
+                <a:solidFill>
+                  <a:schemeClr val="accent1"/>
+                </a:solidFill>
+                <a:latin typeface="Roboto Slab"/>
+                <a:ea typeface="Roboto Slab"/>
+                <a:cs typeface="Roboto Slab"/>
+                <a:sym typeface="Roboto Slab"/>
+              </a:defRPr>
+            </a:lvl6pPr>
+            <a:lvl7pPr marR="0" lvl="6" algn="l" rtl="0" eaLnBrk="1" hangingPunct="1">
+              <a:lnSpc>
+                <a:spcPct val="100000"/>
+              </a:lnSpc>
+              <a:spcBef>
+                <a:spcPts val="0"/>
+              </a:spcBef>
+              <a:spcAft>
+                <a:spcPts val="0"/>
+              </a:spcAft>
+              <a:buClr>
+                <a:schemeClr val="accent1"/>
+              </a:buClr>
+              <a:buSzPts val="2000"/>
+              <a:buFont typeface="Roboto Slab"/>
+              <a:buNone/>
+              <a:defRPr sz="2000" b="0" i="0" u="none" strike="noStrike" cap="none">
+                <a:solidFill>
+                  <a:schemeClr val="accent1"/>
+                </a:solidFill>
+                <a:latin typeface="Roboto Slab"/>
+                <a:ea typeface="Roboto Slab"/>
+                <a:cs typeface="Roboto Slab"/>
+                <a:sym typeface="Roboto Slab"/>
+              </a:defRPr>
+            </a:lvl7pPr>
+            <a:lvl8pPr marR="0" lvl="7" algn="l" rtl="0" eaLnBrk="1" hangingPunct="1">
+              <a:lnSpc>
+                <a:spcPct val="100000"/>
+              </a:lnSpc>
+              <a:spcBef>
+                <a:spcPts val="0"/>
+              </a:spcBef>
+              <a:spcAft>
+                <a:spcPts val="0"/>
+              </a:spcAft>
+              <a:buClr>
+                <a:schemeClr val="accent1"/>
+              </a:buClr>
+              <a:buSzPts val="2000"/>
+              <a:buFont typeface="Roboto Slab"/>
+              <a:buNone/>
+              <a:defRPr sz="2000" b="0" i="0" u="none" strike="noStrike" cap="none">
+                <a:solidFill>
+                  <a:schemeClr val="accent1"/>
+                </a:solidFill>
+                <a:latin typeface="Roboto Slab"/>
+                <a:ea typeface="Roboto Slab"/>
+                <a:cs typeface="Roboto Slab"/>
+                <a:sym typeface="Roboto Slab"/>
+              </a:defRPr>
+            </a:lvl8pPr>
+            <a:lvl9pPr marR="0" lvl="8" algn="l" rtl="0" eaLnBrk="1" hangingPunct="1">
+              <a:lnSpc>
+                <a:spcPct val="100000"/>
+              </a:lnSpc>
+              <a:spcBef>
+                <a:spcPts val="0"/>
+              </a:spcBef>
+              <a:spcAft>
+                <a:spcPts val="0"/>
+              </a:spcAft>
+              <a:buClr>
+                <a:schemeClr val="accent1"/>
+              </a:buClr>
+              <a:buSzPts val="2000"/>
+              <a:buFont typeface="Roboto Slab"/>
+              <a:buNone/>
+              <a:defRPr sz="2000" b="0" i="0" u="none" strike="noStrike" cap="none">
+                <a:solidFill>
+                  <a:schemeClr val="accent1"/>
+                </a:solidFill>
+                <a:latin typeface="Roboto Slab"/>
+                <a:ea typeface="Roboto Slab"/>
+                <a:cs typeface="Roboto Slab"/>
+                <a:sym typeface="Roboto Slab"/>
+              </a:defRPr>
+            </a:lvl9pPr>
+          </a:lstStyle>
+          <a:p>
+            <a:r>
+              <a:rPr lang="en-GB" sz="2600" dirty="0">
+                <a:latin typeface="Source Sans Pro"/>
+                <a:ea typeface="Source Sans Pro"/>
+              </a:rPr>
+              <a:t>Step 5: run reframe --run -t CI</a:t>
+            </a:r>
+            <a:endParaRPr lang="en-US" sz="2600" dirty="0"/>
+          </a:p>
+        </p:txBody>
+      </p:sp>
+    </p:spTree>
+    <p:extLst>
+      <p:ext uri="{BB962C8B-B14F-4D97-AF65-F5344CB8AC3E}">
+        <p14:creationId xmlns:p14="http://schemas.microsoft.com/office/powerpoint/2010/main" val="3577270097"/>
       </p:ext>
     </p:extLst>
   </p:cSld>
@@ -15208,7 +15205,7 @@
         <p:cNvPr id="1" name="">
           <a:extLst>
             <a:ext uri="{FF2B5EF4-FFF2-40B4-BE49-F238E27FC236}">
-              <a16:creationId xmlns:a16="http://schemas.microsoft.com/office/drawing/2014/main" id="{A71B6ADF-D281-1A57-B57E-5A563265E861}"/>
+              <a16:creationId xmlns:a16="http://schemas.microsoft.com/office/drawing/2014/main" id="{7AB7CBFF-E528-C9C0-CBEF-0A6E80CFC3EE}"/>
             </a:ext>
           </a:extLst>
         </p:cNvPr>
@@ -15228,7 +15225,7 @@
           <p:cNvPr id="5" name="Text Placeholder 4">
             <a:extLst>
               <a:ext uri="{FF2B5EF4-FFF2-40B4-BE49-F238E27FC236}">
-                <a16:creationId xmlns:a16="http://schemas.microsoft.com/office/drawing/2014/main" id="{34308EDC-D3D2-9F4C-F200-E8674131C733}"/>
+                <a16:creationId xmlns:a16="http://schemas.microsoft.com/office/drawing/2014/main" id="{5C642760-DF3B-60B4-F2A3-8B57D4E043B5}"/>
               </a:ext>
             </a:extLst>
           </p:cNvPr>
@@ -15241,50 +15238,108 @@
         </p:nvSpPr>
         <p:spPr>
           <a:xfrm>
-            <a:off x="443017" y="772766"/>
-            <a:ext cx="8390739" cy="3791283"/>
+            <a:off x="667265" y="928787"/>
+            <a:ext cx="7809470" cy="3902742"/>
           </a:xfrm>
         </p:spPr>
         <p:txBody>
           <a:bodyPr/>
           <a:lstStyle/>
           <a:p>
+            <a:r>
+              <a:rPr lang="en-US" sz="1400" dirty="0"/>
+              <a:t>Writing the </a:t>
+            </a:r>
+            <a:r>
+              <a:rPr lang="en-US" sz="1400" dirty="0" err="1"/>
+              <a:t>ReFrame</a:t>
+            </a:r>
+            <a:r>
+              <a:rPr lang="en-US" sz="1400" dirty="0"/>
+              <a:t> config requires some knowledge specific to the EESSI test suite (</a:t>
+            </a:r>
+            <a:r>
+              <a:rPr lang="en-US" sz="1400" dirty="0">
+                <a:hlinkClick r:id="rId2"/>
+              </a:rPr>
+              <a:t>https://www.eessi.io/docs/test-suite/ReFrame-configuration-file/</a:t>
+            </a:r>
+            <a:r>
+              <a:rPr lang="en-US" sz="1400" dirty="0"/>
+              <a:t>)</a:t>
+            </a:r>
+          </a:p>
+          <a:p>
+            <a:r>
+              <a:rPr lang="en-US" sz="1400" dirty="0"/>
+              <a:t>Apart from the </a:t>
+            </a:r>
+            <a:r>
+              <a:rPr lang="en-US" sz="1400" dirty="0" err="1"/>
+              <a:t>ReFrame</a:t>
+            </a:r>
+            <a:r>
+              <a:rPr lang="en-US" sz="1400" dirty="0"/>
+              <a:t> config, the EESSI test suite is ‘plug-and-play’!</a:t>
+            </a:r>
+          </a:p>
+          <a:p>
+            <a:r>
+              <a:rPr lang="en-US" sz="1400" dirty="0"/>
+              <a:t>Number of supported applications is could be bigger – open to new contributions (see </a:t>
+            </a:r>
+            <a:r>
+              <a:rPr lang="en-US" sz="1400" dirty="0">
+                <a:hlinkClick r:id="rId3"/>
+              </a:rPr>
+              <a:t>https://www.eessi.io/docs/test-suite/writing-portable-tests/</a:t>
+            </a:r>
+            <a:r>
+              <a:rPr lang="en-US" sz="1400" dirty="0"/>
+              <a:t> )</a:t>
+            </a:r>
+            <a:endParaRPr lang="en-US" sz="1050" dirty="0"/>
+          </a:p>
+          <a:p>
+            <a:endParaRPr lang="en-US" sz="1400" dirty="0"/>
+          </a:p>
+          <a:p>
+            <a:endParaRPr lang="en-US" sz="1400" dirty="0"/>
+          </a:p>
+          <a:p>
+            <a:endParaRPr lang="en-US" sz="1400" dirty="0"/>
+          </a:p>
+          <a:p>
             <a:pPr marL="76200" indent="0">
               <a:buNone/>
             </a:pPr>
             <a:r>
-              <a:rPr lang="en-US" sz="1800" dirty="0"/>
-              <a:t>Run </a:t>
-            </a:r>
-            <a:r>
-              <a:rPr lang="en-US" sz="1800" dirty="0">
-                <a:latin typeface="Courier New" panose="02070309020205020404" pitchFamily="49" charset="0"/>
-                <a:cs typeface="Courier New" panose="02070309020205020404" pitchFamily="49" charset="0"/>
-              </a:rPr>
-              <a:t>reframe --run -t CI –n /&lt;</a:t>
-            </a:r>
-            <a:r>
-              <a:rPr lang="en-US" sz="1800" dirty="0" err="1">
-                <a:latin typeface="Courier New" panose="02070309020205020404" pitchFamily="49" charset="0"/>
-                <a:cs typeface="Courier New" panose="02070309020205020404" pitchFamily="49" charset="0"/>
-              </a:rPr>
-              <a:t>testhash</a:t>
-            </a:r>
-            <a:r>
-              <a:rPr lang="en-US" sz="1800" dirty="0">
-                <a:latin typeface="Courier New" panose="02070309020205020404" pitchFamily="49" charset="0"/>
-                <a:cs typeface="Courier New" panose="02070309020205020404" pitchFamily="49" charset="0"/>
-              </a:rPr>
-              <a:t>&gt;</a:t>
-            </a:r>
-            <a:r>
-              <a:rPr lang="en-US" sz="1800" dirty="0">
-                <a:latin typeface="Source Sans Pro" panose="020B0503030403020204" pitchFamily="34" charset="0"/>
-                <a:ea typeface="Source Sans Pro" panose="020B0503030403020204" pitchFamily="34" charset="0"/>
-                <a:cs typeface="Courier New" panose="02070309020205020404" pitchFamily="49" charset="0"/>
-              </a:rPr>
-              <a:t> to just run an individual test as an example</a:t>
-            </a:r>
+              <a:rPr lang="en-US" sz="1400" dirty="0"/>
+              <a:t>Shout-out to </a:t>
+            </a:r>
+            <a:r>
+              <a:rPr lang="en-US" sz="1400" dirty="0" err="1"/>
+              <a:t>ReFrame</a:t>
+            </a:r>
+            <a:r>
+              <a:rPr lang="en-US" sz="1400" dirty="0"/>
+              <a:t> </a:t>
+            </a:r>
+            <a:r>
+              <a:rPr lang="en-US" sz="1400" dirty="0" err="1"/>
+              <a:t>devs</a:t>
+            </a:r>
+            <a:r>
+              <a:rPr lang="en-US" sz="1400" dirty="0"/>
+              <a:t>: EESSI test suite is possible because they spent time on our bug reports &amp; feature requests </a:t>
+            </a:r>
+            <a:r>
+              <a:rPr lang="en-US" sz="1400" dirty="0">
+                <a:sym typeface="Wingdings" panose="05000000000000000000" pitchFamily="2" charset="2"/>
+              </a:rPr>
+              <a:t></a:t>
+            </a:r>
+            <a:endParaRPr lang="en-US" sz="1400" dirty="0"/>
           </a:p>
         </p:txBody>
       </p:sp>
@@ -15293,7 +15348,7 @@
           <p:cNvPr id="3" name="Google Shape;79;p13">
             <a:extLst>
               <a:ext uri="{FF2B5EF4-FFF2-40B4-BE49-F238E27FC236}">
-                <a16:creationId xmlns:a16="http://schemas.microsoft.com/office/drawing/2014/main" id="{7823695E-E7C5-0F19-41F1-347533EDFAC4}"/>
+                <a16:creationId xmlns:a16="http://schemas.microsoft.com/office/drawing/2014/main" id="{D43248EE-BFD1-B01C-9F3B-0C59B350F72E}"/>
               </a:ext>
             </a:extLst>
           </p:cNvPr>
@@ -15557,10 +15612,10 @@
       </p:sp>
       <p:sp>
         <p:nvSpPr>
-          <p:cNvPr id="7" name="Title 3">
+          <p:cNvPr id="9" name="Title 3">
             <a:extLst>
               <a:ext uri="{FF2B5EF4-FFF2-40B4-BE49-F238E27FC236}">
-                <a16:creationId xmlns:a16="http://schemas.microsoft.com/office/drawing/2014/main" id="{DA9A3D48-DE1C-9339-23B4-095C23EBCB63}"/>
+                <a16:creationId xmlns:a16="http://schemas.microsoft.com/office/drawing/2014/main" id="{CD4B61A1-B8EC-88D9-6FB2-324CDEF1C4E0}"/>
               </a:ext>
             </a:extLst>
           </p:cNvPr>
@@ -15571,8 +15626,8 @@
         </p:nvSpPr>
         <p:spPr>
           <a:xfrm>
-            <a:off x="424543" y="70166"/>
-            <a:ext cx="8523515" cy="702600"/>
+            <a:off x="274801" y="169117"/>
+            <a:ext cx="7871503" cy="565668"/>
           </a:xfrm>
           <a:prstGeom prst="rect">
             <a:avLst/>
@@ -15835,20 +15890,67 @@
           </a:lstStyle>
           <a:p>
             <a:r>
-              <a:rPr lang="en-GB" sz="2600" dirty="0">
+              <a:rPr lang="en-GB" dirty="0">
                 <a:latin typeface="Source Sans Pro"/>
                 <a:ea typeface="Source Sans Pro"/>
               </a:rPr>
-              <a:t>Step 5: run reframe --run -t CI</a:t>
-            </a:r>
-            <a:endParaRPr lang="en-US" sz="2600" dirty="0"/>
+              <a:t>Summary</a:t>
+            </a:r>
+            <a:endParaRPr lang="en-US" dirty="0"/>
           </a:p>
         </p:txBody>
       </p:sp>
+      <p:pic>
+        <p:nvPicPr>
+          <p:cNvPr id="3076" name="Picture 4">
+            <a:extLst>
+              <a:ext uri="{FF2B5EF4-FFF2-40B4-BE49-F238E27FC236}">
+                <a16:creationId xmlns:a16="http://schemas.microsoft.com/office/drawing/2014/main" id="{FD2740EB-4772-9082-0E4C-8487E4C86A69}"/>
+              </a:ext>
+            </a:extLst>
+          </p:cNvPr>
+          <p:cNvPicPr>
+            <a:picLocks noChangeAspect="1" noChangeArrowheads="1"/>
+          </p:cNvPicPr>
+          <p:nvPr/>
+        </p:nvPicPr>
+        <p:blipFill>
+          <a:blip r:embed="rId4">
+            <a:extLst>
+              <a:ext uri="{28A0092B-C50C-407E-A947-70E740481C1C}">
+                <a14:useLocalDpi xmlns:a14="http://schemas.microsoft.com/office/drawing/2010/main" val="0"/>
+              </a:ext>
+            </a:extLst>
+          </a:blip>
+          <a:srcRect/>
+          <a:stretch>
+            <a:fillRect/>
+          </a:stretch>
+        </p:blipFill>
+        <p:spPr bwMode="auto">
+          <a:xfrm>
+            <a:off x="5690682" y="169118"/>
+            <a:ext cx="2786054" cy="882250"/>
+          </a:xfrm>
+          <a:prstGeom prst="rect">
+            <a:avLst/>
+          </a:prstGeom>
+          <a:noFill/>
+          <a:extLst>
+            <a:ext uri="{909E8E84-426E-40DD-AFC4-6F175D3DCCD1}">
+              <a14:hiddenFill xmlns:a14="http://schemas.microsoft.com/office/drawing/2010/main">
+                <a:solidFill>
+                  <a:srgbClr val="FFFFFF"/>
+                </a:solidFill>
+              </a14:hiddenFill>
+            </a:ext>
+          </a:extLst>
+        </p:spPr>
+      </p:pic>
     </p:spTree>
     <p:extLst>
       <p:ext uri="{BB962C8B-B14F-4D97-AF65-F5344CB8AC3E}">
-        <p14:creationId xmlns:p14="http://schemas.microsoft.com/office/powerpoint/2010/main" val="3577270097"/>
+        <p14:creationId xmlns:p14="http://schemas.microsoft.com/office/powerpoint/2010/main" val="428203823"/>
       </p:ext>
     </p:extLst>
   </p:cSld>
@@ -17947,7 +18049,7 @@
               <a:t>, </a:t>
             </a:r>
             <a:r>
-              <a:rPr lang="en-US" sz="1000" dirty="0" err="1">
+              <a:rPr lang="en-US" sz="1000" b="1" dirty="0" err="1">
                 <a:solidFill>
                   <a:schemeClr val="bg1"/>
                 </a:solidFill>
@@ -18971,6 +19073,94 @@
           </a:fontRef>
         </p:style>
       </p:cxnSp>
+      <p:cxnSp>
+        <p:nvCxnSpPr>
+          <p:cNvPr id="2" name="Straight Arrow Connector 1">
+            <a:extLst>
+              <a:ext uri="{FF2B5EF4-FFF2-40B4-BE49-F238E27FC236}">
+                <a16:creationId xmlns:a16="http://schemas.microsoft.com/office/drawing/2014/main" id="{71C74686-60CD-440E-A6F7-E68BAB78867A}"/>
+              </a:ext>
+            </a:extLst>
+          </p:cNvPr>
+          <p:cNvCxnSpPr>
+            <a:cxnSpLocks/>
+          </p:cNvCxnSpPr>
+          <p:nvPr/>
+        </p:nvCxnSpPr>
+        <p:spPr>
+          <a:xfrm flipH="1">
+            <a:off x="6786791" y="468081"/>
+            <a:ext cx="254871" cy="0"/>
+          </a:xfrm>
+          <a:prstGeom prst="straightConnector1">
+            <a:avLst/>
+          </a:prstGeom>
+          <a:ln w="31750">
+            <a:solidFill>
+              <a:schemeClr val="bg1"/>
+            </a:solidFill>
+            <a:tailEnd type="triangle"/>
+          </a:ln>
+        </p:spPr>
+        <p:style>
+          <a:lnRef idx="1">
+            <a:schemeClr val="accent1"/>
+          </a:lnRef>
+          <a:fillRef idx="0">
+            <a:schemeClr val="accent1"/>
+          </a:fillRef>
+          <a:effectRef idx="0">
+            <a:schemeClr val="accent1"/>
+          </a:effectRef>
+          <a:fontRef idx="minor">
+            <a:schemeClr val="tx1"/>
+          </a:fontRef>
+        </p:style>
+      </p:cxnSp>
+      <p:sp>
+        <p:nvSpPr>
+          <p:cNvPr id="5" name="TextBox 4">
+            <a:extLst>
+              <a:ext uri="{FF2B5EF4-FFF2-40B4-BE49-F238E27FC236}">
+                <a16:creationId xmlns:a16="http://schemas.microsoft.com/office/drawing/2014/main" id="{43B31ED5-DFA2-7FD3-52F7-A607F586C76B}"/>
+              </a:ext>
+            </a:extLst>
+          </p:cNvPr>
+          <p:cNvSpPr txBox="1"/>
+          <p:nvPr/>
+        </p:nvSpPr>
+        <p:spPr>
+          <a:xfrm>
+            <a:off x="7090746" y="329581"/>
+            <a:ext cx="1641796" cy="276999"/>
+          </a:xfrm>
+          <a:prstGeom prst="rect">
+            <a:avLst/>
+          </a:prstGeom>
+          <a:noFill/>
+        </p:spPr>
+        <p:txBody>
+          <a:bodyPr wrap="none" rtlCol="0">
+            <a:spAutoFit/>
+          </a:bodyPr>
+          <a:lstStyle/>
+          <a:p>
+            <a:r>
+              <a:rPr lang="en-US" sz="1200" dirty="0">
+                <a:solidFill>
+                  <a:schemeClr val="bg1"/>
+                </a:solidFill>
+              </a:rPr>
+              <a:t>All our logic is in here</a:t>
+            </a:r>
+            <a:endParaRPr lang="en-NL" sz="1200" dirty="0">
+              <a:solidFill>
+                <a:schemeClr val="bg1"/>
+              </a:solidFill>
+            </a:endParaRPr>
+          </a:p>
+        </p:txBody>
+      </p:sp>
     </p:spTree>
     <p:extLst>
       <p:ext uri="{BB962C8B-B14F-4D97-AF65-F5344CB8AC3E}">
@@ -19349,6 +19539,78 @@
                       </p:childTnLst>
                     </p:cTn>
                   </p:par>
+                  <p:par>
+                    <p:cTn id="33" fill="hold">
+                      <p:stCondLst>
+                        <p:cond delay="indefinite"/>
+                      </p:stCondLst>
+                      <p:childTnLst>
+                        <p:par>
+                          <p:cTn id="34" fill="hold">
+                            <p:stCondLst>
+                              <p:cond delay="0"/>
+                            </p:stCondLst>
+                            <p:childTnLst>
+                              <p:par>
+                                <p:cTn id="35" presetID="1" presetClass="entr" presetSubtype="0" fill="hold" nodeType="clickEffect">
+                                  <p:stCondLst>
+                                    <p:cond delay="0"/>
+                                  </p:stCondLst>
+                                  <p:childTnLst>
+                                    <p:set>
+                                      <p:cBhvr>
+                                        <p:cTn id="36" dur="1" fill="hold">
+                                          <p:stCondLst>
+                                            <p:cond delay="0"/>
+                                          </p:stCondLst>
+                                        </p:cTn>
+                                        <p:tgtEl>
+                                          <p:spTgt spid="2"/>
+                                        </p:tgtEl>
+                                        <p:attrNameLst>
+                                          <p:attrName>style.visibility</p:attrName>
+                                        </p:attrNameLst>
+                                      </p:cBhvr>
+                                      <p:to>
+                                        <p:strVal val="visible"/>
+                                      </p:to>
+                                    </p:set>
+                                  </p:childTnLst>
+                                </p:cTn>
+                              </p:par>
+                              <p:par>
+                                <p:cTn id="37" presetID="1" presetClass="entr" presetSubtype="0" fill="hold" grpId="0" nodeType="withEffect">
+                                  <p:stCondLst>
+                                    <p:cond delay="0"/>
+                                  </p:stCondLst>
+                                  <p:childTnLst>
+                                    <p:set>
+                                      <p:cBhvr>
+                                        <p:cTn id="38" dur="1" fill="hold">
+                                          <p:stCondLst>
+                                            <p:cond delay="0"/>
+                                          </p:stCondLst>
+                                        </p:cTn>
+                                        <p:tgtEl>
+                                          <p:spTgt spid="5"/>
+                                        </p:tgtEl>
+                                        <p:attrNameLst>
+                                          <p:attrName>style.visibility</p:attrName>
+                                        </p:attrNameLst>
+                                      </p:cBhvr>
+                                      <p:to>
+                                        <p:strVal val="visible"/>
+                                      </p:to>
+                                    </p:set>
+                                  </p:childTnLst>
+                                </p:cTn>
+                              </p:par>
+                            </p:childTnLst>
+                          </p:cTn>
+                        </p:par>
+                      </p:childTnLst>
+                    </p:cTn>
+                  </p:par>
                 </p:childTnLst>
               </p:cTn>
               <p:prevCondLst>
@@ -19376,13 +19638,14 @@
       <p:bldP spid="14" grpId="0"/>
       <p:bldP spid="15" grpId="0"/>
       <p:bldP spid="16" grpId="0"/>
+      <p:bldP spid="5" grpId="0"/>
     </p:bldLst>
   </p:timing>
 </p:sld>
 </file>
 
 <file path=ppt/slides/slide6.xml><?xml version="1.0" encoding="utf-8"?>
-<p:sld xmlns:a="http://schemas.openxmlformats.org/drawingml/2006/main" xmlns:r="http://schemas.openxmlformats.org/officeDocument/2006/relationships" xmlns:p="http://schemas.openxmlformats.org/presentationml/2006/main">
+<p:sld xmlns:a="http://schemas.openxmlformats.org/drawingml/2006/main" xmlns:r="http://schemas.openxmlformats.org/officeDocument/2006/relationships" xmlns:p="http://schemas.openxmlformats.org/presentationml/2006/main" show="0">
   <p:cSld>
     <p:spTree>
       <p:nvGrpSpPr>
@@ -20020,7 +20283,7 @@
 </file>
 
 <file path=ppt/slides/slide7.xml><?xml version="1.0" encoding="utf-8"?>
-<p:sld xmlns:a="http://schemas.openxmlformats.org/drawingml/2006/main" xmlns:r="http://schemas.openxmlformats.org/officeDocument/2006/relationships" xmlns:p="http://schemas.openxmlformats.org/presentationml/2006/main">
+<p:sld xmlns:a="http://schemas.openxmlformats.org/drawingml/2006/main" xmlns:r="http://schemas.openxmlformats.org/officeDocument/2006/relationships" xmlns:p="http://schemas.openxmlformats.org/presentationml/2006/main" show="0">
   <p:cSld>
     <p:spTree>
       <p:nvGrpSpPr>
@@ -21095,7 +21358,7 @@
         <p:cNvPr id="1" name="">
           <a:extLst>
             <a:ext uri="{FF2B5EF4-FFF2-40B4-BE49-F238E27FC236}">
-              <a16:creationId xmlns:a16="http://schemas.microsoft.com/office/drawing/2014/main" id="{7AB7CBFF-E528-C9C0-CBEF-0A6E80CFC3EE}"/>
+              <a16:creationId xmlns:a16="http://schemas.microsoft.com/office/drawing/2014/main" id="{40C439C6-6B4D-7492-2415-80CF3EE32BB5}"/>
             </a:ext>
           </a:extLst>
         </p:cNvPr>
@@ -21115,7 +21378,7 @@
           <p:cNvPr id="5" name="Text Placeholder 4">
             <a:extLst>
               <a:ext uri="{FF2B5EF4-FFF2-40B4-BE49-F238E27FC236}">
-                <a16:creationId xmlns:a16="http://schemas.microsoft.com/office/drawing/2014/main" id="{5C642760-DF3B-60B4-F2A3-8B57D4E043B5}"/>
+                <a16:creationId xmlns:a16="http://schemas.microsoft.com/office/drawing/2014/main" id="{558D1E2C-31A9-BC0A-B348-CBC51714102A}"/>
               </a:ext>
             </a:extLst>
           </p:cNvPr>
@@ -21128,8 +21391,8 @@
         </p:nvSpPr>
         <p:spPr>
           <a:xfrm>
-            <a:off x="667265" y="928787"/>
-            <a:ext cx="7809470" cy="3902742"/>
+            <a:off x="443017" y="772766"/>
+            <a:ext cx="8390739" cy="3791283"/>
           </a:xfrm>
         </p:spPr>
         <p:txBody>
@@ -21137,99 +21400,44 @@
           <a:lstStyle/>
           <a:p>
             <a:r>
-              <a:rPr lang="en-US" sz="1400" dirty="0"/>
-              <a:t>Writing the </a:t>
-            </a:r>
-            <a:r>
-              <a:rPr lang="en-US" sz="1400" dirty="0" err="1"/>
-              <a:t>ReFrame</a:t>
-            </a:r>
-            <a:r>
-              <a:rPr lang="en-US" sz="1400" dirty="0"/>
-              <a:t> config requires some knowledge specific to the EESSI test suite (</a:t>
-            </a:r>
-            <a:r>
-              <a:rPr lang="en-US" sz="1400" dirty="0">
-                <a:hlinkClick r:id="rId2"/>
-              </a:rPr>
-              <a:t>https://www.eessi.io/docs/test-suite/ReFrame-configuration-file/</a:t>
-            </a:r>
-            <a:r>
-              <a:rPr lang="en-US" sz="1400" dirty="0"/>
-              <a:t>)</a:t>
+              <a:rPr lang="en-US" sz="1800" dirty="0"/>
+              <a:t>Detailed steps on subsequent slides</a:t>
             </a:r>
           </a:p>
           <a:p>
             <a:r>
-              <a:rPr lang="en-US" sz="1400" dirty="0"/>
-              <a:t>Apart from the </a:t>
-            </a:r>
-            <a:r>
-              <a:rPr lang="en-US" sz="1400" dirty="0" err="1"/>
-              <a:t>ReFrame</a:t>
-            </a:r>
-            <a:r>
-              <a:rPr lang="en-US" sz="1400" dirty="0"/>
-              <a:t> config, the EESSI test suite is ‘plug-and-play’!</a:t>
+              <a:rPr lang="en-US" sz="1800" dirty="0"/>
+              <a:t>Quickest way: copy-paste from slides at </a:t>
+            </a:r>
+            <a:r>
+              <a:rPr lang="en-US" sz="1800" dirty="0">
+                <a:hlinkClick r:id="rId2"/>
+              </a:rPr>
+              <a:t>https://github.com/casparvl/EUM25</a:t>
+            </a:r>
+            <a:r>
+              <a:rPr lang="en-US" sz="1800" dirty="0"/>
+              <a:t> </a:t>
             </a:r>
           </a:p>
           <a:p>
             <a:r>
-              <a:rPr lang="en-US" sz="1400" dirty="0"/>
-              <a:t>Number of supported applications is could be bigger – open to new contributions (see </a:t>
-            </a:r>
-            <a:r>
-              <a:rPr lang="en-US" sz="1400" dirty="0">
+              <a:rPr lang="en-US" sz="1800" dirty="0"/>
+              <a:t>Docs for creating a config file: </a:t>
+            </a:r>
+            <a:r>
+              <a:rPr lang="en-US" sz="1800" dirty="0">
                 <a:hlinkClick r:id="rId3"/>
               </a:rPr>
-              <a:t>https://www.eessi.io/docs/test-suite/writing-portable-tests/</a:t>
-            </a:r>
-            <a:r>
-              <a:rPr lang="en-US" sz="1400" dirty="0"/>
-              <a:t> )</a:t>
-            </a:r>
-            <a:endParaRPr lang="en-US" sz="1050" dirty="0"/>
+              <a:t>https://www.eessi.io/docs/test-suite/installation-configuration/</a:t>
+            </a:r>
+            <a:r>
+              <a:rPr lang="en-US" sz="1800" dirty="0"/>
+              <a:t> </a:t>
+            </a:r>
           </a:p>
           <a:p>
-            <a:endParaRPr lang="en-US" sz="1400" dirty="0"/>
-          </a:p>
-          <a:p>
-            <a:endParaRPr lang="en-US" sz="1400" dirty="0"/>
-          </a:p>
-          <a:p>
-            <a:endParaRPr lang="en-US" sz="1400" dirty="0"/>
-          </a:p>
-          <a:p>
-            <a:pPr marL="76200" indent="0">
-              <a:buNone/>
-            </a:pPr>
-            <a:r>
-              <a:rPr lang="en-US" sz="1400" dirty="0"/>
-              <a:t>Shout-out to </a:t>
-            </a:r>
-            <a:r>
-              <a:rPr lang="en-US" sz="1400" dirty="0" err="1"/>
-              <a:t>ReFrame</a:t>
-            </a:r>
-            <a:r>
-              <a:rPr lang="en-US" sz="1400" dirty="0"/>
-              <a:t> </a:t>
-            </a:r>
-            <a:r>
-              <a:rPr lang="en-US" sz="1400" dirty="0" err="1"/>
-              <a:t>devs</a:t>
-            </a:r>
-            <a:r>
-              <a:rPr lang="en-US" sz="1400" dirty="0"/>
-              <a:t>: EESSI test suite is possible because they spent time on our bug reports &amp; feature requests </a:t>
-            </a:r>
-            <a:r>
-              <a:rPr lang="en-US" sz="1400" dirty="0">
-                <a:sym typeface="Wingdings" panose="05000000000000000000" pitchFamily="2" charset="2"/>
-              </a:rPr>
-              <a:t></a:t>
-            </a:r>
-            <a:endParaRPr lang="en-US" sz="1400" dirty="0"/>
+            <a:endParaRPr lang="en-US" sz="1800" dirty="0"/>
           </a:p>
         </p:txBody>
       </p:sp>
@@ -21238,7 +21446,7 @@
           <p:cNvPr id="3" name="Google Shape;79;p13">
             <a:extLst>
               <a:ext uri="{FF2B5EF4-FFF2-40B4-BE49-F238E27FC236}">
-                <a16:creationId xmlns:a16="http://schemas.microsoft.com/office/drawing/2014/main" id="{D43248EE-BFD1-B01C-9F3B-0C59B350F72E}"/>
+                <a16:creationId xmlns:a16="http://schemas.microsoft.com/office/drawing/2014/main" id="{EB13EC94-6E54-95C1-FB10-8CE6E7E0CE33}"/>
               </a:ext>
             </a:extLst>
           </p:cNvPr>
@@ -21502,10 +21710,10 @@
       </p:sp>
       <p:sp>
         <p:nvSpPr>
-          <p:cNvPr id="9" name="Title 3">
+          <p:cNvPr id="7" name="Title 3">
             <a:extLst>
               <a:ext uri="{FF2B5EF4-FFF2-40B4-BE49-F238E27FC236}">
-                <a16:creationId xmlns:a16="http://schemas.microsoft.com/office/drawing/2014/main" id="{CD4B61A1-B8EC-88D9-6FB2-324CDEF1C4E0}"/>
+                <a16:creationId xmlns:a16="http://schemas.microsoft.com/office/drawing/2014/main" id="{E1C08E2A-FDF5-617A-2AF5-660877817E47}"/>
               </a:ext>
             </a:extLst>
           </p:cNvPr>
@@ -21516,8 +21724,8 @@
         </p:nvSpPr>
         <p:spPr>
           <a:xfrm>
-            <a:off x="274801" y="169117"/>
-            <a:ext cx="7871503" cy="565668"/>
+            <a:off x="424543" y="70166"/>
+            <a:ext cx="8523515" cy="702600"/>
           </a:xfrm>
           <a:prstGeom prst="rect">
             <a:avLst/>
@@ -21780,67 +21988,20 @@
           </a:lstStyle>
           <a:p>
             <a:r>
-              <a:rPr lang="en-GB" dirty="0">
+              <a:rPr lang="en-GB" sz="2600" dirty="0">
                 <a:latin typeface="Source Sans Pro"/>
                 <a:ea typeface="Source Sans Pro"/>
               </a:rPr>
-              <a:t>Summary</a:t>
-            </a:r>
-            <a:endParaRPr lang="en-US" dirty="0"/>
+              <a:t>Find presentation online</a:t>
+            </a:r>
+            <a:endParaRPr lang="en-US" sz="2600" dirty="0"/>
           </a:p>
         </p:txBody>
       </p:sp>
-      <p:pic>
-        <p:nvPicPr>
-          <p:cNvPr id="3076" name="Picture 4">
-            <a:extLst>
-              <a:ext uri="{FF2B5EF4-FFF2-40B4-BE49-F238E27FC236}">
-                <a16:creationId xmlns:a16="http://schemas.microsoft.com/office/drawing/2014/main" id="{FD2740EB-4772-9082-0E4C-8487E4C86A69}"/>
-              </a:ext>
-            </a:extLst>
-          </p:cNvPr>
-          <p:cNvPicPr>
-            <a:picLocks noChangeAspect="1" noChangeArrowheads="1"/>
-          </p:cNvPicPr>
-          <p:nvPr/>
-        </p:nvPicPr>
-        <p:blipFill>
-          <a:blip r:embed="rId4">
-            <a:extLst>
-              <a:ext uri="{28A0092B-C50C-407E-A947-70E740481C1C}">
-                <a14:useLocalDpi xmlns:a14="http://schemas.microsoft.com/office/drawing/2010/main" val="0"/>
-              </a:ext>
-            </a:extLst>
-          </a:blip>
-          <a:srcRect/>
-          <a:stretch>
-            <a:fillRect/>
-          </a:stretch>
-        </p:blipFill>
-        <p:spPr bwMode="auto">
-          <a:xfrm>
-            <a:off x="5690682" y="169118"/>
-            <a:ext cx="2786054" cy="882250"/>
-          </a:xfrm>
-          <a:prstGeom prst="rect">
-            <a:avLst/>
-          </a:prstGeom>
-          <a:noFill/>
-          <a:extLst>
-            <a:ext uri="{909E8E84-426E-40DD-AFC4-6F175D3DCCD1}">
-              <a14:hiddenFill xmlns:a14="http://schemas.microsoft.com/office/drawing/2010/main">
-                <a:solidFill>
-                  <a:srgbClr val="FFFFFF"/>
-                </a:solidFill>
-              </a14:hiddenFill>
-            </a:ext>
-          </a:extLst>
-        </p:spPr>
-      </p:pic>
     </p:spTree>
     <p:extLst>
       <p:ext uri="{BB962C8B-B14F-4D97-AF65-F5344CB8AC3E}">
-        <p14:creationId xmlns:p14="http://schemas.microsoft.com/office/powerpoint/2010/main" val="428203823"/>
+        <p14:creationId xmlns:p14="http://schemas.microsoft.com/office/powerpoint/2010/main" val="2185835663"/>
       </p:ext>
     </p:extLst>
   </p:cSld>

--- a/2025-03 - EESSI test suite at EUM25.pptx
+++ b/2025-03 - EESSI test suite at EUM25.pptx
@@ -15,8 +15,8 @@
     <p:sldId id="490" r:id="rId6"/>
     <p:sldId id="503" r:id="rId7"/>
     <p:sldId id="504" r:id="rId8"/>
-    <p:sldId id="491" r:id="rId9"/>
-    <p:sldId id="505" r:id="rId10"/>
+    <p:sldId id="505" r:id="rId9"/>
+    <p:sldId id="491" r:id="rId10"/>
     <p:sldId id="492" r:id="rId11"/>
     <p:sldId id="493" r:id="rId12"/>
     <p:sldId id="494" r:id="rId13"/>
@@ -13080,21 +13080,7 @@
                 <a:latin typeface="Courier New" panose="02070309020205020404" pitchFamily="49" charset="0"/>
                 <a:cs typeface="Courier New" panose="02070309020205020404" pitchFamily="49" charset="0"/>
               </a:rPr>
-              <a:t>reframe --</a:t>
-            </a:r>
-            <a:r>
-              <a:rPr lang="en-US" sz="1800" dirty="0" err="1">
-                <a:latin typeface="Courier New" panose="02070309020205020404" pitchFamily="49" charset="0"/>
-                <a:cs typeface="Courier New" panose="02070309020205020404" pitchFamily="49" charset="0"/>
-              </a:rPr>
-              <a:t>dryrun</a:t>
-            </a:r>
-            <a:r>
-              <a:rPr lang="en-US" sz="1800" dirty="0">
-                <a:latin typeface="Courier New" panose="02070309020205020404" pitchFamily="49" charset="0"/>
-                <a:cs typeface="Courier New" panose="02070309020205020404" pitchFamily="49" charset="0"/>
-              </a:rPr>
-              <a:t> -t CI –n /&lt;</a:t>
+              <a:t>reframe --dry-run -t CI –n /&lt;</a:t>
             </a:r>
             <a:r>
               <a:rPr lang="en-US" sz="1800" dirty="0" err="1">
@@ -13798,21 +13784,7 @@
                 <a:latin typeface="Source Sans Pro"/>
                 <a:ea typeface="Source Sans Pro"/>
               </a:rPr>
-              <a:t>Step 4: run reframe --</a:t>
-            </a:r>
-            <a:r>
-              <a:rPr lang="en-GB" sz="2600" dirty="0" err="1">
-                <a:latin typeface="Source Sans Pro"/>
-                <a:ea typeface="Source Sans Pro"/>
-              </a:rPr>
-              <a:t>dryrun</a:t>
-            </a:r>
-            <a:r>
-              <a:rPr lang="en-GB" sz="2600" dirty="0">
-                <a:latin typeface="Source Sans Pro"/>
-                <a:ea typeface="Source Sans Pro"/>
-              </a:rPr>
-              <a:t> -t CI</a:t>
+              <a:t>Step 4: run reframe --dry-run -t CI</a:t>
             </a:r>
             <a:endParaRPr lang="en-US" sz="2600" dirty="0"/>
           </a:p>
@@ -20653,711 +20625,6 @@
         <p:cNvPr id="1" name="">
           <a:extLst>
             <a:ext uri="{FF2B5EF4-FFF2-40B4-BE49-F238E27FC236}">
-              <a16:creationId xmlns:a16="http://schemas.microsoft.com/office/drawing/2014/main" id="{D284020F-D1C3-F659-4847-1574422A77E4}"/>
-            </a:ext>
-          </a:extLst>
-        </p:cNvPr>
-        <p:cNvGrpSpPr/>
-        <p:nvPr/>
-      </p:nvGrpSpPr>
-      <p:grpSpPr>
-        <a:xfrm>
-          <a:off x="0" y="0"/>
-          <a:ext cx="0" cy="0"/>
-          <a:chOff x="0" y="0"/>
-          <a:chExt cx="0" cy="0"/>
-        </a:xfrm>
-      </p:grpSpPr>
-      <p:sp>
-        <p:nvSpPr>
-          <p:cNvPr id="5" name="Text Placeholder 4">
-            <a:extLst>
-              <a:ext uri="{FF2B5EF4-FFF2-40B4-BE49-F238E27FC236}">
-                <a16:creationId xmlns:a16="http://schemas.microsoft.com/office/drawing/2014/main" id="{CBEE9C12-4F61-7C08-E9A6-F911EB399C3F}"/>
-              </a:ext>
-            </a:extLst>
-          </p:cNvPr>
-          <p:cNvSpPr>
-            <a:spLocks noGrp="1"/>
-          </p:cNvSpPr>
-          <p:nvPr>
-            <p:ph type="body" idx="1"/>
-          </p:nvPr>
-        </p:nvSpPr>
-        <p:spPr>
-          <a:xfrm>
-            <a:off x="443017" y="772766"/>
-            <a:ext cx="8390739" cy="3791283"/>
-          </a:xfrm>
-        </p:spPr>
-        <p:txBody>
-          <a:bodyPr/>
-          <a:lstStyle/>
-          <a:p>
-            <a:pPr marL="76200" indent="0">
-              <a:buNone/>
-            </a:pPr>
-            <a:r>
-              <a:rPr lang="en-US" sz="1800" dirty="0"/>
-              <a:t>Goal: For everyone to have run the EESSI test suite on your HPC cluster (or laptop) by the end of EUM’25!</a:t>
-            </a:r>
-          </a:p>
-          <a:p>
-            <a:r>
-              <a:rPr lang="en-US" sz="1800" dirty="0"/>
-              <a:t>Step 1: install </a:t>
-            </a:r>
-            <a:r>
-              <a:rPr lang="en-US" sz="1800" dirty="0" err="1"/>
-              <a:t>ReFrame</a:t>
-            </a:r>
-            <a:r>
-              <a:rPr lang="en-US" sz="1800" dirty="0"/>
-              <a:t> &amp; the EESSI test suite</a:t>
-            </a:r>
-          </a:p>
-          <a:p>
-            <a:r>
-              <a:rPr lang="en-US" sz="1800" dirty="0"/>
-              <a:t>Step 2: create a </a:t>
-            </a:r>
-            <a:r>
-              <a:rPr lang="en-US" sz="1800" dirty="0" err="1"/>
-              <a:t>ReFrame</a:t>
-            </a:r>
-            <a:r>
-              <a:rPr lang="en-US" sz="1800" dirty="0"/>
-              <a:t> configuration file</a:t>
-            </a:r>
-          </a:p>
-          <a:p>
-            <a:r>
-              <a:rPr lang="en-US" sz="1800" dirty="0"/>
-              <a:t>Step 3: run reframe --list -t CI</a:t>
-            </a:r>
-          </a:p>
-          <a:p>
-            <a:r>
-              <a:rPr lang="en-US" sz="1800" dirty="0"/>
-              <a:t>Step 4: run reframe --</a:t>
-            </a:r>
-            <a:r>
-              <a:rPr lang="en-US" sz="1800" dirty="0" err="1"/>
-              <a:t>dryrun</a:t>
-            </a:r>
-            <a:r>
-              <a:rPr lang="en-US" sz="1800" dirty="0"/>
-              <a:t> -t CI -n /&lt;</a:t>
-            </a:r>
-            <a:r>
-              <a:rPr lang="en-US" sz="1800" dirty="0" err="1"/>
-              <a:t>somehash</a:t>
-            </a:r>
-            <a:r>
-              <a:rPr lang="en-US" sz="1800" dirty="0"/>
-              <a:t>&gt;</a:t>
-            </a:r>
-          </a:p>
-          <a:p>
-            <a:r>
-              <a:rPr lang="en-US" sz="1800" dirty="0"/>
-              <a:t>Step 5: run reframe --run -t CI -n /&lt;</a:t>
-            </a:r>
-            <a:r>
-              <a:rPr lang="en-US" sz="1800" dirty="0" err="1"/>
-              <a:t>somehash</a:t>
-            </a:r>
-            <a:r>
-              <a:rPr lang="en-US" sz="1800" dirty="0"/>
-              <a:t>&gt;</a:t>
-            </a:r>
-          </a:p>
-          <a:p>
-            <a:endParaRPr lang="en-US" sz="1800" dirty="0"/>
-          </a:p>
-          <a:p>
-            <a:endParaRPr lang="en-US" sz="1800" dirty="0"/>
-          </a:p>
-        </p:txBody>
-      </p:sp>
-      <p:sp>
-        <p:nvSpPr>
-          <p:cNvPr id="3" name="Google Shape;79;p13">
-            <a:extLst>
-              <a:ext uri="{FF2B5EF4-FFF2-40B4-BE49-F238E27FC236}">
-                <a16:creationId xmlns:a16="http://schemas.microsoft.com/office/drawing/2014/main" id="{568DDED2-C88F-0B39-C491-DBB6C128B415}"/>
-              </a:ext>
-            </a:extLst>
-          </p:cNvPr>
-          <p:cNvSpPr txBox="1">
-            <a:spLocks/>
-          </p:cNvSpPr>
-          <p:nvPr/>
-        </p:nvSpPr>
-        <p:spPr>
-          <a:xfrm>
-            <a:off x="-105683" y="4773864"/>
-            <a:ext cx="548700" cy="393600"/>
-          </a:xfrm>
-          <a:prstGeom prst="rect">
-            <a:avLst/>
-          </a:prstGeom>
-        </p:spPr>
-        <p:txBody>
-          <a:bodyPr spcFirstLastPara="1" wrap="square" lIns="91425" tIns="91425" rIns="91425" bIns="91425" anchor="t" anchorCtr="0">
-            <a:noAutofit/>
-          </a:bodyPr>
-          <a:lstStyle>
-            <a:defPPr marR="0" lvl="0" algn="l" rtl="0">
-              <a:lnSpc>
-                <a:spcPct val="100000"/>
-              </a:lnSpc>
-              <a:spcBef>
-                <a:spcPts val="0"/>
-              </a:spcBef>
-              <a:spcAft>
-                <a:spcPts val="0"/>
-              </a:spcAft>
-            </a:defPPr>
-            <a:lvl1pPr marR="0" lvl="0" algn="l" rtl="0">
-              <a:lnSpc>
-                <a:spcPct val="100000"/>
-              </a:lnSpc>
-              <a:spcBef>
-                <a:spcPts val="0"/>
-              </a:spcBef>
-              <a:spcAft>
-                <a:spcPts val="0"/>
-              </a:spcAft>
-              <a:buClr>
-                <a:srgbClr val="000000"/>
-              </a:buClr>
-              <a:buFont typeface="Arial"/>
-              <a:defRPr sz="1400" b="0" i="0" u="none" strike="noStrike" cap="none">
-                <a:solidFill>
-                  <a:srgbClr val="000000"/>
-                </a:solidFill>
-                <a:latin typeface="Arial"/>
-                <a:ea typeface="Arial"/>
-                <a:cs typeface="Arial"/>
-                <a:sym typeface="Arial"/>
-              </a:defRPr>
-            </a:lvl1pPr>
-            <a:lvl2pPr marR="0" lvl="1" algn="l" rtl="0">
-              <a:lnSpc>
-                <a:spcPct val="100000"/>
-              </a:lnSpc>
-              <a:spcBef>
-                <a:spcPts val="0"/>
-              </a:spcBef>
-              <a:spcAft>
-                <a:spcPts val="0"/>
-              </a:spcAft>
-              <a:buClr>
-                <a:srgbClr val="000000"/>
-              </a:buClr>
-              <a:buFont typeface="Arial"/>
-              <a:defRPr sz="1400" b="0" i="0" u="none" strike="noStrike" cap="none">
-                <a:solidFill>
-                  <a:srgbClr val="000000"/>
-                </a:solidFill>
-                <a:latin typeface="Arial"/>
-                <a:ea typeface="Arial"/>
-                <a:cs typeface="Arial"/>
-                <a:sym typeface="Arial"/>
-              </a:defRPr>
-            </a:lvl2pPr>
-            <a:lvl3pPr marR="0" lvl="2" algn="l" rtl="0">
-              <a:lnSpc>
-                <a:spcPct val="100000"/>
-              </a:lnSpc>
-              <a:spcBef>
-                <a:spcPts val="0"/>
-              </a:spcBef>
-              <a:spcAft>
-                <a:spcPts val="0"/>
-              </a:spcAft>
-              <a:buClr>
-                <a:srgbClr val="000000"/>
-              </a:buClr>
-              <a:buFont typeface="Arial"/>
-              <a:defRPr sz="1400" b="0" i="0" u="none" strike="noStrike" cap="none">
-                <a:solidFill>
-                  <a:srgbClr val="000000"/>
-                </a:solidFill>
-                <a:latin typeface="Arial"/>
-                <a:ea typeface="Arial"/>
-                <a:cs typeface="Arial"/>
-                <a:sym typeface="Arial"/>
-              </a:defRPr>
-            </a:lvl3pPr>
-            <a:lvl4pPr marR="0" lvl="3" algn="l" rtl="0">
-              <a:lnSpc>
-                <a:spcPct val="100000"/>
-              </a:lnSpc>
-              <a:spcBef>
-                <a:spcPts val="0"/>
-              </a:spcBef>
-              <a:spcAft>
-                <a:spcPts val="0"/>
-              </a:spcAft>
-              <a:buClr>
-                <a:srgbClr val="000000"/>
-              </a:buClr>
-              <a:buFont typeface="Arial"/>
-              <a:defRPr sz="1400" b="0" i="0" u="none" strike="noStrike" cap="none">
-                <a:solidFill>
-                  <a:srgbClr val="000000"/>
-                </a:solidFill>
-                <a:latin typeface="Arial"/>
-                <a:ea typeface="Arial"/>
-                <a:cs typeface="Arial"/>
-                <a:sym typeface="Arial"/>
-              </a:defRPr>
-            </a:lvl4pPr>
-            <a:lvl5pPr marR="0" lvl="4" algn="l" rtl="0">
-              <a:lnSpc>
-                <a:spcPct val="100000"/>
-              </a:lnSpc>
-              <a:spcBef>
-                <a:spcPts val="0"/>
-              </a:spcBef>
-              <a:spcAft>
-                <a:spcPts val="0"/>
-              </a:spcAft>
-              <a:buClr>
-                <a:srgbClr val="000000"/>
-              </a:buClr>
-              <a:buFont typeface="Arial"/>
-              <a:defRPr sz="1400" b="0" i="0" u="none" strike="noStrike" cap="none">
-                <a:solidFill>
-                  <a:srgbClr val="000000"/>
-                </a:solidFill>
-                <a:latin typeface="Arial"/>
-                <a:ea typeface="Arial"/>
-                <a:cs typeface="Arial"/>
-                <a:sym typeface="Arial"/>
-              </a:defRPr>
-            </a:lvl5pPr>
-            <a:lvl6pPr marR="0" lvl="5" algn="l" rtl="0">
-              <a:lnSpc>
-                <a:spcPct val="100000"/>
-              </a:lnSpc>
-              <a:spcBef>
-                <a:spcPts val="0"/>
-              </a:spcBef>
-              <a:spcAft>
-                <a:spcPts val="0"/>
-              </a:spcAft>
-              <a:buClr>
-                <a:srgbClr val="000000"/>
-              </a:buClr>
-              <a:buFont typeface="Arial"/>
-              <a:defRPr sz="1400" b="0" i="0" u="none" strike="noStrike" cap="none">
-                <a:solidFill>
-                  <a:srgbClr val="000000"/>
-                </a:solidFill>
-                <a:latin typeface="Arial"/>
-                <a:ea typeface="Arial"/>
-                <a:cs typeface="Arial"/>
-                <a:sym typeface="Arial"/>
-              </a:defRPr>
-            </a:lvl6pPr>
-            <a:lvl7pPr marR="0" lvl="6" algn="l" rtl="0">
-              <a:lnSpc>
-                <a:spcPct val="100000"/>
-              </a:lnSpc>
-              <a:spcBef>
-                <a:spcPts val="0"/>
-              </a:spcBef>
-              <a:spcAft>
-                <a:spcPts val="0"/>
-              </a:spcAft>
-              <a:buClr>
-                <a:srgbClr val="000000"/>
-              </a:buClr>
-              <a:buFont typeface="Arial"/>
-              <a:defRPr sz="1400" b="0" i="0" u="none" strike="noStrike" cap="none">
-                <a:solidFill>
-                  <a:srgbClr val="000000"/>
-                </a:solidFill>
-                <a:latin typeface="Arial"/>
-                <a:ea typeface="Arial"/>
-                <a:cs typeface="Arial"/>
-                <a:sym typeface="Arial"/>
-              </a:defRPr>
-            </a:lvl7pPr>
-            <a:lvl8pPr marR="0" lvl="7" algn="l" rtl="0">
-              <a:lnSpc>
-                <a:spcPct val="100000"/>
-              </a:lnSpc>
-              <a:spcBef>
-                <a:spcPts val="0"/>
-              </a:spcBef>
-              <a:spcAft>
-                <a:spcPts val="0"/>
-              </a:spcAft>
-              <a:buClr>
-                <a:srgbClr val="000000"/>
-              </a:buClr>
-              <a:buFont typeface="Arial"/>
-              <a:defRPr sz="1400" b="0" i="0" u="none" strike="noStrike" cap="none">
-                <a:solidFill>
-                  <a:srgbClr val="000000"/>
-                </a:solidFill>
-                <a:latin typeface="Arial"/>
-                <a:ea typeface="Arial"/>
-                <a:cs typeface="Arial"/>
-                <a:sym typeface="Arial"/>
-              </a:defRPr>
-            </a:lvl8pPr>
-            <a:lvl9pPr marR="0" lvl="8" algn="l" rtl="0">
-              <a:lnSpc>
-                <a:spcPct val="100000"/>
-              </a:lnSpc>
-              <a:spcBef>
-                <a:spcPts val="0"/>
-              </a:spcBef>
-              <a:spcAft>
-                <a:spcPts val="0"/>
-              </a:spcAft>
-              <a:buClr>
-                <a:srgbClr val="000000"/>
-              </a:buClr>
-              <a:buFont typeface="Arial"/>
-              <a:defRPr sz="1400" b="0" i="0" u="none" strike="noStrike" cap="none">
-                <a:solidFill>
-                  <a:srgbClr val="000000"/>
-                </a:solidFill>
-                <a:latin typeface="Arial"/>
-                <a:ea typeface="Arial"/>
-                <a:cs typeface="Arial"/>
-                <a:sym typeface="Arial"/>
-              </a:defRPr>
-            </a:lvl9pPr>
-          </a:lstStyle>
-          <a:p>
-            <a:pPr algn="r"/>
-            <a:fld id="{00000000-1234-1234-1234-123412341234}" type="slidenum">
-              <a:rPr lang="en"/>
-              <a:pPr algn="r"/>
-              <a:t>8</a:t>
-            </a:fld>
-            <a:endParaRPr lang="en" dirty="0"/>
-          </a:p>
-        </p:txBody>
-      </p:sp>
-      <p:sp>
-        <p:nvSpPr>
-          <p:cNvPr id="7" name="Title 3">
-            <a:extLst>
-              <a:ext uri="{FF2B5EF4-FFF2-40B4-BE49-F238E27FC236}">
-                <a16:creationId xmlns:a16="http://schemas.microsoft.com/office/drawing/2014/main" id="{1981D1B7-9D9D-244D-04CD-DA7D333C4A46}"/>
-              </a:ext>
-            </a:extLst>
-          </p:cNvPr>
-          <p:cNvSpPr txBox="1">
-            <a:spLocks/>
-          </p:cNvSpPr>
-          <p:nvPr/>
-        </p:nvSpPr>
-        <p:spPr>
-          <a:xfrm>
-            <a:off x="424543" y="70166"/>
-            <a:ext cx="8523515" cy="702600"/>
-          </a:xfrm>
-          <a:prstGeom prst="rect">
-            <a:avLst/>
-          </a:prstGeom>
-          <a:noFill/>
-          <a:ln>
-            <a:noFill/>
-          </a:ln>
-        </p:spPr>
-        <p:txBody>
-          <a:bodyPr spcFirstLastPara="1" wrap="square" lIns="91425" tIns="91425" rIns="91425" bIns="91425" anchor="b" anchorCtr="0">
-            <a:noAutofit/>
-          </a:bodyPr>
-          <a:lstStyle>
-            <a:defPPr marR="0" lvl="0" algn="l" rtl="0">
-              <a:lnSpc>
-                <a:spcPct val="100000"/>
-              </a:lnSpc>
-              <a:spcBef>
-                <a:spcPts val="0"/>
-              </a:spcBef>
-              <a:spcAft>
-                <a:spcPts val="0"/>
-              </a:spcAft>
-            </a:defPPr>
-            <a:lvl1pPr marR="0" lvl="0" algn="l" rtl="0" eaLnBrk="1" hangingPunct="1">
-              <a:lnSpc>
-                <a:spcPct val="100000"/>
-              </a:lnSpc>
-              <a:spcBef>
-                <a:spcPts val="0"/>
-              </a:spcBef>
-              <a:spcAft>
-                <a:spcPts val="0"/>
-              </a:spcAft>
-              <a:buClr>
-                <a:schemeClr val="accent1"/>
-              </a:buClr>
-              <a:buSzPts val="2000"/>
-              <a:buFont typeface="Roboto Slab"/>
-              <a:buNone/>
-              <a:defRPr sz="2800" b="0" i="0" u="none" strike="noStrike" cap="none">
-                <a:solidFill>
-                  <a:schemeClr val="accent1"/>
-                </a:solidFill>
-                <a:latin typeface="Source Sans Pro" panose="020B0503030403020204" pitchFamily="34" charset="0"/>
-                <a:ea typeface="Source Sans Pro" panose="020B0503030403020204" pitchFamily="34" charset="0"/>
-                <a:cs typeface="Roboto Slab"/>
-                <a:sym typeface="Roboto Slab"/>
-              </a:defRPr>
-            </a:lvl1pPr>
-            <a:lvl2pPr marR="0" lvl="1" algn="l" rtl="0" eaLnBrk="1" hangingPunct="1">
-              <a:lnSpc>
-                <a:spcPct val="100000"/>
-              </a:lnSpc>
-              <a:spcBef>
-                <a:spcPts val="0"/>
-              </a:spcBef>
-              <a:spcAft>
-                <a:spcPts val="0"/>
-              </a:spcAft>
-              <a:buClr>
-                <a:schemeClr val="accent1"/>
-              </a:buClr>
-              <a:buSzPts val="2000"/>
-              <a:buFont typeface="Roboto Slab"/>
-              <a:buNone/>
-              <a:defRPr sz="2000" b="0" i="0" u="none" strike="noStrike" cap="none">
-                <a:solidFill>
-                  <a:schemeClr val="accent1"/>
-                </a:solidFill>
-                <a:latin typeface="Roboto Slab"/>
-                <a:ea typeface="Roboto Slab"/>
-                <a:cs typeface="Roboto Slab"/>
-                <a:sym typeface="Roboto Slab"/>
-              </a:defRPr>
-            </a:lvl2pPr>
-            <a:lvl3pPr marR="0" lvl="2" algn="l" rtl="0" eaLnBrk="1" hangingPunct="1">
-              <a:lnSpc>
-                <a:spcPct val="100000"/>
-              </a:lnSpc>
-              <a:spcBef>
-                <a:spcPts val="0"/>
-              </a:spcBef>
-              <a:spcAft>
-                <a:spcPts val="0"/>
-              </a:spcAft>
-              <a:buClr>
-                <a:schemeClr val="accent1"/>
-              </a:buClr>
-              <a:buSzPts val="2000"/>
-              <a:buFont typeface="Roboto Slab"/>
-              <a:buNone/>
-              <a:defRPr sz="2000" b="0" i="0" u="none" strike="noStrike" cap="none">
-                <a:solidFill>
-                  <a:schemeClr val="accent1"/>
-                </a:solidFill>
-                <a:latin typeface="Roboto Slab"/>
-                <a:ea typeface="Roboto Slab"/>
-                <a:cs typeface="Roboto Slab"/>
-                <a:sym typeface="Roboto Slab"/>
-              </a:defRPr>
-            </a:lvl3pPr>
-            <a:lvl4pPr marR="0" lvl="3" algn="l" rtl="0" eaLnBrk="1" hangingPunct="1">
-              <a:lnSpc>
-                <a:spcPct val="100000"/>
-              </a:lnSpc>
-              <a:spcBef>
-                <a:spcPts val="0"/>
-              </a:spcBef>
-              <a:spcAft>
-                <a:spcPts val="0"/>
-              </a:spcAft>
-              <a:buClr>
-                <a:schemeClr val="accent1"/>
-              </a:buClr>
-              <a:buSzPts val="2000"/>
-              <a:buFont typeface="Roboto Slab"/>
-              <a:buNone/>
-              <a:defRPr sz="2000" b="0" i="0" u="none" strike="noStrike" cap="none">
-                <a:solidFill>
-                  <a:schemeClr val="accent1"/>
-                </a:solidFill>
-                <a:latin typeface="Roboto Slab"/>
-                <a:ea typeface="Roboto Slab"/>
-                <a:cs typeface="Roboto Slab"/>
-                <a:sym typeface="Roboto Slab"/>
-              </a:defRPr>
-            </a:lvl4pPr>
-            <a:lvl5pPr marR="0" lvl="4" algn="l" rtl="0" eaLnBrk="1" hangingPunct="1">
-              <a:lnSpc>
-                <a:spcPct val="100000"/>
-              </a:lnSpc>
-              <a:spcBef>
-                <a:spcPts val="0"/>
-              </a:spcBef>
-              <a:spcAft>
-                <a:spcPts val="0"/>
-              </a:spcAft>
-              <a:buClr>
-                <a:schemeClr val="accent1"/>
-              </a:buClr>
-              <a:buSzPts val="2000"/>
-              <a:buFont typeface="Roboto Slab"/>
-              <a:buNone/>
-              <a:defRPr sz="2000" b="0" i="0" u="none" strike="noStrike" cap="none">
-                <a:solidFill>
-                  <a:schemeClr val="accent1"/>
-                </a:solidFill>
-                <a:latin typeface="Roboto Slab"/>
-                <a:ea typeface="Roboto Slab"/>
-                <a:cs typeface="Roboto Slab"/>
-                <a:sym typeface="Roboto Slab"/>
-              </a:defRPr>
-            </a:lvl5pPr>
-            <a:lvl6pPr marR="0" lvl="5" algn="l" rtl="0" eaLnBrk="1" hangingPunct="1">
-              <a:lnSpc>
-                <a:spcPct val="100000"/>
-              </a:lnSpc>
-              <a:spcBef>
-                <a:spcPts val="0"/>
-              </a:spcBef>
-              <a:spcAft>
-                <a:spcPts val="0"/>
-              </a:spcAft>
-              <a:buClr>
-                <a:schemeClr val="accent1"/>
-              </a:buClr>
-              <a:buSzPts val="2000"/>
-              <a:buFont typeface="Roboto Slab"/>
-              <a:buNone/>
-              <a:defRPr sz="2000" b="0" i="0" u="none" strike="noStrike" cap="none">
-                <a:solidFill>
-                  <a:schemeClr val="accent1"/>
-                </a:solidFill>
-                <a:latin typeface="Roboto Slab"/>
-                <a:ea typeface="Roboto Slab"/>
-                <a:cs typeface="Roboto Slab"/>
-                <a:sym typeface="Roboto Slab"/>
-              </a:defRPr>
-            </a:lvl6pPr>
-            <a:lvl7pPr marR="0" lvl="6" algn="l" rtl="0" eaLnBrk="1" hangingPunct="1">
-              <a:lnSpc>
-                <a:spcPct val="100000"/>
-              </a:lnSpc>
-              <a:spcBef>
-                <a:spcPts val="0"/>
-              </a:spcBef>
-              <a:spcAft>
-                <a:spcPts val="0"/>
-              </a:spcAft>
-              <a:buClr>
-                <a:schemeClr val="accent1"/>
-              </a:buClr>
-              <a:buSzPts val="2000"/>
-              <a:buFont typeface="Roboto Slab"/>
-              <a:buNone/>
-              <a:defRPr sz="2000" b="0" i="0" u="none" strike="noStrike" cap="none">
-                <a:solidFill>
-                  <a:schemeClr val="accent1"/>
-                </a:solidFill>
-                <a:latin typeface="Roboto Slab"/>
-                <a:ea typeface="Roboto Slab"/>
-                <a:cs typeface="Roboto Slab"/>
-                <a:sym typeface="Roboto Slab"/>
-              </a:defRPr>
-            </a:lvl7pPr>
-            <a:lvl8pPr marR="0" lvl="7" algn="l" rtl="0" eaLnBrk="1" hangingPunct="1">
-              <a:lnSpc>
-                <a:spcPct val="100000"/>
-              </a:lnSpc>
-              <a:spcBef>
-                <a:spcPts val="0"/>
-              </a:spcBef>
-              <a:spcAft>
-                <a:spcPts val="0"/>
-              </a:spcAft>
-              <a:buClr>
-                <a:schemeClr val="accent1"/>
-              </a:buClr>
-              <a:buSzPts val="2000"/>
-              <a:buFont typeface="Roboto Slab"/>
-              <a:buNone/>
-              <a:defRPr sz="2000" b="0" i="0" u="none" strike="noStrike" cap="none">
-                <a:solidFill>
-                  <a:schemeClr val="accent1"/>
-                </a:solidFill>
-                <a:latin typeface="Roboto Slab"/>
-                <a:ea typeface="Roboto Slab"/>
-                <a:cs typeface="Roboto Slab"/>
-                <a:sym typeface="Roboto Slab"/>
-              </a:defRPr>
-            </a:lvl8pPr>
-            <a:lvl9pPr marR="0" lvl="8" algn="l" rtl="0" eaLnBrk="1" hangingPunct="1">
-              <a:lnSpc>
-                <a:spcPct val="100000"/>
-              </a:lnSpc>
-              <a:spcBef>
-                <a:spcPts val="0"/>
-              </a:spcBef>
-              <a:spcAft>
-                <a:spcPts val="0"/>
-              </a:spcAft>
-              <a:buClr>
-                <a:schemeClr val="accent1"/>
-              </a:buClr>
-              <a:buSzPts val="2000"/>
-              <a:buFont typeface="Roboto Slab"/>
-              <a:buNone/>
-              <a:defRPr sz="2000" b="0" i="0" u="none" strike="noStrike" cap="none">
-                <a:solidFill>
-                  <a:schemeClr val="accent1"/>
-                </a:solidFill>
-                <a:latin typeface="Roboto Slab"/>
-                <a:ea typeface="Roboto Slab"/>
-                <a:cs typeface="Roboto Slab"/>
-                <a:sym typeface="Roboto Slab"/>
-              </a:defRPr>
-            </a:lvl9pPr>
-          </a:lstStyle>
-          <a:p>
-            <a:r>
-              <a:rPr lang="en-GB" sz="2600" dirty="0">
-                <a:latin typeface="Source Sans Pro"/>
-                <a:ea typeface="Source Sans Pro"/>
-              </a:rPr>
-              <a:t>Writing an EESSI test suite configuration</a:t>
-            </a:r>
-            <a:endParaRPr lang="en-US" sz="2600" dirty="0"/>
-          </a:p>
-        </p:txBody>
-      </p:sp>
-    </p:spTree>
-    <p:extLst>
-      <p:ext uri="{BB962C8B-B14F-4D97-AF65-F5344CB8AC3E}">
-        <p14:creationId xmlns:p14="http://schemas.microsoft.com/office/powerpoint/2010/main" val="4265618249"/>
-      </p:ext>
-    </p:extLst>
-  </p:cSld>
-  <p:clrMapOvr>
-    <a:masterClrMapping/>
-  </p:clrMapOvr>
-</p:sld>
-</file>
-
-<file path=ppt/slides/slide9.xml><?xml version="1.0" encoding="utf-8"?>
-<p:sld xmlns:a="http://schemas.openxmlformats.org/drawingml/2006/main" xmlns:r="http://schemas.openxmlformats.org/officeDocument/2006/relationships" xmlns:p="http://schemas.openxmlformats.org/presentationml/2006/main">
-  <p:cSld>
-    <p:spTree>
-      <p:nvGrpSpPr>
-        <p:cNvPr id="1" name="">
-          <a:extLst>
-            <a:ext uri="{FF2B5EF4-FFF2-40B4-BE49-F238E27FC236}">
               <a16:creationId xmlns:a16="http://schemas.microsoft.com/office/drawing/2014/main" id="{40C439C6-6B4D-7492-2415-80CF3EE32BB5}"/>
             </a:ext>
           </a:extLst>
@@ -21702,7 +20969,7 @@
             <a:fld id="{00000000-1234-1234-1234-123412341234}" type="slidenum">
               <a:rPr lang="en"/>
               <a:pPr algn="r"/>
-              <a:t>9</a:t>
+              <a:t>8</a:t>
             </a:fld>
             <a:endParaRPr lang="en" dirty="0"/>
           </a:p>
@@ -22002,6 +21269,703 @@
     <p:extLst>
       <p:ext uri="{BB962C8B-B14F-4D97-AF65-F5344CB8AC3E}">
         <p14:creationId xmlns:p14="http://schemas.microsoft.com/office/powerpoint/2010/main" val="2185835663"/>
+      </p:ext>
+    </p:extLst>
+  </p:cSld>
+  <p:clrMapOvr>
+    <a:masterClrMapping/>
+  </p:clrMapOvr>
+</p:sld>
+</file>
+
+<file path=ppt/slides/slide9.xml><?xml version="1.0" encoding="utf-8"?>
+<p:sld xmlns:a="http://schemas.openxmlformats.org/drawingml/2006/main" xmlns:r="http://schemas.openxmlformats.org/officeDocument/2006/relationships" xmlns:p="http://schemas.openxmlformats.org/presentationml/2006/main">
+  <p:cSld>
+    <p:spTree>
+      <p:nvGrpSpPr>
+        <p:cNvPr id="1" name="">
+          <a:extLst>
+            <a:ext uri="{FF2B5EF4-FFF2-40B4-BE49-F238E27FC236}">
+              <a16:creationId xmlns:a16="http://schemas.microsoft.com/office/drawing/2014/main" id="{D284020F-D1C3-F659-4847-1574422A77E4}"/>
+            </a:ext>
+          </a:extLst>
+        </p:cNvPr>
+        <p:cNvGrpSpPr/>
+        <p:nvPr/>
+      </p:nvGrpSpPr>
+      <p:grpSpPr>
+        <a:xfrm>
+          <a:off x="0" y="0"/>
+          <a:ext cx="0" cy="0"/>
+          <a:chOff x="0" y="0"/>
+          <a:chExt cx="0" cy="0"/>
+        </a:xfrm>
+      </p:grpSpPr>
+      <p:sp>
+        <p:nvSpPr>
+          <p:cNvPr id="5" name="Text Placeholder 4">
+            <a:extLst>
+              <a:ext uri="{FF2B5EF4-FFF2-40B4-BE49-F238E27FC236}">
+                <a16:creationId xmlns:a16="http://schemas.microsoft.com/office/drawing/2014/main" id="{CBEE9C12-4F61-7C08-E9A6-F911EB399C3F}"/>
+              </a:ext>
+            </a:extLst>
+          </p:cNvPr>
+          <p:cNvSpPr>
+            <a:spLocks noGrp="1"/>
+          </p:cNvSpPr>
+          <p:nvPr>
+            <p:ph type="body" idx="1"/>
+          </p:nvPr>
+        </p:nvSpPr>
+        <p:spPr>
+          <a:xfrm>
+            <a:off x="443017" y="788396"/>
+            <a:ext cx="8390739" cy="3791283"/>
+          </a:xfrm>
+        </p:spPr>
+        <p:txBody>
+          <a:bodyPr/>
+          <a:lstStyle/>
+          <a:p>
+            <a:pPr marL="76200" indent="0">
+              <a:buNone/>
+            </a:pPr>
+            <a:r>
+              <a:rPr lang="en-US" sz="1800" dirty="0"/>
+              <a:t>Goal: For everyone to have run the EESSI test suite on your HPC cluster (or laptop) by the end of EUM’25!</a:t>
+            </a:r>
+          </a:p>
+          <a:p>
+            <a:r>
+              <a:rPr lang="en-US" sz="1800" dirty="0"/>
+              <a:t>Step 1: install </a:t>
+            </a:r>
+            <a:r>
+              <a:rPr lang="en-US" sz="1800" dirty="0" err="1"/>
+              <a:t>ReFrame</a:t>
+            </a:r>
+            <a:r>
+              <a:rPr lang="en-US" sz="1800" dirty="0"/>
+              <a:t> &amp; the EESSI test suite</a:t>
+            </a:r>
+          </a:p>
+          <a:p>
+            <a:r>
+              <a:rPr lang="en-US" sz="1800" dirty="0"/>
+              <a:t>Step 2: create a </a:t>
+            </a:r>
+            <a:r>
+              <a:rPr lang="en-US" sz="1800" dirty="0" err="1"/>
+              <a:t>ReFrame</a:t>
+            </a:r>
+            <a:r>
+              <a:rPr lang="en-US" sz="1800" dirty="0"/>
+              <a:t> configuration file</a:t>
+            </a:r>
+          </a:p>
+          <a:p>
+            <a:r>
+              <a:rPr lang="en-US" sz="1800" dirty="0"/>
+              <a:t>Step 3: run reframe --list -t CI</a:t>
+            </a:r>
+          </a:p>
+          <a:p>
+            <a:r>
+              <a:rPr lang="en-US" sz="1800" dirty="0"/>
+              <a:t>Step 4: run reframe --dry-run -t CI -n /&lt;</a:t>
+            </a:r>
+            <a:r>
+              <a:rPr lang="en-US" sz="1800" dirty="0" err="1"/>
+              <a:t>somehash</a:t>
+            </a:r>
+            <a:r>
+              <a:rPr lang="en-US" sz="1800" dirty="0"/>
+              <a:t>&gt;</a:t>
+            </a:r>
+          </a:p>
+          <a:p>
+            <a:r>
+              <a:rPr lang="en-US" sz="1800" dirty="0"/>
+              <a:t>Step 5: run reframe --run -t CI -n /&lt;</a:t>
+            </a:r>
+            <a:r>
+              <a:rPr lang="en-US" sz="1800" dirty="0" err="1"/>
+              <a:t>somehash</a:t>
+            </a:r>
+            <a:r>
+              <a:rPr lang="en-US" sz="1800" dirty="0"/>
+              <a:t>&gt;</a:t>
+            </a:r>
+          </a:p>
+          <a:p>
+            <a:endParaRPr lang="en-US" sz="1800" dirty="0"/>
+          </a:p>
+          <a:p>
+            <a:endParaRPr lang="en-US" sz="1800" dirty="0"/>
+          </a:p>
+        </p:txBody>
+      </p:sp>
+      <p:sp>
+        <p:nvSpPr>
+          <p:cNvPr id="3" name="Google Shape;79;p13">
+            <a:extLst>
+              <a:ext uri="{FF2B5EF4-FFF2-40B4-BE49-F238E27FC236}">
+                <a16:creationId xmlns:a16="http://schemas.microsoft.com/office/drawing/2014/main" id="{568DDED2-C88F-0B39-C491-DBB6C128B415}"/>
+              </a:ext>
+            </a:extLst>
+          </p:cNvPr>
+          <p:cNvSpPr txBox="1">
+            <a:spLocks/>
+          </p:cNvSpPr>
+          <p:nvPr/>
+        </p:nvSpPr>
+        <p:spPr>
+          <a:xfrm>
+            <a:off x="-105683" y="4773864"/>
+            <a:ext cx="548700" cy="393600"/>
+          </a:xfrm>
+          <a:prstGeom prst="rect">
+            <a:avLst/>
+          </a:prstGeom>
+        </p:spPr>
+        <p:txBody>
+          <a:bodyPr spcFirstLastPara="1" wrap="square" lIns="91425" tIns="91425" rIns="91425" bIns="91425" anchor="t" anchorCtr="0">
+            <a:noAutofit/>
+          </a:bodyPr>
+          <a:lstStyle>
+            <a:defPPr marR="0" lvl="0" algn="l" rtl="0">
+              <a:lnSpc>
+                <a:spcPct val="100000"/>
+              </a:lnSpc>
+              <a:spcBef>
+                <a:spcPts val="0"/>
+              </a:spcBef>
+              <a:spcAft>
+                <a:spcPts val="0"/>
+              </a:spcAft>
+            </a:defPPr>
+            <a:lvl1pPr marR="0" lvl="0" algn="l" rtl="0">
+              <a:lnSpc>
+                <a:spcPct val="100000"/>
+              </a:lnSpc>
+              <a:spcBef>
+                <a:spcPts val="0"/>
+              </a:spcBef>
+              <a:spcAft>
+                <a:spcPts val="0"/>
+              </a:spcAft>
+              <a:buClr>
+                <a:srgbClr val="000000"/>
+              </a:buClr>
+              <a:buFont typeface="Arial"/>
+              <a:defRPr sz="1400" b="0" i="0" u="none" strike="noStrike" cap="none">
+                <a:solidFill>
+                  <a:srgbClr val="000000"/>
+                </a:solidFill>
+                <a:latin typeface="Arial"/>
+                <a:ea typeface="Arial"/>
+                <a:cs typeface="Arial"/>
+                <a:sym typeface="Arial"/>
+              </a:defRPr>
+            </a:lvl1pPr>
+            <a:lvl2pPr marR="0" lvl="1" algn="l" rtl="0">
+              <a:lnSpc>
+                <a:spcPct val="100000"/>
+              </a:lnSpc>
+              <a:spcBef>
+                <a:spcPts val="0"/>
+              </a:spcBef>
+              <a:spcAft>
+                <a:spcPts val="0"/>
+              </a:spcAft>
+              <a:buClr>
+                <a:srgbClr val="000000"/>
+              </a:buClr>
+              <a:buFont typeface="Arial"/>
+              <a:defRPr sz="1400" b="0" i="0" u="none" strike="noStrike" cap="none">
+                <a:solidFill>
+                  <a:srgbClr val="000000"/>
+                </a:solidFill>
+                <a:latin typeface="Arial"/>
+                <a:ea typeface="Arial"/>
+                <a:cs typeface="Arial"/>
+                <a:sym typeface="Arial"/>
+              </a:defRPr>
+            </a:lvl2pPr>
+            <a:lvl3pPr marR="0" lvl="2" algn="l" rtl="0">
+              <a:lnSpc>
+                <a:spcPct val="100000"/>
+              </a:lnSpc>
+              <a:spcBef>
+                <a:spcPts val="0"/>
+              </a:spcBef>
+              <a:spcAft>
+                <a:spcPts val="0"/>
+              </a:spcAft>
+              <a:buClr>
+                <a:srgbClr val="000000"/>
+              </a:buClr>
+              <a:buFont typeface="Arial"/>
+              <a:defRPr sz="1400" b="0" i="0" u="none" strike="noStrike" cap="none">
+                <a:solidFill>
+                  <a:srgbClr val="000000"/>
+                </a:solidFill>
+                <a:latin typeface="Arial"/>
+                <a:ea typeface="Arial"/>
+                <a:cs typeface="Arial"/>
+                <a:sym typeface="Arial"/>
+              </a:defRPr>
+            </a:lvl3pPr>
+            <a:lvl4pPr marR="0" lvl="3" algn="l" rtl="0">
+              <a:lnSpc>
+                <a:spcPct val="100000"/>
+              </a:lnSpc>
+              <a:spcBef>
+                <a:spcPts val="0"/>
+              </a:spcBef>
+              <a:spcAft>
+                <a:spcPts val="0"/>
+              </a:spcAft>
+              <a:buClr>
+                <a:srgbClr val="000000"/>
+              </a:buClr>
+              <a:buFont typeface="Arial"/>
+              <a:defRPr sz="1400" b="0" i="0" u="none" strike="noStrike" cap="none">
+                <a:solidFill>
+                  <a:srgbClr val="000000"/>
+                </a:solidFill>
+                <a:latin typeface="Arial"/>
+                <a:ea typeface="Arial"/>
+                <a:cs typeface="Arial"/>
+                <a:sym typeface="Arial"/>
+              </a:defRPr>
+            </a:lvl4pPr>
+            <a:lvl5pPr marR="0" lvl="4" algn="l" rtl="0">
+              <a:lnSpc>
+                <a:spcPct val="100000"/>
+              </a:lnSpc>
+              <a:spcBef>
+                <a:spcPts val="0"/>
+              </a:spcBef>
+              <a:spcAft>
+                <a:spcPts val="0"/>
+              </a:spcAft>
+              <a:buClr>
+                <a:srgbClr val="000000"/>
+              </a:buClr>
+              <a:buFont typeface="Arial"/>
+              <a:defRPr sz="1400" b="0" i="0" u="none" strike="noStrike" cap="none">
+                <a:solidFill>
+                  <a:srgbClr val="000000"/>
+                </a:solidFill>
+                <a:latin typeface="Arial"/>
+                <a:ea typeface="Arial"/>
+                <a:cs typeface="Arial"/>
+                <a:sym typeface="Arial"/>
+              </a:defRPr>
+            </a:lvl5pPr>
+            <a:lvl6pPr marR="0" lvl="5" algn="l" rtl="0">
+              <a:lnSpc>
+                <a:spcPct val="100000"/>
+              </a:lnSpc>
+              <a:spcBef>
+                <a:spcPts val="0"/>
+              </a:spcBef>
+              <a:spcAft>
+                <a:spcPts val="0"/>
+              </a:spcAft>
+              <a:buClr>
+                <a:srgbClr val="000000"/>
+              </a:buClr>
+              <a:buFont typeface="Arial"/>
+              <a:defRPr sz="1400" b="0" i="0" u="none" strike="noStrike" cap="none">
+                <a:solidFill>
+                  <a:srgbClr val="000000"/>
+                </a:solidFill>
+                <a:latin typeface="Arial"/>
+                <a:ea typeface="Arial"/>
+                <a:cs typeface="Arial"/>
+                <a:sym typeface="Arial"/>
+              </a:defRPr>
+            </a:lvl6pPr>
+            <a:lvl7pPr marR="0" lvl="6" algn="l" rtl="0">
+              <a:lnSpc>
+                <a:spcPct val="100000"/>
+              </a:lnSpc>
+              <a:spcBef>
+                <a:spcPts val="0"/>
+              </a:spcBef>
+              <a:spcAft>
+                <a:spcPts val="0"/>
+              </a:spcAft>
+              <a:buClr>
+                <a:srgbClr val="000000"/>
+              </a:buClr>
+              <a:buFont typeface="Arial"/>
+              <a:defRPr sz="1400" b="0" i="0" u="none" strike="noStrike" cap="none">
+                <a:solidFill>
+                  <a:srgbClr val="000000"/>
+                </a:solidFill>
+                <a:latin typeface="Arial"/>
+                <a:ea typeface="Arial"/>
+                <a:cs typeface="Arial"/>
+                <a:sym typeface="Arial"/>
+              </a:defRPr>
+            </a:lvl7pPr>
+            <a:lvl8pPr marR="0" lvl="7" algn="l" rtl="0">
+              <a:lnSpc>
+                <a:spcPct val="100000"/>
+              </a:lnSpc>
+              <a:spcBef>
+                <a:spcPts val="0"/>
+              </a:spcBef>
+              <a:spcAft>
+                <a:spcPts val="0"/>
+              </a:spcAft>
+              <a:buClr>
+                <a:srgbClr val="000000"/>
+              </a:buClr>
+              <a:buFont typeface="Arial"/>
+              <a:defRPr sz="1400" b="0" i="0" u="none" strike="noStrike" cap="none">
+                <a:solidFill>
+                  <a:srgbClr val="000000"/>
+                </a:solidFill>
+                <a:latin typeface="Arial"/>
+                <a:ea typeface="Arial"/>
+                <a:cs typeface="Arial"/>
+                <a:sym typeface="Arial"/>
+              </a:defRPr>
+            </a:lvl8pPr>
+            <a:lvl9pPr marR="0" lvl="8" algn="l" rtl="0">
+              <a:lnSpc>
+                <a:spcPct val="100000"/>
+              </a:lnSpc>
+              <a:spcBef>
+                <a:spcPts val="0"/>
+              </a:spcBef>
+              <a:spcAft>
+                <a:spcPts val="0"/>
+              </a:spcAft>
+              <a:buClr>
+                <a:srgbClr val="000000"/>
+              </a:buClr>
+              <a:buFont typeface="Arial"/>
+              <a:defRPr sz="1400" b="0" i="0" u="none" strike="noStrike" cap="none">
+                <a:solidFill>
+                  <a:srgbClr val="000000"/>
+                </a:solidFill>
+                <a:latin typeface="Arial"/>
+                <a:ea typeface="Arial"/>
+                <a:cs typeface="Arial"/>
+                <a:sym typeface="Arial"/>
+              </a:defRPr>
+            </a:lvl9pPr>
+          </a:lstStyle>
+          <a:p>
+            <a:pPr algn="r"/>
+            <a:fld id="{00000000-1234-1234-1234-123412341234}" type="slidenum">
+              <a:rPr lang="en"/>
+              <a:pPr algn="r"/>
+              <a:t>9</a:t>
+            </a:fld>
+            <a:endParaRPr lang="en" dirty="0"/>
+          </a:p>
+        </p:txBody>
+      </p:sp>
+      <p:sp>
+        <p:nvSpPr>
+          <p:cNvPr id="7" name="Title 3">
+            <a:extLst>
+              <a:ext uri="{FF2B5EF4-FFF2-40B4-BE49-F238E27FC236}">
+                <a16:creationId xmlns:a16="http://schemas.microsoft.com/office/drawing/2014/main" id="{1981D1B7-9D9D-244D-04CD-DA7D333C4A46}"/>
+              </a:ext>
+            </a:extLst>
+          </p:cNvPr>
+          <p:cNvSpPr txBox="1">
+            <a:spLocks/>
+          </p:cNvSpPr>
+          <p:nvPr/>
+        </p:nvSpPr>
+        <p:spPr>
+          <a:xfrm>
+            <a:off x="424543" y="70166"/>
+            <a:ext cx="8523515" cy="702600"/>
+          </a:xfrm>
+          <a:prstGeom prst="rect">
+            <a:avLst/>
+          </a:prstGeom>
+          <a:noFill/>
+          <a:ln>
+            <a:noFill/>
+          </a:ln>
+        </p:spPr>
+        <p:txBody>
+          <a:bodyPr spcFirstLastPara="1" wrap="square" lIns="91425" tIns="91425" rIns="91425" bIns="91425" anchor="b" anchorCtr="0">
+            <a:noAutofit/>
+          </a:bodyPr>
+          <a:lstStyle>
+            <a:defPPr marR="0" lvl="0" algn="l" rtl="0">
+              <a:lnSpc>
+                <a:spcPct val="100000"/>
+              </a:lnSpc>
+              <a:spcBef>
+                <a:spcPts val="0"/>
+              </a:spcBef>
+              <a:spcAft>
+                <a:spcPts val="0"/>
+              </a:spcAft>
+            </a:defPPr>
+            <a:lvl1pPr marR="0" lvl="0" algn="l" rtl="0" eaLnBrk="1" hangingPunct="1">
+              <a:lnSpc>
+                <a:spcPct val="100000"/>
+              </a:lnSpc>
+              <a:spcBef>
+                <a:spcPts val="0"/>
+              </a:spcBef>
+              <a:spcAft>
+                <a:spcPts val="0"/>
+              </a:spcAft>
+              <a:buClr>
+                <a:schemeClr val="accent1"/>
+              </a:buClr>
+              <a:buSzPts val="2000"/>
+              <a:buFont typeface="Roboto Slab"/>
+              <a:buNone/>
+              <a:defRPr sz="2800" b="0" i="0" u="none" strike="noStrike" cap="none">
+                <a:solidFill>
+                  <a:schemeClr val="accent1"/>
+                </a:solidFill>
+                <a:latin typeface="Source Sans Pro" panose="020B0503030403020204" pitchFamily="34" charset="0"/>
+                <a:ea typeface="Source Sans Pro" panose="020B0503030403020204" pitchFamily="34" charset="0"/>
+                <a:cs typeface="Roboto Slab"/>
+                <a:sym typeface="Roboto Slab"/>
+              </a:defRPr>
+            </a:lvl1pPr>
+            <a:lvl2pPr marR="0" lvl="1" algn="l" rtl="0" eaLnBrk="1" hangingPunct="1">
+              <a:lnSpc>
+                <a:spcPct val="100000"/>
+              </a:lnSpc>
+              <a:spcBef>
+                <a:spcPts val="0"/>
+              </a:spcBef>
+              <a:spcAft>
+                <a:spcPts val="0"/>
+              </a:spcAft>
+              <a:buClr>
+                <a:schemeClr val="accent1"/>
+              </a:buClr>
+              <a:buSzPts val="2000"/>
+              <a:buFont typeface="Roboto Slab"/>
+              <a:buNone/>
+              <a:defRPr sz="2000" b="0" i="0" u="none" strike="noStrike" cap="none">
+                <a:solidFill>
+                  <a:schemeClr val="accent1"/>
+                </a:solidFill>
+                <a:latin typeface="Roboto Slab"/>
+                <a:ea typeface="Roboto Slab"/>
+                <a:cs typeface="Roboto Slab"/>
+                <a:sym typeface="Roboto Slab"/>
+              </a:defRPr>
+            </a:lvl2pPr>
+            <a:lvl3pPr marR="0" lvl="2" algn="l" rtl="0" eaLnBrk="1" hangingPunct="1">
+              <a:lnSpc>
+                <a:spcPct val="100000"/>
+              </a:lnSpc>
+              <a:spcBef>
+                <a:spcPts val="0"/>
+              </a:spcBef>
+              <a:spcAft>
+                <a:spcPts val="0"/>
+              </a:spcAft>
+              <a:buClr>
+                <a:schemeClr val="accent1"/>
+              </a:buClr>
+              <a:buSzPts val="2000"/>
+              <a:buFont typeface="Roboto Slab"/>
+              <a:buNone/>
+              <a:defRPr sz="2000" b="0" i="0" u="none" strike="noStrike" cap="none">
+                <a:solidFill>
+                  <a:schemeClr val="accent1"/>
+                </a:solidFill>
+                <a:latin typeface="Roboto Slab"/>
+                <a:ea typeface="Roboto Slab"/>
+                <a:cs typeface="Roboto Slab"/>
+                <a:sym typeface="Roboto Slab"/>
+              </a:defRPr>
+            </a:lvl3pPr>
+            <a:lvl4pPr marR="0" lvl="3" algn="l" rtl="0" eaLnBrk="1" hangingPunct="1">
+              <a:lnSpc>
+                <a:spcPct val="100000"/>
+              </a:lnSpc>
+              <a:spcBef>
+                <a:spcPts val="0"/>
+              </a:spcBef>
+              <a:spcAft>
+                <a:spcPts val="0"/>
+              </a:spcAft>
+              <a:buClr>
+                <a:schemeClr val="accent1"/>
+              </a:buClr>
+              <a:buSzPts val="2000"/>
+              <a:buFont typeface="Roboto Slab"/>
+              <a:buNone/>
+              <a:defRPr sz="2000" b="0" i="0" u="none" strike="noStrike" cap="none">
+                <a:solidFill>
+                  <a:schemeClr val="accent1"/>
+                </a:solidFill>
+                <a:latin typeface="Roboto Slab"/>
+                <a:ea typeface="Roboto Slab"/>
+                <a:cs typeface="Roboto Slab"/>
+                <a:sym typeface="Roboto Slab"/>
+              </a:defRPr>
+            </a:lvl4pPr>
+            <a:lvl5pPr marR="0" lvl="4" algn="l" rtl="0" eaLnBrk="1" hangingPunct="1">
+              <a:lnSpc>
+                <a:spcPct val="100000"/>
+              </a:lnSpc>
+              <a:spcBef>
+                <a:spcPts val="0"/>
+              </a:spcBef>
+              <a:spcAft>
+                <a:spcPts val="0"/>
+              </a:spcAft>
+              <a:buClr>
+                <a:schemeClr val="accent1"/>
+              </a:buClr>
+              <a:buSzPts val="2000"/>
+              <a:buFont typeface="Roboto Slab"/>
+              <a:buNone/>
+              <a:defRPr sz="2000" b="0" i="0" u="none" strike="noStrike" cap="none">
+                <a:solidFill>
+                  <a:schemeClr val="accent1"/>
+                </a:solidFill>
+                <a:latin typeface="Roboto Slab"/>
+                <a:ea typeface="Roboto Slab"/>
+                <a:cs typeface="Roboto Slab"/>
+                <a:sym typeface="Roboto Slab"/>
+              </a:defRPr>
+            </a:lvl5pPr>
+            <a:lvl6pPr marR="0" lvl="5" algn="l" rtl="0" eaLnBrk="1" hangingPunct="1">
+              <a:lnSpc>
+                <a:spcPct val="100000"/>
+              </a:lnSpc>
+              <a:spcBef>
+                <a:spcPts val="0"/>
+              </a:spcBef>
+              <a:spcAft>
+                <a:spcPts val="0"/>
+              </a:spcAft>
+              <a:buClr>
+                <a:schemeClr val="accent1"/>
+              </a:buClr>
+              <a:buSzPts val="2000"/>
+              <a:buFont typeface="Roboto Slab"/>
+              <a:buNone/>
+              <a:defRPr sz="2000" b="0" i="0" u="none" strike="noStrike" cap="none">
+                <a:solidFill>
+                  <a:schemeClr val="accent1"/>
+                </a:solidFill>
+                <a:latin typeface="Roboto Slab"/>
+                <a:ea typeface="Roboto Slab"/>
+                <a:cs typeface="Roboto Slab"/>
+                <a:sym typeface="Roboto Slab"/>
+              </a:defRPr>
+            </a:lvl6pPr>
+            <a:lvl7pPr marR="0" lvl="6" algn="l" rtl="0" eaLnBrk="1" hangingPunct="1">
+              <a:lnSpc>
+                <a:spcPct val="100000"/>
+              </a:lnSpc>
+              <a:spcBef>
+                <a:spcPts val="0"/>
+              </a:spcBef>
+              <a:spcAft>
+                <a:spcPts val="0"/>
+              </a:spcAft>
+              <a:buClr>
+                <a:schemeClr val="accent1"/>
+              </a:buClr>
+              <a:buSzPts val="2000"/>
+              <a:buFont typeface="Roboto Slab"/>
+              <a:buNone/>
+              <a:defRPr sz="2000" b="0" i="0" u="none" strike="noStrike" cap="none">
+                <a:solidFill>
+                  <a:schemeClr val="accent1"/>
+                </a:solidFill>
+                <a:latin typeface="Roboto Slab"/>
+                <a:ea typeface="Roboto Slab"/>
+                <a:cs typeface="Roboto Slab"/>
+                <a:sym typeface="Roboto Slab"/>
+              </a:defRPr>
+            </a:lvl7pPr>
+            <a:lvl8pPr marR="0" lvl="7" algn="l" rtl="0" eaLnBrk="1" hangingPunct="1">
+              <a:lnSpc>
+                <a:spcPct val="100000"/>
+              </a:lnSpc>
+              <a:spcBef>
+                <a:spcPts val="0"/>
+              </a:spcBef>
+              <a:spcAft>
+                <a:spcPts val="0"/>
+              </a:spcAft>
+              <a:buClr>
+                <a:schemeClr val="accent1"/>
+              </a:buClr>
+              <a:buSzPts val="2000"/>
+              <a:buFont typeface="Roboto Slab"/>
+              <a:buNone/>
+              <a:defRPr sz="2000" b="0" i="0" u="none" strike="noStrike" cap="none">
+                <a:solidFill>
+                  <a:schemeClr val="accent1"/>
+                </a:solidFill>
+                <a:latin typeface="Roboto Slab"/>
+                <a:ea typeface="Roboto Slab"/>
+                <a:cs typeface="Roboto Slab"/>
+                <a:sym typeface="Roboto Slab"/>
+              </a:defRPr>
+            </a:lvl8pPr>
+            <a:lvl9pPr marR="0" lvl="8" algn="l" rtl="0" eaLnBrk="1" hangingPunct="1">
+              <a:lnSpc>
+                <a:spcPct val="100000"/>
+              </a:lnSpc>
+              <a:spcBef>
+                <a:spcPts val="0"/>
+              </a:spcBef>
+              <a:spcAft>
+                <a:spcPts val="0"/>
+              </a:spcAft>
+              <a:buClr>
+                <a:schemeClr val="accent1"/>
+              </a:buClr>
+              <a:buSzPts val="2000"/>
+              <a:buFont typeface="Roboto Slab"/>
+              <a:buNone/>
+              <a:defRPr sz="2000" b="0" i="0" u="none" strike="noStrike" cap="none">
+                <a:solidFill>
+                  <a:schemeClr val="accent1"/>
+                </a:solidFill>
+                <a:latin typeface="Roboto Slab"/>
+                <a:ea typeface="Roboto Slab"/>
+                <a:cs typeface="Roboto Slab"/>
+                <a:sym typeface="Roboto Slab"/>
+              </a:defRPr>
+            </a:lvl9pPr>
+          </a:lstStyle>
+          <a:p>
+            <a:r>
+              <a:rPr lang="en-GB" sz="2600" dirty="0">
+                <a:latin typeface="Source Sans Pro"/>
+                <a:ea typeface="Source Sans Pro"/>
+              </a:rPr>
+              <a:t>Writing an EESSI test suite configuration</a:t>
+            </a:r>
+            <a:endParaRPr lang="en-US" sz="2600" dirty="0"/>
+          </a:p>
+        </p:txBody>
+      </p:sp>
+    </p:spTree>
+    <p:extLst>
+      <p:ext uri="{BB962C8B-B14F-4D97-AF65-F5344CB8AC3E}">
+        <p14:creationId xmlns:p14="http://schemas.microsoft.com/office/powerpoint/2010/main" val="4265618249"/>
       </p:ext>
     </p:extLst>
   </p:cSld>
